--- a/Presentation_Group3.pptx
+++ b/Presentation_Group3.pptx
@@ -17,10 +17,10 @@
     <p:sldId id="341" r:id="rId5"/>
     <p:sldId id="338" r:id="rId6"/>
     <p:sldId id="342" r:id="rId7"/>
-    <p:sldId id="343" r:id="rId8"/>
-    <p:sldId id="344" r:id="rId9"/>
-    <p:sldId id="345" r:id="rId10"/>
-    <p:sldId id="346" r:id="rId11"/>
+    <p:sldId id="340" r:id="rId8"/>
+    <p:sldId id="345" r:id="rId9"/>
+    <p:sldId id="339" r:id="rId10"/>
+    <p:sldId id="343" r:id="rId11"/>
   </p:sldIdLst>
   <p:sldSz cx="12192000" cy="6858000"/>
   <p:notesSz cx="6858000" cy="9144000"/>
@@ -764,7 +764,7 @@
           <a:p>
             <a:fld id="{0FA23B7F-B0A4-4548-866A-1C343862BBF1}" type="datetimeFigureOut">
               <a:rPr lang="en-US" smtClean="0"/>
-              <a:t>11/27/2023</a:t>
+              <a:t>12/3/2023</a:t>
             </a:fld>
             <a:endParaRPr lang="en-CA"/>
           </a:p>
@@ -930,7 +930,7 @@
           <a:p>
             <a:fld id="{7466FCE3-F006-44F4-AB45-D076B47EC6C4}" type="datetimeFigureOut">
               <a:rPr lang="en-US" smtClean="0"/>
-              <a:t>11/27/2023</a:t>
+              <a:t>12/3/2023</a:t>
             </a:fld>
             <a:endParaRPr lang="en-US"/>
           </a:p>
@@ -3359,11 +3359,13 @@
         </p:nvSpPr>
         <p:spPr/>
         <p:txBody>
-          <a:bodyPr/>
+          <a:bodyPr>
+            <a:normAutofit/>
+          </a:bodyPr>
           <a:lstStyle/>
           <a:p>
             <a:r>
-              <a:rPr lang="en-CA" dirty="0"/>
+              <a:rPr lang="en-CA" sz="2400" dirty="0"/>
               <a:t>Functions</a:t>
             </a:r>
           </a:p>
@@ -3408,121 +3410,266 @@
           <a:lstStyle/>
           <a:p>
             <a:r>
+              <a:rPr lang="en-CA" b="1" dirty="0">
+                <a:solidFill>
+                  <a:schemeClr val="accent3">
+                    <a:lumMod val="50000"/>
+                  </a:schemeClr>
+                </a:solidFill>
+              </a:rPr>
+              <a:t>Main Method:</a:t>
+            </a:r>
+          </a:p>
+          <a:p>
+            <a:pPr lvl="1"/>
+            <a:r>
+              <a:rPr lang="en-CA" b="1" dirty="0">
+                <a:solidFill>
+                  <a:schemeClr val="accent3">
+                    <a:lumMod val="75000"/>
+                  </a:schemeClr>
+                </a:solidFill>
+              </a:rPr>
+              <a:t>update</a:t>
+            </a:r>
+            <a:r>
               <a:rPr lang="en-CA" dirty="0"/>
-              <a:t>Brief description of three functions</a:t>
-            </a:r>
-          </a:p>
-          <a:p>
-            <a:r>
-              <a:rPr lang="en-CA" dirty="0">
-                <a:solidFill>
-                  <a:schemeClr val="bg1">
-                    <a:lumMod val="65000"/>
+              <a:t>: </a:t>
+            </a:r>
+            <a:r>
+              <a:rPr lang="en-CA" sz="1800" dirty="0"/>
+              <a:t>[update the quantity and cost. Being used when customers buy the item or our company acquire</a:t>
+            </a:r>
+            <a:r>
+              <a:rPr lang="en-US" altLang="zh-CN" sz="1800" dirty="0"/>
+              <a:t>s</a:t>
+            </a:r>
+            <a:r>
+              <a:rPr lang="en-CA" sz="1800" dirty="0"/>
+              <a:t> goods.]</a:t>
+            </a:r>
+          </a:p>
+          <a:p>
+            <a:pPr lvl="1"/>
+            <a:r>
+              <a:rPr lang="en-CA" b="1" dirty="0">
+                <a:solidFill>
+                  <a:schemeClr val="accent3">
+                    <a:lumMod val="75000"/>
                   </a:schemeClr>
                 </a:solidFill>
               </a:rPr>
-              <a:t>eliminate : [</a:t>
-            </a:r>
-            <a:r>
-              <a:rPr lang="en-US" dirty="0">
-                <a:solidFill>
-                  <a:schemeClr val="bg1">
-                    <a:lumMod val="65000"/>
-                  </a:schemeClr>
-                </a:solidFill>
-              </a:rPr>
-              <a:t>Based on the different frequencies to come to our supermarket. This is a penalty to</a:t>
-            </a:r>
-            <a:r>
-              <a:rPr lang="zh-CN" altLang="en-US" dirty="0">
-                <a:solidFill>
-                  <a:schemeClr val="bg1">
-                    <a:lumMod val="65000"/>
+              <a:t>profit</a:t>
+            </a:r>
+            <a:r>
+              <a:rPr lang="en-CA" b="1" dirty="0">
+                <a:solidFill>
+                  <a:schemeClr val="accent3">
+                    <a:lumMod val="50000"/>
                   </a:schemeClr>
                 </a:solidFill>
               </a:rPr>
               <a:t> </a:t>
             </a:r>
             <a:r>
-              <a:rPr lang="en-US" altLang="zh-CN" dirty="0">
-                <a:solidFill>
-                  <a:schemeClr val="bg1">
-                    <a:lumMod val="65000"/>
+              <a:rPr lang="en-CA" dirty="0"/>
+              <a:t>: </a:t>
+            </a:r>
+            <a:r>
+              <a:rPr lang="en-CA" sz="1800" dirty="0"/>
+              <a:t>[Calculate the profit based on cost and price, assuming everything is sold out.]</a:t>
+            </a:r>
+            <a:r>
+              <a:rPr lang="en-US" altLang="zh-CN" sz="1800" b="1" dirty="0">
+                <a:solidFill>
+                  <a:schemeClr val="accent3">
+                    <a:lumMod val="75000"/>
                   </a:schemeClr>
                 </a:solidFill>
               </a:rPr>
-              <a:t>remove loyalty points</a:t>
-            </a:r>
-            <a:r>
-              <a:rPr lang="en-CA" dirty="0">
-                <a:solidFill>
-                  <a:schemeClr val="bg1">
-                    <a:lumMod val="65000"/>
+              <a:t> </a:t>
+            </a:r>
+          </a:p>
+          <a:p>
+            <a:pPr lvl="1"/>
+            <a:r>
+              <a:rPr lang="en-US" altLang="zh-CN" b="1" dirty="0">
+                <a:solidFill>
+                  <a:schemeClr val="accent3">
+                    <a:lumMod val="75000"/>
                   </a:schemeClr>
                 </a:solidFill>
               </a:rPr>
+              <a:t>remove </a:t>
+            </a:r>
+            <a:r>
+              <a:rPr lang="en-US" altLang="zh-CN" sz="1800" dirty="0"/>
+              <a:t>:[Remove the assigned items from the list in the class.]</a:t>
+            </a:r>
+            <a:endParaRPr lang="en-CA" sz="1800" dirty="0"/>
+          </a:p>
+          <a:p>
+            <a:r>
+              <a:rPr lang="en-CA" b="1" dirty="0">
+                <a:solidFill>
+                  <a:schemeClr val="accent3">
+                    <a:lumMod val="50000"/>
+                  </a:schemeClr>
+                </a:solidFill>
+              </a:rPr>
+              <a:t>Sub Class Add </a:t>
+            </a:r>
+            <a:r>
+              <a:rPr lang="en-CA" b="1" dirty="0" err="1">
+                <a:solidFill>
+                  <a:schemeClr val="accent3">
+                    <a:lumMod val="50000"/>
+                  </a:schemeClr>
+                </a:solidFill>
+              </a:rPr>
+              <a:t>methos</a:t>
+            </a:r>
+            <a:r>
+              <a:rPr lang="en-CA" b="1" dirty="0">
+                <a:solidFill>
+                  <a:schemeClr val="accent3">
+                    <a:lumMod val="50000"/>
+                  </a:schemeClr>
+                </a:solidFill>
+              </a:rPr>
+              <a:t>:</a:t>
+            </a:r>
+          </a:p>
+          <a:p>
+            <a:pPr lvl="1"/>
+            <a:r>
+              <a:rPr lang="en-CA" altLang="zh-CN" b="1" dirty="0">
+                <a:solidFill>
+                  <a:schemeClr val="accent3">
+                    <a:lumMod val="75000"/>
+                  </a:schemeClr>
+                </a:solidFill>
+              </a:rPr>
+              <a:t>__add__ : </a:t>
+            </a:r>
+            <a:r>
+              <a:rPr lang="en-CA" altLang="zh-CN" sz="1800" dirty="0"/>
+              <a:t>[Merge inventory from </a:t>
+            </a:r>
+            <a:r>
+              <a:rPr lang="en-CA" altLang="zh-CN" sz="1800" dirty="0" err="1"/>
+              <a:t>parent_class</a:t>
+            </a:r>
+            <a:r>
+              <a:rPr lang="en-CA" altLang="zh-CN" sz="1800" dirty="0"/>
+              <a:t> and </a:t>
+            </a:r>
+            <a:r>
+              <a:rPr lang="en-CA" altLang="zh-CN" sz="1800" dirty="0" err="1"/>
+              <a:t>child_class</a:t>
+            </a:r>
+            <a:r>
+              <a:rPr lang="en-CA" altLang="zh-CN" sz="1800" dirty="0"/>
+              <a:t> to </a:t>
+            </a:r>
+            <a:r>
+              <a:rPr lang="en-CA" altLang="zh-CN" sz="1800" dirty="0" err="1"/>
+              <a:t>child_class</a:t>
+            </a:r>
+            <a:r>
+              <a:rPr lang="en-CA" altLang="zh-CN" sz="1800" dirty="0"/>
               <a:t>]</a:t>
             </a:r>
           </a:p>
           <a:p>
-            <a:r>
-              <a:rPr lang="en-CA" dirty="0">
-                <a:solidFill>
-                  <a:schemeClr val="bg1">
-                    <a:lumMod val="65000"/>
+            <a:pPr lvl="1"/>
+            <a:r>
+              <a:rPr lang="en-CA" altLang="zh-CN" b="1" dirty="0">
+                <a:solidFill>
+                  <a:schemeClr val="accent3">
+                    <a:lumMod val="75000"/>
                   </a:schemeClr>
                 </a:solidFill>
               </a:rPr>
-              <a:t>promotion1: [The different loyalty points of customers may get different discount to buy goods.]</a:t>
-            </a:r>
-          </a:p>
-          <a:p>
-            <a:r>
-              <a:rPr lang="en-CA" dirty="0">
-                <a:solidFill>
-                  <a:schemeClr val="bg1">
-                    <a:lumMod val="65000"/>
+              <a:t>__str__: </a:t>
+            </a:r>
+            <a:r>
+              <a:rPr lang="en-CA" altLang="zh-CN" sz="1800" dirty="0"/>
+              <a:t>[Return the key information about the product]</a:t>
+            </a:r>
+          </a:p>
+          <a:p>
+            <a:r>
+              <a:rPr lang="en-US" altLang="zh-CN" b="1" dirty="0">
+                <a:solidFill>
+                  <a:schemeClr val="accent3">
+                    <a:lumMod val="50000"/>
                   </a:schemeClr>
                 </a:solidFill>
               </a:rPr>
-              <a:t>promotion2: [The customer with highest loyalty points will get a present by randomly selecting from the top 3 slow-selling product. Having</a:t>
-            </a:r>
-            <a:r>
-              <a:rPr lang="en-US" altLang="zh-CN" dirty="0">
-                <a:solidFill>
-                  <a:schemeClr val="bg1">
-                    <a:lumMod val="65000"/>
+              <a:t>Outside Function:</a:t>
+            </a:r>
+            <a:endParaRPr lang="en-CA" altLang="zh-CN" b="1" dirty="0">
+              <a:solidFill>
+                <a:schemeClr val="accent3">
+                  <a:lumMod val="50000"/>
+                </a:schemeClr>
+              </a:solidFill>
+            </a:endParaRPr>
+          </a:p>
+          <a:p>
+            <a:pPr lvl="1"/>
+            <a:r>
+              <a:rPr lang="en-CA" altLang="zh-CN" b="1" dirty="0">
+                <a:solidFill>
+                  <a:schemeClr val="accent3">
+                    <a:lumMod val="75000"/>
                   </a:schemeClr>
                 </a:solidFill>
               </a:rPr>
-              <a:t> different probabilities varies from different goods price</a:t>
-            </a:r>
-            <a:r>
-              <a:rPr lang="en-CA" dirty="0">
-                <a:solidFill>
-                  <a:schemeClr val="bg1">
-                    <a:lumMod val="65000"/>
+              <a:t>rollback: </a:t>
+            </a:r>
+            <a:r>
+              <a:rPr lang="en-CA" altLang="zh-CN" sz="1800" dirty="0"/>
+              <a:t>[Based on expiration date, give discount price to sell goods.(</a:t>
+            </a:r>
+            <a:r>
+              <a:rPr lang="en-US" altLang="zh-CN" sz="1800" dirty="0"/>
+              <a:t>less than 3 days, 50%;less than 7 days, 80%</a:t>
+            </a:r>
+            <a:r>
+              <a:rPr lang="en-CA" altLang="zh-CN" sz="1800" dirty="0"/>
+              <a:t>)]</a:t>
+            </a:r>
+          </a:p>
+          <a:p>
+            <a:pPr lvl="1"/>
+            <a:r>
+              <a:rPr lang="en-CA" altLang="zh-CN" b="1" dirty="0">
+                <a:solidFill>
+                  <a:schemeClr val="accent3">
+                    <a:lumMod val="75000"/>
                   </a:schemeClr>
                 </a:solidFill>
               </a:rPr>
-              <a:t>]</a:t>
-            </a:r>
-            <a:r>
-              <a:rPr lang="en-US" dirty="0">
-                <a:solidFill>
-                  <a:schemeClr val="bg1">
-                    <a:lumMod val="65000"/>
-                  </a:schemeClr>
-                </a:solidFill>
-              </a:rPr>
-              <a:t>.</a:t>
-            </a:r>
+              <a:t>rollback</a:t>
+            </a:r>
+            <a:r>
+              <a:rPr lang="en-CA" altLang="zh-CN" sz="1800" dirty="0"/>
+              <a:t>: [Based on slow-selling products</a:t>
+            </a:r>
+            <a:r>
+              <a:rPr lang="en-US" altLang="zh-CN" sz="1800" dirty="0"/>
+              <a:t>(quantity), return the top-3 as a gift for high points customer. Based on different costs, use the probability to allocate randomly]</a:t>
+            </a:r>
+          </a:p>
+          <a:p>
             <a:endParaRPr lang="en-CA" dirty="0"/>
           </a:p>
           <a:p>
-            <a:pPr marL="0" indent="0">
-              <a:buNone/>
-            </a:pPr>
+            <a:endParaRPr lang="en-CA" dirty="0"/>
+          </a:p>
+          <a:p>
             <a:endParaRPr lang="en-CA" dirty="0"/>
           </a:p>
         </p:txBody>
@@ -3530,7 +3677,7 @@
     </p:spTree>
     <p:extLst>
       <p:ext uri="{BB962C8B-B14F-4D97-AF65-F5344CB8AC3E}">
-        <p14:creationId xmlns:p14="http://schemas.microsoft.com/office/powerpoint/2010/main" val="2892434341"/>
+        <p14:creationId xmlns:p14="http://schemas.microsoft.com/office/powerpoint/2010/main" val="2646533078"/>
       </p:ext>
     </p:extLst>
   </p:cSld>
@@ -4351,7 +4498,23 @@
           <a:p>
             <a:r>
               <a:rPr lang="en-CA" dirty="0"/>
-              <a:t>Sub-Package 2 Module 1</a:t>
+              <a:t>Sub-Package 2 </a:t>
+            </a:r>
+            <a:r>
+              <a:rPr lang="en-CA" dirty="0" err="1"/>
+              <a:t>moudule</a:t>
+            </a:r>
+            <a:r>
+              <a:rPr lang="en-CA" dirty="0"/>
+              <a:t> </a:t>
+            </a:r>
+            <a:r>
+              <a:rPr lang="en-CA" dirty="0">
+                <a:solidFill>
+                  <a:srgbClr val="0070C0"/>
+                </a:solidFill>
+              </a:rPr>
+              <a:t>account.py</a:t>
             </a:r>
           </a:p>
         </p:txBody>
@@ -4395,118 +4558,614 @@
           <a:lstStyle/>
           <a:p>
             <a:r>
-              <a:rPr lang="en-CA" dirty="0"/>
-              <a:t>T</a:t>
-            </a:r>
-            <a:r>
-              <a:rPr lang="en-US" altLang="zh-CN" dirty="0"/>
-              <a:t>his module is used to calculate the </a:t>
-            </a:r>
-            <a:r>
-              <a:rPr lang="en-US" altLang="zh-CN" dirty="0" err="1"/>
-              <a:t>inventory_information</a:t>
-            </a:r>
+              <a:rPr lang="en-CA" altLang="zh-CN" b="1" dirty="0">
+                <a:solidFill>
+                  <a:schemeClr val="accent3">
+                    <a:lumMod val="50000"/>
+                  </a:schemeClr>
+                </a:solidFill>
+              </a:rPr>
+              <a:t>Interact with Sub-Package 1 and another module</a:t>
+            </a:r>
+            <a:r>
+              <a:rPr lang="en-CA" altLang="zh-CN" dirty="0"/>
+              <a:t>(</a:t>
+            </a:r>
+            <a:r>
+              <a:rPr lang="en-US" altLang="zh-CN" dirty="0">
+                <a:solidFill>
+                  <a:srgbClr val="0070C0"/>
+                </a:solidFill>
+              </a:rPr>
+              <a:t>inventory.py</a:t>
+            </a:r>
+            <a:r>
+              <a:rPr lang="en-CA" altLang="zh-CN" dirty="0"/>
+              <a:t>) </a:t>
+            </a:r>
+            <a:r>
+              <a:rPr lang="en-CA" altLang="zh-CN" b="1" dirty="0">
+                <a:solidFill>
+                  <a:schemeClr val="accent3">
+                    <a:lumMod val="50000"/>
+                  </a:schemeClr>
+                </a:solidFill>
+              </a:rPr>
+              <a:t>of Sub-Package 2 </a:t>
+            </a:r>
+          </a:p>
+          <a:p>
+            <a:pPr lvl="1"/>
+            <a:r>
+              <a:rPr lang="en-CA" altLang="zh-CN" sz="1800" dirty="0">
+                <a:solidFill>
+                  <a:schemeClr val="accent3">
+                    <a:lumMod val="75000"/>
+                  </a:schemeClr>
+                </a:solidFill>
+              </a:rPr>
+              <a:t>Based on loyalty credits to give some redeem</a:t>
+            </a:r>
+          </a:p>
+          <a:p>
+            <a:pPr lvl="1"/>
+            <a:r>
+              <a:rPr lang="en-CA" altLang="zh-CN" sz="1800" dirty="0">
+                <a:solidFill>
+                  <a:schemeClr val="accent3">
+                    <a:lumMod val="75000"/>
+                  </a:schemeClr>
+                </a:solidFill>
+              </a:rPr>
+              <a:t>Based on poor-selling products</a:t>
+            </a:r>
+          </a:p>
+          <a:p>
+            <a:pPr marL="182562" lvl="1" indent="0">
+              <a:buNone/>
+            </a:pPr>
+            <a:endParaRPr lang="en-CA" altLang="zh-CN" sz="1800" dirty="0">
+              <a:solidFill>
+                <a:schemeClr val="accent3">
+                  <a:lumMod val="75000"/>
+                </a:schemeClr>
+              </a:solidFill>
+            </a:endParaRPr>
+          </a:p>
+          <a:p>
+            <a:r>
+              <a:rPr lang="en-CA" altLang="zh-CN" b="1" dirty="0">
+                <a:solidFill>
+                  <a:schemeClr val="accent3">
+                    <a:lumMod val="50000"/>
+                  </a:schemeClr>
+                </a:solidFill>
+              </a:rPr>
+              <a:t>Give promotion and penalty with </a:t>
+            </a:r>
+            <a:r>
+              <a:rPr lang="en-US" altLang="zh-CN" b="1" dirty="0">
+                <a:solidFill>
+                  <a:schemeClr val="accent3">
+                    <a:lumMod val="50000"/>
+                  </a:schemeClr>
+                </a:solidFill>
+              </a:rPr>
+              <a:t>t</a:t>
+            </a:r>
+            <a:r>
+              <a:rPr lang="en-US" b="1" dirty="0">
+                <a:solidFill>
+                  <a:schemeClr val="accent3">
+                    <a:lumMod val="50000"/>
+                  </a:schemeClr>
+                </a:solidFill>
+              </a:rPr>
+              <a:t>hree functions inside.</a:t>
+            </a:r>
+          </a:p>
+          <a:p>
+            <a:pPr lvl="1"/>
+            <a:r>
+              <a:rPr lang="en-CA" sz="1800" dirty="0">
+                <a:solidFill>
+                  <a:schemeClr val="accent3">
+                    <a:lumMod val="75000"/>
+                  </a:schemeClr>
+                </a:solidFill>
+              </a:rPr>
+              <a:t>eliminate()</a:t>
+            </a:r>
+          </a:p>
+          <a:p>
+            <a:pPr lvl="1"/>
+            <a:r>
+              <a:rPr lang="en-CA" sz="1800" dirty="0">
+                <a:solidFill>
+                  <a:schemeClr val="accent3">
+                    <a:lumMod val="75000"/>
+                  </a:schemeClr>
+                </a:solidFill>
+              </a:rPr>
+              <a:t>promotion1()</a:t>
+            </a:r>
+          </a:p>
+          <a:p>
+            <a:pPr lvl="1"/>
+            <a:r>
+              <a:rPr lang="en-CA" sz="1800" dirty="0">
+                <a:solidFill>
+                  <a:schemeClr val="accent3">
+                    <a:lumMod val="75000"/>
+                  </a:schemeClr>
+                </a:solidFill>
+              </a:rPr>
+              <a:t>promotion2()</a:t>
+            </a:r>
+          </a:p>
+          <a:p>
             <a:endParaRPr lang="en-CA" dirty="0"/>
           </a:p>
-          <a:p>
-            <a:r>
-              <a:rPr lang="en-CA" dirty="0"/>
-              <a:t>There are two classes in this package</a:t>
-            </a:r>
-            <a:r>
-              <a:rPr lang="en-US" dirty="0"/>
-              <a:t>.</a:t>
-            </a:r>
-            <a:r>
-              <a:rPr lang="zh-CN" altLang="en-US" dirty="0"/>
-              <a:t> </a:t>
-            </a:r>
-            <a:r>
-              <a:rPr lang="en-US" altLang="zh-CN" b="0" i="0" dirty="0">
-                <a:solidFill>
-                  <a:srgbClr val="0F0F0F"/>
-                </a:solidFill>
-                <a:effectLst/>
-                <a:latin typeface="Söhne"/>
+        </p:txBody>
+      </p:sp>
+      <p:pic>
+        <p:nvPicPr>
+          <p:cNvPr id="6" name="Graphic 5" descr="Rating 3 Star with solid fill">
+            <a:extLst>
+              <a:ext uri="{FF2B5EF4-FFF2-40B4-BE49-F238E27FC236}">
+                <a16:creationId xmlns:a16="http://schemas.microsoft.com/office/drawing/2014/main" id="{5A477FD2-2121-B1DA-8272-BD56D7D4A95E}"/>
+              </a:ext>
+            </a:extLst>
+          </p:cNvPr>
+          <p:cNvPicPr>
+            <a:picLocks noChangeAspect="1"/>
+          </p:cNvPicPr>
+          <p:nvPr/>
+        </p:nvPicPr>
+        <p:blipFill>
+          <a:blip r:embed="rId2">
+            <a:extLst>
+              <a:ext uri="{28A0092B-C50C-407E-A947-70E740481C1C}">
+                <a14:useLocalDpi xmlns:a14="http://schemas.microsoft.com/office/drawing/2010/main" val="0"/>
+              </a:ext>
+              <a:ext uri="{96DAC541-7B7A-43D3-8B79-37D633B846F1}">
+                <asvg:svgBlip xmlns:asvg="http://schemas.microsoft.com/office/drawing/2016/SVG/main" r:embed="rId3"/>
+              </a:ext>
+            </a:extLst>
+          </a:blip>
+          <a:stretch>
+            <a:fillRect/>
+          </a:stretch>
+        </p:blipFill>
+        <p:spPr>
+          <a:xfrm>
+            <a:off x="13217657" y="4174146"/>
+            <a:ext cx="914400" cy="914400"/>
+          </a:xfrm>
+          <a:prstGeom prst="rect">
+            <a:avLst/>
+          </a:prstGeom>
+        </p:spPr>
+      </p:pic>
+      <p:pic>
+        <p:nvPicPr>
+          <p:cNvPr id="10" name="Graphic 9" descr="Target Audience with solid fill">
+            <a:extLst>
+              <a:ext uri="{FF2B5EF4-FFF2-40B4-BE49-F238E27FC236}">
+                <a16:creationId xmlns:a16="http://schemas.microsoft.com/office/drawing/2014/main" id="{901697F4-75EC-4AC7-C2DA-BC934A95DAAA}"/>
+              </a:ext>
+            </a:extLst>
+          </p:cNvPr>
+          <p:cNvPicPr>
+            <a:picLocks noChangeAspect="1"/>
+          </p:cNvPicPr>
+          <p:nvPr/>
+        </p:nvPicPr>
+        <p:blipFill>
+          <a:blip r:embed="rId4">
+            <a:extLst>
+              <a:ext uri="{28A0092B-C50C-407E-A947-70E740481C1C}">
+                <a14:useLocalDpi xmlns:a14="http://schemas.microsoft.com/office/drawing/2010/main" val="0"/>
+              </a:ext>
+              <a:ext uri="{96DAC541-7B7A-43D3-8B79-37D633B846F1}">
+                <asvg:svgBlip xmlns:asvg="http://schemas.microsoft.com/office/drawing/2016/SVG/main" r:embed="rId5"/>
+              </a:ext>
+            </a:extLst>
+          </a:blip>
+          <a:stretch>
+            <a:fillRect/>
+          </a:stretch>
+        </p:blipFill>
+        <p:spPr>
+          <a:xfrm>
+            <a:off x="1450052" y="4017433"/>
+            <a:ext cx="2065338" cy="2065338"/>
+          </a:xfrm>
+          <a:prstGeom prst="rect">
+            <a:avLst/>
+          </a:prstGeom>
+        </p:spPr>
+      </p:pic>
+      <p:pic>
+        <p:nvPicPr>
+          <p:cNvPr id="12" name="Graphic 11" descr="Present outline">
+            <a:extLst>
+              <a:ext uri="{FF2B5EF4-FFF2-40B4-BE49-F238E27FC236}">
+                <a16:creationId xmlns:a16="http://schemas.microsoft.com/office/drawing/2014/main" id="{2924F859-7253-575F-E490-0C5A03FC338D}"/>
+              </a:ext>
+            </a:extLst>
+          </p:cNvPr>
+          <p:cNvPicPr>
+            <a:picLocks noChangeAspect="1"/>
+          </p:cNvPicPr>
+          <p:nvPr/>
+        </p:nvPicPr>
+        <p:blipFill>
+          <a:blip r:embed="rId6">
+            <a:extLst>
+              <a:ext uri="{28A0092B-C50C-407E-A947-70E740481C1C}">
+                <a14:useLocalDpi xmlns:a14="http://schemas.microsoft.com/office/drawing/2010/main" val="0"/>
+              </a:ext>
+              <a:ext uri="{96DAC541-7B7A-43D3-8B79-37D633B846F1}">
+                <asvg:svgBlip xmlns:asvg="http://schemas.microsoft.com/office/drawing/2016/SVG/main" r:embed="rId7"/>
+              </a:ext>
+            </a:extLst>
+          </a:blip>
+          <a:stretch>
+            <a:fillRect/>
+          </a:stretch>
+        </p:blipFill>
+        <p:spPr>
+          <a:xfrm>
+            <a:off x="6423562" y="5301519"/>
+            <a:ext cx="797055" cy="797055"/>
+          </a:xfrm>
+          <a:prstGeom prst="rect">
+            <a:avLst/>
+          </a:prstGeom>
+        </p:spPr>
+      </p:pic>
+      <p:pic>
+        <p:nvPicPr>
+          <p:cNvPr id="14" name="Graphic 13" descr="Flying Money with solid fill">
+            <a:extLst>
+              <a:ext uri="{FF2B5EF4-FFF2-40B4-BE49-F238E27FC236}">
+                <a16:creationId xmlns:a16="http://schemas.microsoft.com/office/drawing/2014/main" id="{0173531D-D794-E4C4-1ACB-093F225CA655}"/>
+              </a:ext>
+            </a:extLst>
+          </p:cNvPr>
+          <p:cNvPicPr>
+            <a:picLocks noChangeAspect="1"/>
+          </p:cNvPicPr>
+          <p:nvPr/>
+        </p:nvPicPr>
+        <p:blipFill>
+          <a:blip r:embed="rId8">
+            <a:extLst>
+              <a:ext uri="{28A0092B-C50C-407E-A947-70E740481C1C}">
+                <a14:useLocalDpi xmlns:a14="http://schemas.microsoft.com/office/drawing/2010/main" val="0"/>
+              </a:ext>
+              <a:ext uri="{96DAC541-7B7A-43D3-8B79-37D633B846F1}">
+                <asvg:svgBlip xmlns:asvg="http://schemas.microsoft.com/office/drawing/2016/SVG/main" r:embed="rId9"/>
+              </a:ext>
+            </a:extLst>
+          </a:blip>
+          <a:stretch>
+            <a:fillRect/>
+          </a:stretch>
+        </p:blipFill>
+        <p:spPr>
+          <a:xfrm>
+            <a:off x="6107528" y="3103033"/>
+            <a:ext cx="914400" cy="914400"/>
+          </a:xfrm>
+          <a:prstGeom prst="rect">
+            <a:avLst/>
+          </a:prstGeom>
+        </p:spPr>
+      </p:pic>
+      <p:pic>
+        <p:nvPicPr>
+          <p:cNvPr id="16" name="Graphic 15" descr="Piggy Bank with solid fill">
+            <a:extLst>
+              <a:ext uri="{FF2B5EF4-FFF2-40B4-BE49-F238E27FC236}">
+                <a16:creationId xmlns:a16="http://schemas.microsoft.com/office/drawing/2014/main" id="{86A1D23F-6578-C786-66C9-3BC0E5D31B9B}"/>
+              </a:ext>
+            </a:extLst>
+          </p:cNvPr>
+          <p:cNvPicPr>
+            <a:picLocks noChangeAspect="1"/>
+          </p:cNvPicPr>
+          <p:nvPr/>
+        </p:nvPicPr>
+        <p:blipFill>
+          <a:blip r:embed="rId10">
+            <a:extLst>
+              <a:ext uri="{28A0092B-C50C-407E-A947-70E740481C1C}">
+                <a14:useLocalDpi xmlns:a14="http://schemas.microsoft.com/office/drawing/2010/main" val="0"/>
+              </a:ext>
+              <a:ext uri="{96DAC541-7B7A-43D3-8B79-37D633B846F1}">
+                <asvg:svgBlip xmlns:asvg="http://schemas.microsoft.com/office/drawing/2016/SVG/main" r:embed="rId11"/>
+              </a:ext>
+            </a:extLst>
+          </a:blip>
+          <a:stretch>
+            <a:fillRect/>
+          </a:stretch>
+        </p:blipFill>
+        <p:spPr>
+          <a:xfrm>
+            <a:off x="4906275" y="5265791"/>
+            <a:ext cx="914400" cy="914400"/>
+          </a:xfrm>
+          <a:prstGeom prst="rect">
+            <a:avLst/>
+          </a:prstGeom>
+        </p:spPr>
+      </p:pic>
+      <p:pic>
+        <p:nvPicPr>
+          <p:cNvPr id="20" name="Graphic 19" descr="Store with solid fill">
+            <a:extLst>
+              <a:ext uri="{FF2B5EF4-FFF2-40B4-BE49-F238E27FC236}">
+                <a16:creationId xmlns:a16="http://schemas.microsoft.com/office/drawing/2014/main" id="{D7734758-28E8-AA42-B5B1-17C7618C147E}"/>
+              </a:ext>
+            </a:extLst>
+          </p:cNvPr>
+          <p:cNvPicPr>
+            <a:picLocks noChangeAspect="1"/>
+          </p:cNvPicPr>
+          <p:nvPr/>
+        </p:nvPicPr>
+        <p:blipFill>
+          <a:blip r:embed="rId12">
+            <a:extLst>
+              <a:ext uri="{28A0092B-C50C-407E-A947-70E740481C1C}">
+                <a14:useLocalDpi xmlns:a14="http://schemas.microsoft.com/office/drawing/2010/main" val="0"/>
+              </a:ext>
+              <a:ext uri="{96DAC541-7B7A-43D3-8B79-37D633B846F1}">
+                <asvg:svgBlip xmlns:asvg="http://schemas.microsoft.com/office/drawing/2016/SVG/main" r:embed="rId13"/>
+              </a:ext>
+            </a:extLst>
+          </a:blip>
+          <a:stretch>
+            <a:fillRect/>
+          </a:stretch>
+        </p:blipFill>
+        <p:spPr>
+          <a:xfrm>
+            <a:off x="8533030" y="3459426"/>
+            <a:ext cx="2511253" cy="2511253"/>
+          </a:xfrm>
+          <a:prstGeom prst="rect">
+            <a:avLst/>
+          </a:prstGeom>
+        </p:spPr>
+      </p:pic>
+      <p:cxnSp>
+        <p:nvCxnSpPr>
+          <p:cNvPr id="23" name="Straight Arrow Connector 22">
+            <a:extLst>
+              <a:ext uri="{FF2B5EF4-FFF2-40B4-BE49-F238E27FC236}">
+                <a16:creationId xmlns:a16="http://schemas.microsoft.com/office/drawing/2014/main" id="{0E59D025-2782-7D46-B8DF-52BD890DFE91}"/>
+              </a:ext>
+            </a:extLst>
+          </p:cNvPr>
+          <p:cNvCxnSpPr>
+            <a:cxnSpLocks/>
+          </p:cNvCxnSpPr>
+          <p:nvPr/>
+        </p:nvCxnSpPr>
+        <p:spPr>
+          <a:xfrm>
+            <a:off x="4131199" y="4674620"/>
+            <a:ext cx="4008133" cy="16854"/>
+          </a:xfrm>
+          <a:prstGeom prst="straightConnector1">
+            <a:avLst/>
+          </a:prstGeom>
+          <a:ln w="57150">
+            <a:solidFill>
+              <a:schemeClr val="tx1"/>
+            </a:solidFill>
+            <a:tailEnd type="triangle"/>
+          </a:ln>
+          <a:effectLst/>
+        </p:spPr>
+        <p:style>
+          <a:lnRef idx="2">
+            <a:schemeClr val="accent1"/>
+          </a:lnRef>
+          <a:fillRef idx="0">
+            <a:schemeClr val="accent1"/>
+          </a:fillRef>
+          <a:effectRef idx="1">
+            <a:schemeClr val="accent1"/>
+          </a:effectRef>
+          <a:fontRef idx="minor">
+            <a:schemeClr val="tx1"/>
+          </a:fontRef>
+        </p:style>
+      </p:cxnSp>
+      <p:cxnSp>
+        <p:nvCxnSpPr>
+          <p:cNvPr id="27" name="Straight Arrow Connector 26">
+            <a:extLst>
+              <a:ext uri="{FF2B5EF4-FFF2-40B4-BE49-F238E27FC236}">
+                <a16:creationId xmlns:a16="http://schemas.microsoft.com/office/drawing/2014/main" id="{D008DCC7-0E17-5838-469C-1A9F8D5605FF}"/>
+              </a:ext>
+            </a:extLst>
+          </p:cNvPr>
+          <p:cNvCxnSpPr>
+            <a:cxnSpLocks/>
+          </p:cNvCxnSpPr>
+          <p:nvPr/>
+        </p:nvCxnSpPr>
+        <p:spPr>
+          <a:xfrm flipH="1">
+            <a:off x="4145267" y="5192140"/>
+            <a:ext cx="3901466" cy="0"/>
+          </a:xfrm>
+          <a:prstGeom prst="straightConnector1">
+            <a:avLst/>
+          </a:prstGeom>
+          <a:ln w="57150">
+            <a:solidFill>
+              <a:schemeClr val="tx1"/>
+            </a:solidFill>
+            <a:tailEnd type="triangle"/>
+          </a:ln>
+          <a:effectLst/>
+        </p:spPr>
+        <p:style>
+          <a:lnRef idx="2">
+            <a:schemeClr val="accent1"/>
+          </a:lnRef>
+          <a:fillRef idx="0">
+            <a:schemeClr val="accent1"/>
+          </a:fillRef>
+          <a:effectRef idx="1">
+            <a:schemeClr val="accent1"/>
+          </a:effectRef>
+          <a:fontRef idx="minor">
+            <a:schemeClr val="tx1"/>
+          </a:fontRef>
+        </p:style>
+      </p:cxnSp>
+      <p:pic>
+        <p:nvPicPr>
+          <p:cNvPr id="30" name="Graphic 29" descr="Flying Money with solid fill">
+            <a:extLst>
+              <a:ext uri="{FF2B5EF4-FFF2-40B4-BE49-F238E27FC236}">
+                <a16:creationId xmlns:a16="http://schemas.microsoft.com/office/drawing/2014/main" id="{55D727A4-E182-408F-2328-2BEF12481FD9}"/>
+              </a:ext>
+            </a:extLst>
+          </p:cNvPr>
+          <p:cNvPicPr>
+            <a:picLocks noChangeAspect="1"/>
+          </p:cNvPicPr>
+          <p:nvPr/>
+        </p:nvPicPr>
+        <p:blipFill>
+          <a:blip r:embed="rId8">
+            <a:extLst>
+              <a:ext uri="{28A0092B-C50C-407E-A947-70E740481C1C}">
+                <a14:useLocalDpi xmlns:a14="http://schemas.microsoft.com/office/drawing/2010/main" val="0"/>
+              </a:ext>
+              <a:ext uri="{96DAC541-7B7A-43D3-8B79-37D633B846F1}">
+                <asvg:svgBlip xmlns:asvg="http://schemas.microsoft.com/office/drawing/2016/SVG/main" r:embed="rId9"/>
+              </a:ext>
+            </a:extLst>
+          </a:blip>
+          <a:stretch>
+            <a:fillRect/>
+          </a:stretch>
+        </p:blipFill>
+        <p:spPr>
+          <a:xfrm>
+            <a:off x="5545693" y="3457419"/>
+            <a:ext cx="788614" cy="788614"/>
+          </a:xfrm>
+          <a:prstGeom prst="rect">
+            <a:avLst/>
+          </a:prstGeom>
+        </p:spPr>
+      </p:pic>
+      <p:sp>
+        <p:nvSpPr>
+          <p:cNvPr id="32" name="TextBox 31">
+            <a:extLst>
+              <a:ext uri="{FF2B5EF4-FFF2-40B4-BE49-F238E27FC236}">
+                <a16:creationId xmlns:a16="http://schemas.microsoft.com/office/drawing/2014/main" id="{79E0C9D5-16B5-10F8-228F-4E62E320FB5A}"/>
+              </a:ext>
+            </a:extLst>
+          </p:cNvPr>
+          <p:cNvSpPr txBox="1"/>
+          <p:nvPr/>
+        </p:nvSpPr>
+        <p:spPr>
+          <a:xfrm>
+            <a:off x="5530879" y="4763911"/>
+            <a:ext cx="967124" cy="369332"/>
+          </a:xfrm>
+          <a:prstGeom prst="rect">
+            <a:avLst/>
+          </a:prstGeom>
+          <a:noFill/>
+        </p:spPr>
+        <p:txBody>
+          <a:bodyPr wrap="none" rtlCol="0">
+            <a:spAutoFit/>
+          </a:bodyPr>
+          <a:lstStyle/>
+          <a:p>
+            <a:r>
+              <a:rPr lang="en-US" altLang="zh-CN" b="1" dirty="0">
+                <a:solidFill>
+                  <a:schemeClr val="accent3">
+                    <a:lumMod val="75000"/>
+                  </a:schemeClr>
+                </a:solidFill>
+                <a:latin typeface="Open Sans"/>
+                <a:cs typeface="Open Sans"/>
               </a:rPr>
-              <a:t>One class is used to record the inventory of the main company (parent class), and another class is used to record the expanded inventory of a subsidiary company (subclass). </a:t>
-            </a:r>
-          </a:p>
-          <a:p>
-            <a:r>
-              <a:rPr lang="en-US" altLang="zh-CN" dirty="0">
-                <a:solidFill>
-                  <a:srgbClr val="0F0F0F"/>
-                </a:solidFill>
-                <a:latin typeface="Söhne"/>
-              </a:rPr>
-              <a:t>The subclass adds two additional methods: one for calculating the top three slow-selling products and another for removing  items from the inventory.</a:t>
-            </a:r>
-            <a:endParaRPr lang="en-CA" altLang="zh-CN" dirty="0"/>
-          </a:p>
-          <a:p>
-            <a:r>
-              <a:rPr lang="en-US" altLang="zh-CN" dirty="0">
-                <a:solidFill>
-                  <a:srgbClr val="0F0F0F"/>
-                </a:solidFill>
-                <a:latin typeface="Söhne"/>
-              </a:rPr>
-              <a:t>Each class we have two class-attribute, one to count the variety of items and the other is a list to store each record.</a:t>
-            </a:r>
-          </a:p>
-          <a:p>
-            <a:r>
-              <a:rPr lang="en-US" altLang="zh-CN" b="0" i="0" dirty="0">
-                <a:solidFill>
-                  <a:srgbClr val="0F0F0F"/>
-                </a:solidFill>
-                <a:effectLst/>
-                <a:latin typeface="Söhne"/>
-              </a:rPr>
-              <a:t>Each class have </a:t>
-            </a:r>
-            <a:r>
-              <a:rPr lang="en-US" altLang="zh-CN" dirty="0">
-                <a:solidFill>
-                  <a:srgbClr val="0F0F0F"/>
-                </a:solidFill>
-                <a:latin typeface="Söhne"/>
-              </a:rPr>
-              <a:t>five </a:t>
-            </a:r>
-            <a:r>
-              <a:rPr lang="en-US" altLang="zh-CN" dirty="0" err="1">
-                <a:solidFill>
-                  <a:srgbClr val="0F0F0F"/>
-                </a:solidFill>
-                <a:latin typeface="Söhne"/>
-              </a:rPr>
-              <a:t>instance_attributes</a:t>
-            </a:r>
-            <a:r>
-              <a:rPr lang="en-US" altLang="zh-CN" dirty="0">
-                <a:solidFill>
-                  <a:srgbClr val="0F0F0F"/>
-                </a:solidFill>
-                <a:latin typeface="Söhne"/>
-              </a:rPr>
-              <a:t>. (item, quantity, cost, price, expire).</a:t>
-            </a:r>
-            <a:endParaRPr lang="en-US" altLang="zh-CN" b="0" i="0" dirty="0">
+              <a:t>loyalty</a:t>
+            </a:r>
+            <a:endParaRPr lang="zh-CN" altLang="en-US" sz="1400" b="1" dirty="0">
               <a:solidFill>
-                <a:srgbClr val="0F0F0F"/>
+                <a:schemeClr val="accent3">
+                  <a:lumMod val="75000"/>
+                </a:schemeClr>
               </a:solidFill>
-              <a:effectLst/>
-              <a:latin typeface="Söhne"/>
+              <a:latin typeface="Open Sans"/>
+              <a:cs typeface="Open Sans"/>
             </a:endParaRPr>
           </a:p>
         </p:txBody>
       </p:sp>
+      <p:pic>
+        <p:nvPicPr>
+          <p:cNvPr id="35" name="Graphic 34" descr="Flying Money with solid fill">
+            <a:extLst>
+              <a:ext uri="{FF2B5EF4-FFF2-40B4-BE49-F238E27FC236}">
+                <a16:creationId xmlns:a16="http://schemas.microsoft.com/office/drawing/2014/main" id="{8740778E-D543-5712-4FBA-0939BA5D76DF}"/>
+              </a:ext>
+            </a:extLst>
+          </p:cNvPr>
+          <p:cNvPicPr>
+            <a:picLocks noChangeAspect="1"/>
+          </p:cNvPicPr>
+          <p:nvPr/>
+        </p:nvPicPr>
+        <p:blipFill>
+          <a:blip r:embed="rId8">
+            <a:extLst>
+              <a:ext uri="{28A0092B-C50C-407E-A947-70E740481C1C}">
+                <a14:useLocalDpi xmlns:a14="http://schemas.microsoft.com/office/drawing/2010/main" val="0"/>
+              </a:ext>
+              <a:ext uri="{96DAC541-7B7A-43D3-8B79-37D633B846F1}">
+                <asvg:svgBlip xmlns:asvg="http://schemas.microsoft.com/office/drawing/2016/SVG/main" r:embed="rId9"/>
+              </a:ext>
+            </a:extLst>
+          </a:blip>
+          <a:stretch>
+            <a:fillRect/>
+          </a:stretch>
+        </p:blipFill>
+        <p:spPr>
+          <a:xfrm>
+            <a:off x="5003298" y="3885433"/>
+            <a:ext cx="752362" cy="752362"/>
+          </a:xfrm>
+          <a:prstGeom prst="rect">
+            <a:avLst/>
+          </a:prstGeom>
+        </p:spPr>
+      </p:pic>
     </p:spTree>
     <p:extLst>
       <p:ext uri="{BB962C8B-B14F-4D97-AF65-F5344CB8AC3E}">
-        <p14:creationId xmlns:p14="http://schemas.microsoft.com/office/powerpoint/2010/main" val="1662013090"/>
+        <p14:creationId xmlns:p14="http://schemas.microsoft.com/office/powerpoint/2010/main" val="746202287"/>
       </p:ext>
     </p:extLst>
   </p:cSld>
@@ -4545,11 +5204,13 @@
         </p:nvSpPr>
         <p:spPr/>
         <p:txBody>
-          <a:bodyPr/>
+          <a:bodyPr>
+            <a:normAutofit/>
+          </a:bodyPr>
           <a:lstStyle/>
           <a:p>
             <a:r>
-              <a:rPr lang="en-CA" dirty="0"/>
+              <a:rPr lang="en-CA" sz="2400" dirty="0"/>
               <a:t>Functions</a:t>
             </a:r>
           </a:p>
@@ -4594,210 +5255,171 @@
           <a:lstStyle/>
           <a:p>
             <a:r>
-              <a:rPr lang="en-CA" dirty="0"/>
-              <a:t>Brief description of three functions</a:t>
-            </a:r>
-          </a:p>
-          <a:p>
-            <a:r>
-              <a:rPr lang="en-CA" dirty="0">
-                <a:solidFill>
-                  <a:schemeClr val="bg1">
-                    <a:lumMod val="65000"/>
+              <a:rPr lang="en-CA" b="1" dirty="0">
+                <a:solidFill>
+                  <a:schemeClr val="accent3">
+                    <a:lumMod val="50000"/>
                   </a:schemeClr>
                 </a:solidFill>
               </a:rPr>
-              <a:t>update: [update the quantity. Being used when customers buy the item or our company acquire goods.]</a:t>
-            </a:r>
-          </a:p>
-          <a:p>
-            <a:r>
-              <a:rPr lang="en-CA" dirty="0">
-                <a:solidFill>
-                  <a:schemeClr val="bg1">
-                    <a:lumMod val="65000"/>
+              <a:t>Three Functions:</a:t>
+            </a:r>
+          </a:p>
+          <a:p>
+            <a:pPr lvl="1"/>
+            <a:r>
+              <a:rPr lang="en-CA" b="1" dirty="0">
+                <a:solidFill>
+                  <a:schemeClr val="accent3">
+                    <a:lumMod val="75000"/>
                   </a:schemeClr>
                 </a:solidFill>
               </a:rPr>
-              <a:t>kickback: [Based on expiration date, give discount price to sell goods.(</a:t>
-            </a:r>
-            <a:r>
-              <a:rPr lang="en-US" altLang="zh-CN" dirty="0">
-                <a:solidFill>
-                  <a:schemeClr val="bg1">
-                    <a:lumMod val="65000"/>
+              <a:t>eliminate: </a:t>
+            </a:r>
+            <a:r>
+              <a:rPr lang="en-CA" altLang="zh-CN" sz="2000" dirty="0"/>
+              <a:t>[</a:t>
+            </a:r>
+            <a:r>
+              <a:rPr lang="en-US" altLang="zh-CN" sz="2000" dirty="0"/>
+              <a:t>clear all the loyalty credits of unactive customer. </a:t>
+            </a:r>
+            <a:r>
+              <a:rPr lang="en-US" altLang="zh-CN" dirty="0"/>
+              <a:t>If he or she didn’t come to superman for a month.]</a:t>
+            </a:r>
+            <a:endParaRPr lang="en-CA" altLang="zh-CN" sz="2000" dirty="0"/>
+          </a:p>
+          <a:p>
+            <a:pPr lvl="1"/>
+            <a:endParaRPr lang="en-CA" dirty="0"/>
+          </a:p>
+          <a:p>
+            <a:pPr lvl="1"/>
+            <a:r>
+              <a:rPr lang="en-CA" altLang="zh-CN" b="1" dirty="0">
+                <a:solidFill>
+                  <a:schemeClr val="accent3">
+                    <a:lumMod val="75000"/>
                   </a:schemeClr>
                 </a:solidFill>
               </a:rPr>
-              <a:t>less than 3 days, 50%;less than 7 days, 80%</a:t>
-            </a:r>
-            <a:r>
-              <a:rPr lang="en-CA" dirty="0">
-                <a:solidFill>
-                  <a:schemeClr val="bg1">
-                    <a:lumMod val="65000"/>
+              <a:t>promotion1</a:t>
+            </a:r>
+            <a:r>
+              <a:rPr lang="en-CA" altLang="zh-CN" dirty="0"/>
+              <a:t>: </a:t>
+            </a:r>
+            <a:r>
+              <a:rPr lang="en-CA" altLang="zh-CN" sz="2000" dirty="0"/>
+              <a:t>[</a:t>
+            </a:r>
+            <a:r>
+              <a:rPr lang="en-US" altLang="zh-CN" sz="2000" dirty="0"/>
+              <a:t>Based on the loyalty credits, giving </a:t>
+            </a:r>
+            <a:r>
+              <a:rPr lang="en-US" altLang="zh-CN" dirty="0"/>
+              <a:t>different growing interest of customer deposit account.]</a:t>
+            </a:r>
+          </a:p>
+          <a:p>
+            <a:pPr lvl="1"/>
+            <a:endParaRPr lang="en-US" altLang="zh-CN" sz="2000" dirty="0"/>
+          </a:p>
+          <a:p>
+            <a:pPr lvl="1"/>
+            <a:r>
+              <a:rPr lang="en-CA" altLang="zh-CN" b="1" dirty="0">
+                <a:solidFill>
+                  <a:schemeClr val="accent3">
+                    <a:lumMod val="75000"/>
                   </a:schemeClr>
                 </a:solidFill>
               </a:rPr>
-              <a:t>)]</a:t>
-            </a:r>
-          </a:p>
-          <a:p>
-            <a:r>
-              <a:rPr lang="en-CA" dirty="0">
-                <a:solidFill>
-                  <a:schemeClr val="bg1">
-                    <a:lumMod val="65000"/>
-                  </a:schemeClr>
-                </a:solidFill>
-              </a:rPr>
-              <a:t>profit : [Calculate the profit based on cost and price, assuming everything is sold out.]</a:t>
-            </a:r>
-          </a:p>
-          <a:p>
-            <a:r>
-              <a:rPr lang="en-CA" altLang="zh-CN" dirty="0">
-                <a:solidFill>
-                  <a:schemeClr val="bg1">
-                    <a:lumMod val="65000"/>
-                  </a:schemeClr>
-                </a:solidFill>
-              </a:rPr>
-              <a:t>__add__ : [Merge inventory from </a:t>
-            </a:r>
-            <a:r>
-              <a:rPr lang="en-CA" altLang="zh-CN" dirty="0" err="1">
-                <a:solidFill>
-                  <a:schemeClr val="bg1">
-                    <a:lumMod val="65000"/>
-                  </a:schemeClr>
-                </a:solidFill>
-              </a:rPr>
-              <a:t>parent_class</a:t>
-            </a:r>
-            <a:r>
-              <a:rPr lang="en-CA" altLang="zh-CN" dirty="0">
-                <a:solidFill>
-                  <a:schemeClr val="bg1">
-                    <a:lumMod val="65000"/>
-                  </a:schemeClr>
-                </a:solidFill>
-              </a:rPr>
-              <a:t> and </a:t>
-            </a:r>
-            <a:r>
-              <a:rPr lang="en-CA" altLang="zh-CN" dirty="0" err="1">
-                <a:solidFill>
-                  <a:schemeClr val="bg1">
-                    <a:lumMod val="65000"/>
-                  </a:schemeClr>
-                </a:solidFill>
-              </a:rPr>
-              <a:t>child_class</a:t>
-            </a:r>
-            <a:r>
-              <a:rPr lang="en-CA" altLang="zh-CN" dirty="0">
-                <a:solidFill>
-                  <a:schemeClr val="bg1">
-                    <a:lumMod val="65000"/>
-                  </a:schemeClr>
-                </a:solidFill>
-              </a:rPr>
-              <a:t> to </a:t>
-            </a:r>
-            <a:r>
-              <a:rPr lang="en-CA" altLang="zh-CN" dirty="0" err="1">
-                <a:solidFill>
-                  <a:schemeClr val="bg1">
-                    <a:lumMod val="65000"/>
-                  </a:schemeClr>
-                </a:solidFill>
-              </a:rPr>
-              <a:t>parent_class</a:t>
-            </a:r>
-            <a:r>
-              <a:rPr lang="en-CA" altLang="zh-CN" dirty="0">
-                <a:solidFill>
-                  <a:schemeClr val="bg1">
-                    <a:lumMod val="65000"/>
-                  </a:schemeClr>
-                </a:solidFill>
-              </a:rPr>
-              <a:t>]</a:t>
-            </a:r>
-          </a:p>
-          <a:p>
-            <a:r>
-              <a:rPr lang="en-CA" dirty="0">
-                <a:solidFill>
-                  <a:schemeClr val="bg1">
-                    <a:lumMod val="65000"/>
-                  </a:schemeClr>
-                </a:solidFill>
-              </a:rPr>
-              <a:t>kickback2:</a:t>
-            </a:r>
-            <a:r>
-              <a:rPr lang="en-CA" altLang="zh-CN" dirty="0">
-                <a:solidFill>
-                  <a:schemeClr val="bg1">
-                    <a:lumMod val="65000"/>
-                  </a:schemeClr>
-                </a:solidFill>
-              </a:rPr>
-              <a:t>[Based on slow-selling products</a:t>
-            </a:r>
-            <a:r>
-              <a:rPr lang="en-US" altLang="zh-CN" dirty="0">
-                <a:solidFill>
-                  <a:schemeClr val="bg1">
-                    <a:lumMod val="65000"/>
-                  </a:schemeClr>
-                </a:solidFill>
-              </a:rPr>
-              <a:t>(quantity), return the top-3 as a gift for high points customer]</a:t>
-            </a:r>
-          </a:p>
-          <a:p>
-            <a:r>
-              <a:rPr lang="en-US" altLang="zh-CN" dirty="0">
-                <a:solidFill>
-                  <a:schemeClr val="bg1">
-                    <a:lumMod val="65000"/>
-                  </a:schemeClr>
-                </a:solidFill>
-              </a:rPr>
-              <a:t>remove:[Remove the assigned items.]</a:t>
-            </a:r>
-            <a:endParaRPr lang="en-CA" altLang="zh-CN" dirty="0">
-              <a:solidFill>
-                <a:schemeClr val="bg1">
-                  <a:lumMod val="65000"/>
-                </a:schemeClr>
-              </a:solidFill>
-            </a:endParaRPr>
-          </a:p>
-          <a:p>
-            <a:endParaRPr lang="en-CA" dirty="0">
-              <a:solidFill>
-                <a:schemeClr val="bg1">
-                  <a:lumMod val="65000"/>
-                </a:schemeClr>
-              </a:solidFill>
-            </a:endParaRPr>
-          </a:p>
-          <a:p>
+              <a:t>promotion2</a:t>
+            </a:r>
+            <a:r>
+              <a:rPr lang="en-CA" altLang="zh-CN" dirty="0"/>
+              <a:t>: </a:t>
+            </a:r>
+            <a:r>
+              <a:rPr lang="en-CA" altLang="zh-CN" sz="2000" dirty="0"/>
+              <a:t>[</a:t>
+            </a:r>
+            <a:r>
+              <a:rPr lang="en-US" altLang="zh-CN" sz="2000" dirty="0"/>
+              <a:t>Based on the loyalty credits, </a:t>
+            </a:r>
+            <a:r>
+              <a:rPr lang="en-US" altLang="zh-CN" dirty="0"/>
+              <a:t>picking top 3 customer and ran</a:t>
+            </a:r>
+            <a:r>
+              <a:rPr lang="en-US" altLang="zh-CN" sz="2000" dirty="0"/>
+              <a:t>domly giving </a:t>
+            </a:r>
+            <a:r>
+              <a:rPr lang="en-US" altLang="zh-CN" dirty="0"/>
+              <a:t>gifts from inventory with large quantity.]</a:t>
+            </a:r>
+          </a:p>
+          <a:p>
+            <a:pPr lvl="1"/>
             <a:endParaRPr lang="en-CA" dirty="0"/>
           </a:p>
           <a:p>
             <a:endParaRPr lang="en-CA" dirty="0"/>
           </a:p>
-        </p:txBody>
-      </p:sp>
+          <a:p>
+            <a:endParaRPr lang="en-CA" dirty="0"/>
+          </a:p>
+        </p:txBody>
+      </p:sp>
+      <p:pic>
+        <p:nvPicPr>
+          <p:cNvPr id="5" name="Graphic 4" descr="Clipboard with solid fill">
+            <a:extLst>
+              <a:ext uri="{FF2B5EF4-FFF2-40B4-BE49-F238E27FC236}">
+                <a16:creationId xmlns:a16="http://schemas.microsoft.com/office/drawing/2014/main" id="{5B2A32C9-FAC7-C76A-78E3-56D0B563433F}"/>
+              </a:ext>
+            </a:extLst>
+          </p:cNvPr>
+          <p:cNvPicPr>
+            <a:picLocks noChangeAspect="1"/>
+          </p:cNvPicPr>
+          <p:nvPr/>
+        </p:nvPicPr>
+        <p:blipFill>
+          <a:blip r:embed="rId2">
+            <a:extLst>
+              <a:ext uri="{28A0092B-C50C-407E-A947-70E740481C1C}">
+                <a14:useLocalDpi xmlns:a14="http://schemas.microsoft.com/office/drawing/2010/main" val="0"/>
+              </a:ext>
+              <a:ext uri="{96DAC541-7B7A-43D3-8B79-37D633B846F1}">
+                <asvg:svgBlip xmlns:asvg="http://schemas.microsoft.com/office/drawing/2016/SVG/main" r:embed="rId3"/>
+              </a:ext>
+            </a:extLst>
+          </a:blip>
+          <a:stretch>
+            <a:fillRect/>
+          </a:stretch>
+        </p:blipFill>
+        <p:spPr>
+          <a:xfrm>
+            <a:off x="7772400" y="4189141"/>
+            <a:ext cx="1983059" cy="1983059"/>
+          </a:xfrm>
+          <a:prstGeom prst="rect">
+            <a:avLst/>
+          </a:prstGeom>
+        </p:spPr>
+      </p:pic>
     </p:spTree>
     <p:extLst>
       <p:ext uri="{BB962C8B-B14F-4D97-AF65-F5344CB8AC3E}">
-        <p14:creationId xmlns:p14="http://schemas.microsoft.com/office/powerpoint/2010/main" val="2646533078"/>
+        <p14:creationId xmlns:p14="http://schemas.microsoft.com/office/powerpoint/2010/main" val="1443043928"/>
       </p:ext>
     </p:extLst>
   </p:cSld>
@@ -4836,13 +5458,28 @@
         </p:nvSpPr>
         <p:spPr/>
         <p:txBody>
-          <a:bodyPr/>
+          <a:bodyPr>
+            <a:normAutofit/>
+          </a:bodyPr>
           <a:lstStyle/>
           <a:p>
             <a:r>
-              <a:rPr lang="en-CA" dirty="0"/>
-              <a:t>Sub-Package 2 Module 2</a:t>
-            </a:r>
+              <a:rPr lang="en-CA" sz="2400" dirty="0"/>
+              <a:t>Sub-Package 2 Module </a:t>
+            </a:r>
+            <a:r>
+              <a:rPr lang="en-US" altLang="zh-CN" sz="2400" dirty="0">
+                <a:solidFill>
+                  <a:srgbClr val="0070C0"/>
+                </a:solidFill>
+              </a:rPr>
+              <a:t>inventory.py</a:t>
+            </a:r>
+            <a:endParaRPr lang="en-CA" sz="2400" dirty="0">
+              <a:solidFill>
+                <a:srgbClr val="0070C0"/>
+              </a:solidFill>
+            </a:endParaRPr>
           </a:p>
         </p:txBody>
       </p:sp>
@@ -4879,52 +5516,365 @@
             <p:ph type="body" sz="quarter" idx="13"/>
           </p:nvPr>
         </p:nvSpPr>
-        <p:spPr/>
-        <p:txBody>
-          <a:bodyPr/>
+        <p:spPr>
+          <a:xfrm>
+            <a:off x="619760" y="1082676"/>
+            <a:ext cx="10972800" cy="5257800"/>
+          </a:xfrm>
+        </p:spPr>
+        <p:txBody>
+          <a:bodyPr>
+            <a:normAutofit/>
+          </a:bodyPr>
           <a:lstStyle/>
           <a:p>
             <a:r>
-              <a:rPr lang="en-CA" dirty="0"/>
-              <a:t>A</a:t>
-            </a:r>
-            <a:r>
-              <a:rPr lang="en-US" dirty="0" err="1"/>
-              <a:t>ccess</a:t>
-            </a:r>
-            <a:r>
-              <a:rPr lang="en-US" dirty="0"/>
-              <a:t> customer information and give promotions</a:t>
-            </a:r>
+              <a:rPr lang="en-CA" b="1" dirty="0">
+                <a:solidFill>
+                  <a:schemeClr val="accent3">
+                    <a:lumMod val="50000"/>
+                  </a:schemeClr>
+                </a:solidFill>
+              </a:rPr>
+              <a:t>T</a:t>
+            </a:r>
+            <a:r>
+              <a:rPr lang="en-US" altLang="zh-CN" b="1" dirty="0">
+                <a:solidFill>
+                  <a:schemeClr val="accent3">
+                    <a:lumMod val="50000"/>
+                  </a:schemeClr>
+                </a:solidFill>
+              </a:rPr>
+              <a:t>his module has two class and two outside functions:</a:t>
+            </a:r>
+          </a:p>
+          <a:p>
+            <a:pPr lvl="1"/>
+            <a:r>
+              <a:rPr lang="en-US" altLang="zh-CN" sz="1800" dirty="0">
+                <a:solidFill>
+                  <a:schemeClr val="accent3">
+                    <a:lumMod val="75000"/>
+                  </a:schemeClr>
+                </a:solidFill>
+              </a:rPr>
+              <a:t>Parent class names as </a:t>
+            </a:r>
+            <a:r>
+              <a:rPr lang="en-US" altLang="zh-CN" sz="1800" i="1" u="sng" dirty="0" err="1">
+                <a:solidFill>
+                  <a:schemeClr val="accent3">
+                    <a:lumMod val="75000"/>
+                  </a:schemeClr>
+                </a:solidFill>
+                <a:latin typeface="Code"/>
+                <a:cs typeface="Microsoft Uighur" panose="020F0502020204030204" pitchFamily="2" charset="-78"/>
+              </a:rPr>
+              <a:t>inventory_informa</a:t>
+            </a:r>
+            <a:r>
+              <a:rPr lang="en-US" altLang="zh-CN" sz="1800" i="1" u="sng" dirty="0">
+                <a:solidFill>
+                  <a:schemeClr val="accent3">
+                    <a:lumMod val="75000"/>
+                  </a:schemeClr>
+                </a:solidFill>
+                <a:latin typeface="Code"/>
+                <a:cs typeface="Microsoft Uighur" panose="020F0502020204030204" pitchFamily="2" charset="-78"/>
+              </a:rPr>
+              <a:t> </a:t>
+            </a:r>
+            <a:r>
+              <a:rPr lang="en-US" altLang="zh-CN" sz="1800" dirty="0">
+                <a:solidFill>
+                  <a:schemeClr val="accent3">
+                    <a:lumMod val="75000"/>
+                  </a:schemeClr>
+                </a:solidFill>
+              </a:rPr>
+              <a:t>:</a:t>
+            </a:r>
+          </a:p>
+          <a:p>
+            <a:pPr marL="708025" lvl="2" indent="-342900">
+              <a:buFont typeface="Arial" panose="020B0604020202020204" pitchFamily="34" charset="0"/>
+              <a:buChar char="•"/>
+            </a:pPr>
+            <a:r>
+              <a:rPr lang="en-US" altLang="zh-CN" sz="1800" dirty="0"/>
+              <a:t>Store main products of main company.</a:t>
+            </a:r>
+          </a:p>
+          <a:p>
+            <a:pPr lvl="1"/>
+            <a:r>
+              <a:rPr lang="en-US" sz="1800" dirty="0">
+                <a:solidFill>
+                  <a:schemeClr val="accent3">
+                    <a:lumMod val="75000"/>
+                  </a:schemeClr>
+                </a:solidFill>
+              </a:rPr>
+              <a:t>Child class names as </a:t>
+            </a:r>
+            <a:r>
+              <a:rPr lang="en-US" sz="1800" i="1" u="sng" dirty="0" err="1">
+                <a:solidFill>
+                  <a:schemeClr val="accent3">
+                    <a:lumMod val="75000"/>
+                  </a:schemeClr>
+                </a:solidFill>
+                <a:latin typeface="Code"/>
+                <a:cs typeface="Microsoft Uighur" panose="020F0502020204030204" pitchFamily="2" charset="-78"/>
+              </a:rPr>
+              <a:t>extend_informa</a:t>
+            </a:r>
+            <a:r>
+              <a:rPr lang="en-US" sz="1800" dirty="0">
+                <a:solidFill>
+                  <a:schemeClr val="accent3">
+                    <a:lumMod val="75000"/>
+                  </a:schemeClr>
+                </a:solidFill>
+              </a:rPr>
+              <a:t>:</a:t>
+            </a:r>
+          </a:p>
+          <a:p>
+            <a:pPr marL="708025" lvl="2" indent="-342900">
+              <a:buFont typeface="Arial" panose="020B0604020202020204" pitchFamily="34" charset="0"/>
+              <a:buChar char="•"/>
+            </a:pPr>
+            <a:r>
+              <a:rPr lang="en-CA" sz="1800" dirty="0"/>
+              <a:t>Store main products of sub company.</a:t>
+            </a:r>
+          </a:p>
+          <a:p>
+            <a:pPr marL="708025" lvl="2" indent="-342900">
+              <a:buFont typeface="Arial" panose="020B0604020202020204" pitchFamily="34" charset="0"/>
+              <a:buChar char="•"/>
+            </a:pPr>
+            <a:r>
+              <a:rPr lang="en-CA" sz="1800" dirty="0"/>
+              <a:t>Add additional two function</a:t>
+            </a:r>
+          </a:p>
+          <a:p>
+            <a:pPr lvl="2"/>
             <a:endParaRPr lang="en-CA" dirty="0"/>
           </a:p>
           <a:p>
             <a:r>
-              <a:rPr lang="en-CA" dirty="0"/>
-              <a:t>Get access to the customer information which Sub-Package 1 created</a:t>
-            </a:r>
-          </a:p>
-          <a:p>
-            <a:r>
-              <a:rPr lang="en-CA" dirty="0"/>
-              <a:t>Based on the loyalty points to give some redeem.</a:t>
-            </a:r>
-          </a:p>
-          <a:p>
-            <a:endParaRPr lang="en-CA" dirty="0"/>
-          </a:p>
-          <a:p>
-            <a:endParaRPr lang="en-CA" dirty="0"/>
-          </a:p>
-          <a:p>
-            <a:endParaRPr lang="en-CA" dirty="0"/>
-          </a:p>
-        </p:txBody>
-      </p:sp>
+              <a:rPr lang="en-US" altLang="zh-CN" b="1" dirty="0">
+                <a:solidFill>
+                  <a:schemeClr val="accent3">
+                    <a:lumMod val="50000"/>
+                  </a:schemeClr>
+                </a:solidFill>
+              </a:rPr>
+              <a:t>Each class has five </a:t>
+            </a:r>
+            <a:r>
+              <a:rPr lang="en-US" altLang="zh-CN" b="1" dirty="0" err="1">
+                <a:solidFill>
+                  <a:schemeClr val="accent3">
+                    <a:lumMod val="50000"/>
+                  </a:schemeClr>
+                </a:solidFill>
+              </a:rPr>
+              <a:t>instance_attributes</a:t>
+            </a:r>
+            <a:r>
+              <a:rPr lang="en-US" altLang="zh-CN" b="1" dirty="0">
+                <a:solidFill>
+                  <a:schemeClr val="accent3">
+                    <a:lumMod val="50000"/>
+                  </a:schemeClr>
+                </a:solidFill>
+              </a:rPr>
+              <a:t>:</a:t>
+            </a:r>
+          </a:p>
+          <a:p>
+            <a:pPr lvl="1"/>
+            <a:r>
+              <a:rPr lang="en-US" altLang="zh-CN" sz="1800" dirty="0">
+                <a:solidFill>
+                  <a:schemeClr val="accent3">
+                    <a:lumMod val="75000"/>
+                  </a:schemeClr>
+                </a:solidFill>
+              </a:rPr>
+              <a:t>(item, quantity, cost, price, expire).</a:t>
+            </a:r>
+          </a:p>
+          <a:p>
+            <a:pPr lvl="1"/>
+            <a:endParaRPr lang="en-US" altLang="zh-CN" dirty="0"/>
+          </a:p>
+          <a:p>
+            <a:r>
+              <a:rPr lang="en-US" altLang="zh-CN" b="1" dirty="0">
+                <a:solidFill>
+                  <a:schemeClr val="accent3">
+                    <a:lumMod val="50000"/>
+                  </a:schemeClr>
+                </a:solidFill>
+              </a:rPr>
+              <a:t>Each class has two class-attribute:</a:t>
+            </a:r>
+          </a:p>
+          <a:p>
+            <a:pPr lvl="1"/>
+            <a:r>
+              <a:rPr lang="en-US" altLang="zh-CN" sz="1800" dirty="0">
+                <a:solidFill>
+                  <a:schemeClr val="accent3">
+                    <a:lumMod val="75000"/>
+                  </a:schemeClr>
+                </a:solidFill>
+              </a:rPr>
+              <a:t>a variable to count the variety of items;</a:t>
+            </a:r>
+          </a:p>
+          <a:p>
+            <a:pPr lvl="1"/>
+            <a:r>
+              <a:rPr lang="en-US" altLang="zh-CN" sz="1800" dirty="0">
+                <a:solidFill>
+                  <a:schemeClr val="accent3">
+                    <a:lumMod val="75000"/>
+                  </a:schemeClr>
+                </a:solidFill>
+              </a:rPr>
+              <a:t>a list to store each record.</a:t>
+            </a:r>
+          </a:p>
+        </p:txBody>
+      </p:sp>
+      <p:pic>
+        <p:nvPicPr>
+          <p:cNvPr id="6" name="Graphic 5" descr="Box with solid fill">
+            <a:extLst>
+              <a:ext uri="{FF2B5EF4-FFF2-40B4-BE49-F238E27FC236}">
+                <a16:creationId xmlns:a16="http://schemas.microsoft.com/office/drawing/2014/main" id="{27545E07-F489-FCAA-E6DB-00117C69555E}"/>
+              </a:ext>
+            </a:extLst>
+          </p:cNvPr>
+          <p:cNvPicPr>
+            <a:picLocks noChangeAspect="1"/>
+          </p:cNvPicPr>
+          <p:nvPr/>
+        </p:nvPicPr>
+        <p:blipFill>
+          <a:blip r:embed="rId2">
+            <a:extLst>
+              <a:ext uri="{28A0092B-C50C-407E-A947-70E740481C1C}">
+                <a14:useLocalDpi xmlns:a14="http://schemas.microsoft.com/office/drawing/2010/main" val="0"/>
+              </a:ext>
+              <a:ext uri="{96DAC541-7B7A-43D3-8B79-37D633B846F1}">
+                <asvg:svgBlip xmlns:asvg="http://schemas.microsoft.com/office/drawing/2016/SVG/main" r:embed="rId3"/>
+              </a:ext>
+            </a:extLst>
+          </a:blip>
+          <a:stretch>
+            <a:fillRect/>
+          </a:stretch>
+        </p:blipFill>
+        <p:spPr>
+          <a:xfrm>
+            <a:off x="9601200" y="1848624"/>
+            <a:ext cx="1676400" cy="1676400"/>
+          </a:xfrm>
+          <a:prstGeom prst="rect">
+            <a:avLst/>
+          </a:prstGeom>
+        </p:spPr>
+      </p:pic>
+      <p:pic>
+        <p:nvPicPr>
+          <p:cNvPr id="8" name="Graphic 7" descr="Box outline">
+            <a:extLst>
+              <a:ext uri="{FF2B5EF4-FFF2-40B4-BE49-F238E27FC236}">
+                <a16:creationId xmlns:a16="http://schemas.microsoft.com/office/drawing/2014/main" id="{62A14BB7-3EBC-636A-62AA-DF3AFA053E46}"/>
+              </a:ext>
+            </a:extLst>
+          </p:cNvPr>
+          <p:cNvPicPr>
+            <a:picLocks noChangeAspect="1"/>
+          </p:cNvPicPr>
+          <p:nvPr/>
+        </p:nvPicPr>
+        <p:blipFill>
+          <a:blip r:embed="rId4">
+            <a:extLst>
+              <a:ext uri="{28A0092B-C50C-407E-A947-70E740481C1C}">
+                <a14:useLocalDpi xmlns:a14="http://schemas.microsoft.com/office/drawing/2010/main" val="0"/>
+              </a:ext>
+              <a:ext uri="{96DAC541-7B7A-43D3-8B79-37D633B846F1}">
+                <asvg:svgBlip xmlns:asvg="http://schemas.microsoft.com/office/drawing/2016/SVG/main" r:embed="rId5"/>
+              </a:ext>
+            </a:extLst>
+          </a:blip>
+          <a:stretch>
+            <a:fillRect/>
+          </a:stretch>
+        </p:blipFill>
+        <p:spPr>
+          <a:xfrm>
+            <a:off x="6477000" y="2626500"/>
+            <a:ext cx="3276600" cy="3276600"/>
+          </a:xfrm>
+          <a:prstGeom prst="rect">
+            <a:avLst/>
+          </a:prstGeom>
+        </p:spPr>
+      </p:pic>
+      <p:pic>
+        <p:nvPicPr>
+          <p:cNvPr id="18" name="Graphic 17" descr="Clipboard with solid fill">
+            <a:extLst>
+              <a:ext uri="{FF2B5EF4-FFF2-40B4-BE49-F238E27FC236}">
+                <a16:creationId xmlns:a16="http://schemas.microsoft.com/office/drawing/2014/main" id="{D1669B4A-C46A-B1FA-2A44-6EA25B167DDB}"/>
+              </a:ext>
+            </a:extLst>
+          </p:cNvPr>
+          <p:cNvPicPr>
+            <a:picLocks noChangeAspect="1"/>
+          </p:cNvPicPr>
+          <p:nvPr/>
+        </p:nvPicPr>
+        <p:blipFill>
+          <a:blip r:embed="rId6">
+            <a:extLst>
+              <a:ext uri="{28A0092B-C50C-407E-A947-70E740481C1C}">
+                <a14:useLocalDpi xmlns:a14="http://schemas.microsoft.com/office/drawing/2010/main" val="0"/>
+              </a:ext>
+              <a:ext uri="{96DAC541-7B7A-43D3-8B79-37D633B846F1}">
+                <asvg:svgBlip xmlns:asvg="http://schemas.microsoft.com/office/drawing/2016/SVG/main" r:embed="rId7"/>
+              </a:ext>
+            </a:extLst>
+          </a:blip>
+          <a:stretch>
+            <a:fillRect/>
+          </a:stretch>
+        </p:blipFill>
+        <p:spPr>
+          <a:xfrm>
+            <a:off x="13792200" y="1415416"/>
+            <a:ext cx="1600200" cy="1600200"/>
+          </a:xfrm>
+          <a:prstGeom prst="rect">
+            <a:avLst/>
+          </a:prstGeom>
+        </p:spPr>
+      </p:pic>
     </p:spTree>
     <p:extLst>
       <p:ext uri="{BB962C8B-B14F-4D97-AF65-F5344CB8AC3E}">
-        <p14:creationId xmlns:p14="http://schemas.microsoft.com/office/powerpoint/2010/main" val="746202287"/>
+        <p14:creationId xmlns:p14="http://schemas.microsoft.com/office/powerpoint/2010/main" val="1662013090"/>
       </p:ext>
     </p:extLst>
   </p:cSld>

--- a/Presentation_Group3.pptx
+++ b/Presentation_Group3.pptx
@@ -12,15 +12,15 @@
   </p:handoutMasterIdLst>
   <p:sldIdLst>
     <p:sldId id="257" r:id="rId2"/>
-    <p:sldId id="331" r:id="rId3"/>
-    <p:sldId id="332" r:id="rId4"/>
-    <p:sldId id="341" r:id="rId5"/>
-    <p:sldId id="338" r:id="rId6"/>
-    <p:sldId id="342" r:id="rId7"/>
-    <p:sldId id="343" r:id="rId8"/>
-    <p:sldId id="344" r:id="rId9"/>
-    <p:sldId id="345" r:id="rId10"/>
-    <p:sldId id="346" r:id="rId11"/>
+    <p:sldId id="332" r:id="rId3"/>
+    <p:sldId id="341" r:id="rId4"/>
+    <p:sldId id="338" r:id="rId5"/>
+    <p:sldId id="342" r:id="rId6"/>
+    <p:sldId id="331" r:id="rId7"/>
+    <p:sldId id="340" r:id="rId8"/>
+    <p:sldId id="345" r:id="rId9"/>
+    <p:sldId id="339" r:id="rId10"/>
+    <p:sldId id="343" r:id="rId11"/>
   </p:sldIdLst>
   <p:sldSz cx="12192000" cy="6858000"/>
   <p:notesSz cx="6858000" cy="9144000"/>
@@ -764,7 +764,7 @@
           <a:p>
             <a:fld id="{0FA23B7F-B0A4-4548-866A-1C343862BBF1}" type="datetimeFigureOut">
               <a:rPr lang="en-US" smtClean="0"/>
-              <a:t>11/27/2023</a:t>
+              <a:t>12/4/23</a:t>
             </a:fld>
             <a:endParaRPr lang="en-CA"/>
           </a:p>
@@ -930,7 +930,7 @@
           <a:p>
             <a:fld id="{7466FCE3-F006-44F4-AB45-D076B47EC6C4}" type="datetimeFigureOut">
               <a:rPr lang="en-US" smtClean="0"/>
-              <a:t>11/27/2023</a:t>
+              <a:t>12/4/23</a:t>
             </a:fld>
             <a:endParaRPr lang="en-US"/>
           </a:p>
@@ -3259,7 +3259,7 @@
           <a:p>
             <a:r>
               <a:rPr lang="en-US" dirty="0"/>
-              <a:t>Superman</a:t>
+              <a:t>Package Name: Superman</a:t>
             </a:r>
           </a:p>
         </p:txBody>
@@ -3276,8 +3276,8 @@
         </p:nvSpPr>
         <p:spPr>
           <a:xfrm>
-            <a:off x="685800" y="2743200"/>
-            <a:ext cx="6934200" cy="1905000"/>
+            <a:off x="685800" y="1885950"/>
+            <a:ext cx="6197600" cy="708025"/>
           </a:xfrm>
         </p:spPr>
         <p:txBody>
@@ -3314,6 +3314,53 @@
               <a:t>1</a:t>
             </a:fld>
             <a:endParaRPr lang="en-US"/>
+          </a:p>
+        </p:txBody>
+      </p:sp>
+      <p:sp>
+        <p:nvSpPr>
+          <p:cNvPr id="2" name="TextBox 1">
+            <a:extLst>
+              <a:ext uri="{FF2B5EF4-FFF2-40B4-BE49-F238E27FC236}">
+                <a16:creationId xmlns:a16="http://schemas.microsoft.com/office/drawing/2014/main" id="{C84F2E91-7833-2151-04B6-B1F15FECA217}"/>
+              </a:ext>
+            </a:extLst>
+          </p:cNvPr>
+          <p:cNvSpPr txBox="1"/>
+          <p:nvPr/>
+        </p:nvSpPr>
+        <p:spPr>
+          <a:xfrm>
+            <a:off x="9829800" y="5334000"/>
+            <a:ext cx="3810000" cy="523220"/>
+          </a:xfrm>
+          <a:prstGeom prst="rect">
+            <a:avLst/>
+          </a:prstGeom>
+          <a:noFill/>
+        </p:spPr>
+        <p:txBody>
+          <a:bodyPr wrap="square" rtlCol="0">
+            <a:spAutoFit/>
+          </a:bodyPr>
+          <a:lstStyle/>
+          <a:p>
+            <a:r>
+              <a:rPr lang="en-US" sz="1400" dirty="0">
+                <a:latin typeface="Open Sans"/>
+                <a:cs typeface="Open Sans"/>
+              </a:rPr>
+              <a:t>Group 3</a:t>
+            </a:r>
+          </a:p>
+          <a:p>
+            <a:r>
+              <a:rPr lang="en-US" sz="1400" dirty="0">
+                <a:latin typeface="Open Sans"/>
+                <a:cs typeface="Open Sans"/>
+              </a:rPr>
+              <a:t>Jade &amp; Eden </a:t>
+            </a:r>
           </a:p>
         </p:txBody>
       </p:sp>
@@ -3359,11 +3406,13 @@
         </p:nvSpPr>
         <p:spPr/>
         <p:txBody>
-          <a:bodyPr/>
+          <a:bodyPr>
+            <a:normAutofit/>
+          </a:bodyPr>
           <a:lstStyle/>
           <a:p>
             <a:r>
-              <a:rPr lang="en-CA" dirty="0"/>
+              <a:rPr lang="en-CA" sz="2400" dirty="0"/>
               <a:t>Functions</a:t>
             </a:r>
           </a:p>
@@ -3408,121 +3457,266 @@
           <a:lstStyle/>
           <a:p>
             <a:r>
-              <a:rPr lang="en-CA" dirty="0"/>
-              <a:t>Brief description of three functions</a:t>
-            </a:r>
-          </a:p>
-          <a:p>
-            <a:r>
-              <a:rPr lang="en-CA" dirty="0">
+              <a:rPr lang="en-CA" b="1" dirty="0">
                 <a:solidFill>
-                  <a:schemeClr val="bg1">
-                    <a:lumMod val="65000"/>
+                  <a:schemeClr val="accent3">
+                    <a:lumMod val="50000"/>
                   </a:schemeClr>
                 </a:solidFill>
               </a:rPr>
-              <a:t>eliminate : [</a:t>
-            </a:r>
-            <a:r>
-              <a:rPr lang="en-US" dirty="0">
+              <a:t>Main Method:</a:t>
+            </a:r>
+          </a:p>
+          <a:p>
+            <a:pPr lvl="1"/>
+            <a:r>
+              <a:rPr lang="en-CA" b="1" dirty="0">
                 <a:solidFill>
-                  <a:schemeClr val="bg1">
-                    <a:lumMod val="65000"/>
+                  <a:schemeClr val="accent3">
+                    <a:lumMod val="75000"/>
                   </a:schemeClr>
                 </a:solidFill>
               </a:rPr>
-              <a:t>Based on the different frequencies to come to our supermarket. This is a penalty to</a:t>
-            </a:r>
-            <a:r>
-              <a:rPr lang="zh-CN" altLang="en-US" dirty="0">
+              <a:t>update</a:t>
+            </a:r>
+            <a:r>
+              <a:rPr lang="en-CA" dirty="0"/>
+              <a:t>: </a:t>
+            </a:r>
+            <a:r>
+              <a:rPr lang="en-CA" sz="1800" dirty="0"/>
+              <a:t>[update the quantity and cost. Being used when customers buy the item or our company acquire</a:t>
+            </a:r>
+            <a:r>
+              <a:rPr lang="en-US" altLang="zh-CN" sz="1800" dirty="0"/>
+              <a:t>s</a:t>
+            </a:r>
+            <a:r>
+              <a:rPr lang="en-CA" sz="1800" dirty="0"/>
+              <a:t> goods.]</a:t>
+            </a:r>
+          </a:p>
+          <a:p>
+            <a:pPr lvl="1"/>
+            <a:r>
+              <a:rPr lang="en-CA" b="1" dirty="0">
                 <a:solidFill>
-                  <a:schemeClr val="bg1">
-                    <a:lumMod val="65000"/>
+                  <a:schemeClr val="accent3">
+                    <a:lumMod val="75000"/>
                   </a:schemeClr>
                 </a:solidFill>
               </a:rPr>
-              <a:t> </a:t>
-            </a:r>
-            <a:r>
-              <a:rPr lang="en-US" altLang="zh-CN" dirty="0">
+              <a:t>profit</a:t>
+            </a:r>
+            <a:r>
+              <a:rPr lang="en-CA" b="1" dirty="0">
                 <a:solidFill>
-                  <a:schemeClr val="bg1">
-                    <a:lumMod val="65000"/>
+                  <a:schemeClr val="accent3">
+                    <a:lumMod val="50000"/>
                   </a:schemeClr>
                 </a:solidFill>
               </a:rPr>
-              <a:t>remove loyalty points</a:t>
-            </a:r>
-            <a:r>
-              <a:rPr lang="en-CA" dirty="0">
+              <a:t> </a:t>
+            </a:r>
+            <a:r>
+              <a:rPr lang="en-CA" dirty="0"/>
+              <a:t>: </a:t>
+            </a:r>
+            <a:r>
+              <a:rPr lang="en-CA" sz="1800" dirty="0"/>
+              <a:t>[Calculate the profit based on cost and price, assuming everything is sold out.]</a:t>
+            </a:r>
+            <a:r>
+              <a:rPr lang="en-US" altLang="zh-CN" sz="1800" b="1" dirty="0">
                 <a:solidFill>
-                  <a:schemeClr val="bg1">
-                    <a:lumMod val="65000"/>
+                  <a:schemeClr val="accent3">
+                    <a:lumMod val="75000"/>
                   </a:schemeClr>
                 </a:solidFill>
               </a:rPr>
-              <a:t>]</a:t>
-            </a:r>
-          </a:p>
-          <a:p>
-            <a:r>
-              <a:rPr lang="en-CA" dirty="0">
+              <a:t> </a:t>
+            </a:r>
+          </a:p>
+          <a:p>
+            <a:pPr lvl="1"/>
+            <a:r>
+              <a:rPr lang="en-US" altLang="zh-CN" b="1" dirty="0">
                 <a:solidFill>
-                  <a:schemeClr val="bg1">
-                    <a:lumMod val="65000"/>
+                  <a:schemeClr val="accent3">
+                    <a:lumMod val="75000"/>
                   </a:schemeClr>
                 </a:solidFill>
               </a:rPr>
-              <a:t>promotion1: [The different loyalty points of customers may get different discount to buy goods.]</a:t>
-            </a:r>
-          </a:p>
-          <a:p>
-            <a:r>
-              <a:rPr lang="en-CA" dirty="0">
+              <a:t>remove </a:t>
+            </a:r>
+            <a:r>
+              <a:rPr lang="en-US" altLang="zh-CN" sz="1800" dirty="0"/>
+              <a:t>:[Remove the assigned items from the list in the class.]</a:t>
+            </a:r>
+            <a:endParaRPr lang="en-CA" sz="1800" dirty="0"/>
+          </a:p>
+          <a:p>
+            <a:r>
+              <a:rPr lang="en-CA" b="1" dirty="0">
                 <a:solidFill>
-                  <a:schemeClr val="bg1">
-                    <a:lumMod val="65000"/>
+                  <a:schemeClr val="accent3">
+                    <a:lumMod val="50000"/>
                   </a:schemeClr>
                 </a:solidFill>
               </a:rPr>
-              <a:t>promotion2: [The customer with highest loyalty points will get a present by randomly selecting from the top 3 slow-selling product. Having</a:t>
-            </a:r>
-            <a:r>
-              <a:rPr lang="en-US" altLang="zh-CN" dirty="0">
+              <a:t>Sub Class Add </a:t>
+            </a:r>
+            <a:r>
+              <a:rPr lang="en-CA" b="1" dirty="0" err="1">
                 <a:solidFill>
-                  <a:schemeClr val="bg1">
-                    <a:lumMod val="65000"/>
+                  <a:schemeClr val="accent3">
+                    <a:lumMod val="50000"/>
                   </a:schemeClr>
                 </a:solidFill>
               </a:rPr>
-              <a:t> different probabilities varies from different goods price</a:t>
-            </a:r>
-            <a:r>
-              <a:rPr lang="en-CA" dirty="0">
+              <a:t>methos</a:t>
+            </a:r>
+            <a:r>
+              <a:rPr lang="en-CA" b="1" dirty="0">
                 <a:solidFill>
-                  <a:schemeClr val="bg1">
-                    <a:lumMod val="65000"/>
+                  <a:schemeClr val="accent3">
+                    <a:lumMod val="50000"/>
                   </a:schemeClr>
                 </a:solidFill>
               </a:rPr>
-              <a:t>]</a:t>
-            </a:r>
-            <a:r>
-              <a:rPr lang="en-US" dirty="0">
+              <a:t>:</a:t>
+            </a:r>
+          </a:p>
+          <a:p>
+            <a:pPr lvl="1"/>
+            <a:r>
+              <a:rPr lang="en-CA" altLang="zh-CN" b="1" dirty="0">
                 <a:solidFill>
-                  <a:schemeClr val="bg1">
-                    <a:lumMod val="65000"/>
+                  <a:schemeClr val="accent3">
+                    <a:lumMod val="75000"/>
                   </a:schemeClr>
                 </a:solidFill>
               </a:rPr>
-              <a:t>.</a:t>
-            </a:r>
+              <a:t>__add__ : </a:t>
+            </a:r>
+            <a:r>
+              <a:rPr lang="en-CA" altLang="zh-CN" sz="1800" dirty="0"/>
+              <a:t>[Merge inventory from </a:t>
+            </a:r>
+            <a:r>
+              <a:rPr lang="en-CA" altLang="zh-CN" sz="1800" dirty="0" err="1"/>
+              <a:t>parent_class</a:t>
+            </a:r>
+            <a:r>
+              <a:rPr lang="en-CA" altLang="zh-CN" sz="1800" dirty="0"/>
+              <a:t> and </a:t>
+            </a:r>
+            <a:r>
+              <a:rPr lang="en-CA" altLang="zh-CN" sz="1800" dirty="0" err="1"/>
+              <a:t>child_class</a:t>
+            </a:r>
+            <a:r>
+              <a:rPr lang="en-CA" altLang="zh-CN" sz="1800" dirty="0"/>
+              <a:t> to </a:t>
+            </a:r>
+            <a:r>
+              <a:rPr lang="en-CA" altLang="zh-CN" sz="1800" dirty="0" err="1"/>
+              <a:t>child_class</a:t>
+            </a:r>
+            <a:r>
+              <a:rPr lang="en-CA" altLang="zh-CN" sz="1800" dirty="0"/>
+              <a:t>]</a:t>
+            </a:r>
+          </a:p>
+          <a:p>
+            <a:pPr lvl="1"/>
+            <a:r>
+              <a:rPr lang="en-CA" altLang="zh-CN" b="1" dirty="0">
+                <a:solidFill>
+                  <a:schemeClr val="accent3">
+                    <a:lumMod val="75000"/>
+                  </a:schemeClr>
+                </a:solidFill>
+              </a:rPr>
+              <a:t>__str__: </a:t>
+            </a:r>
+            <a:r>
+              <a:rPr lang="en-CA" altLang="zh-CN" sz="1800" dirty="0"/>
+              <a:t>[Return the key information about the product]</a:t>
+            </a:r>
+          </a:p>
+          <a:p>
+            <a:r>
+              <a:rPr lang="en-US" altLang="zh-CN" b="1" dirty="0">
+                <a:solidFill>
+                  <a:schemeClr val="accent3">
+                    <a:lumMod val="50000"/>
+                  </a:schemeClr>
+                </a:solidFill>
+              </a:rPr>
+              <a:t>Outside Function:</a:t>
+            </a:r>
+            <a:endParaRPr lang="en-CA" altLang="zh-CN" b="1" dirty="0">
+              <a:solidFill>
+                <a:schemeClr val="accent3">
+                  <a:lumMod val="50000"/>
+                </a:schemeClr>
+              </a:solidFill>
+            </a:endParaRPr>
+          </a:p>
+          <a:p>
+            <a:pPr lvl="1"/>
+            <a:r>
+              <a:rPr lang="en-CA" altLang="zh-CN" b="1" dirty="0">
+                <a:solidFill>
+                  <a:schemeClr val="accent3">
+                    <a:lumMod val="75000"/>
+                  </a:schemeClr>
+                </a:solidFill>
+              </a:rPr>
+              <a:t>rollback: </a:t>
+            </a:r>
+            <a:r>
+              <a:rPr lang="en-CA" altLang="zh-CN" sz="1800" dirty="0"/>
+              <a:t>[Based on expiration date, give discount price to sell goods.(</a:t>
+            </a:r>
+            <a:r>
+              <a:rPr lang="en-US" altLang="zh-CN" sz="1800" dirty="0"/>
+              <a:t>less than 3 days, 50%;less than 7 days, 80%</a:t>
+            </a:r>
+            <a:r>
+              <a:rPr lang="en-CA" altLang="zh-CN" sz="1800" dirty="0"/>
+              <a:t>)]</a:t>
+            </a:r>
+          </a:p>
+          <a:p>
+            <a:pPr lvl="1"/>
+            <a:r>
+              <a:rPr lang="en-CA" altLang="zh-CN" b="1" dirty="0">
+                <a:solidFill>
+                  <a:schemeClr val="accent3">
+                    <a:lumMod val="75000"/>
+                  </a:schemeClr>
+                </a:solidFill>
+              </a:rPr>
+              <a:t>rollback</a:t>
+            </a:r>
+            <a:r>
+              <a:rPr lang="en-CA" altLang="zh-CN" sz="1800" dirty="0"/>
+              <a:t>: [Based on slow-selling products</a:t>
+            </a:r>
+            <a:r>
+              <a:rPr lang="en-US" altLang="zh-CN" sz="1800" dirty="0"/>
+              <a:t>(quantity), return the top-3 as a gift for high points customer. Based on different costs, use the probability to allocate randomly]</a:t>
+            </a:r>
+          </a:p>
+          <a:p>
             <a:endParaRPr lang="en-CA" dirty="0"/>
           </a:p>
           <a:p>
-            <a:pPr marL="0" indent="0">
-              <a:buNone/>
-            </a:pPr>
+            <a:endParaRPr lang="en-CA" dirty="0"/>
+          </a:p>
+          <a:p>
             <a:endParaRPr lang="en-CA" dirty="0"/>
           </a:p>
         </p:txBody>
@@ -3530,7 +3724,7 @@
     </p:spTree>
     <p:extLst>
       <p:ext uri="{BB962C8B-B14F-4D97-AF65-F5344CB8AC3E}">
-        <p14:creationId xmlns:p14="http://schemas.microsoft.com/office/powerpoint/2010/main" val="2892434341"/>
+        <p14:creationId xmlns:p14="http://schemas.microsoft.com/office/powerpoint/2010/main" val="2646533078"/>
       </p:ext>
     </p:extLst>
   </p:cSld>
@@ -3569,12 +3763,22 @@
         </p:nvSpPr>
         <p:spPr/>
         <p:txBody>
-          <a:bodyPr/>
+          <a:bodyPr>
+            <a:normAutofit fontScale="90000"/>
+          </a:bodyPr>
           <a:lstStyle/>
           <a:p>
             <a:r>
-              <a:rPr lang="en-CA" dirty="0"/>
-              <a:t>Introduction</a:t>
+              <a:rPr lang="en-CA" sz="3200" dirty="0"/>
+              <a:t>Sub-Package ‘customer’ Module ‘</a:t>
+            </a:r>
+            <a:r>
+              <a:rPr lang="en-CA" sz="3200" dirty="0" err="1"/>
+              <a:t>members.py</a:t>
+            </a:r>
+            <a:r>
+              <a:rPr lang="en-CA" sz="3200" dirty="0"/>
+              <a:t>’</a:t>
             </a:r>
           </a:p>
         </p:txBody>
@@ -3612,68 +3816,39 @@
             <p:ph type="body" sz="quarter" idx="13"/>
           </p:nvPr>
         </p:nvSpPr>
-        <p:spPr/>
+        <p:spPr>
+          <a:xfrm>
+            <a:off x="626533" y="1566333"/>
+            <a:ext cx="10972800" cy="5257800"/>
+          </a:xfrm>
+        </p:spPr>
         <p:txBody>
           <a:bodyPr/>
           <a:lstStyle/>
           <a:p>
-            <a:r>
-              <a:rPr lang="en-CA" dirty="0"/>
-              <a:t>Brief information about our project</a:t>
-            </a:r>
-          </a:p>
-          <a:p>
-            <a:r>
-              <a:rPr lang="en-CA" dirty="0"/>
-              <a:t>Supermarket Management System</a:t>
-            </a:r>
-            <a:endParaRPr lang="en-CA" dirty="0">
-              <a:solidFill>
-                <a:schemeClr val="bg1">
-                  <a:lumMod val="65000"/>
-                </a:schemeClr>
-              </a:solidFill>
-            </a:endParaRPr>
-          </a:p>
-          <a:p>
             <a:pPr marL="0" indent="0">
               <a:buNone/>
             </a:pPr>
+            <a:endParaRPr lang="en-CA" dirty="0"/>
+          </a:p>
+          <a:p>
             <a:r>
               <a:rPr lang="en-CA" dirty="0"/>
-              <a:t>	- create new market member &amp; upgrade membership to premium status</a:t>
-            </a:r>
-          </a:p>
-          <a:p>
-            <a:pPr marL="0" indent="0">
-              <a:buNone/>
-            </a:pPr>
+              <a:t> define a member class to store membership information like member id, name, email, phone number, address, account credits, account deposits, total consumption and premium membership status</a:t>
+            </a:r>
+          </a:p>
+          <a:p>
             <a:r>
               <a:rPr lang="en-CA" dirty="0"/>
-              <a:t>	- deactivate membership account</a:t>
-            </a:r>
-          </a:p>
-          <a:p>
-            <a:pPr marL="0" indent="0">
-              <a:buNone/>
-            </a:pPr>
-            <a:r>
-              <a:rPr lang="en-CA" dirty="0"/>
-              <a:t>	- record transactions, rate and review the order</a:t>
-            </a:r>
-          </a:p>
-          <a:p>
-            <a:endParaRPr lang="en-CA" dirty="0"/>
-          </a:p>
-          <a:p>
-            <a:endParaRPr lang="en-CA" dirty="0"/>
+              <a:t>create new objects with this class and change their attribute values correspondingly</a:t>
+            </a:r>
           </a:p>
         </p:txBody>
       </p:sp>
     </p:spTree>
     <p:extLst>
       <p:ext uri="{BB962C8B-B14F-4D97-AF65-F5344CB8AC3E}">
-        <p14:creationId xmlns:p14="http://schemas.microsoft.com/office/powerpoint/2010/main" val="3674036878"/>
+        <p14:creationId xmlns:p14="http://schemas.microsoft.com/office/powerpoint/2010/main" val="2969571594"/>
       </p:ext>
     </p:extLst>
   </p:cSld>
@@ -3712,12 +3887,14 @@
         </p:nvSpPr>
         <p:spPr/>
         <p:txBody>
-          <a:bodyPr/>
+          <a:bodyPr>
+            <a:normAutofit fontScale="90000"/>
+          </a:bodyPr>
           <a:lstStyle/>
           <a:p>
             <a:r>
-              <a:rPr lang="en-CA" dirty="0"/>
-              <a:t>Sub-Package ‘customer’ Module ‘members’</a:t>
+              <a:rPr lang="en-CA" sz="3200" dirty="0"/>
+              <a:t>Functions/Methods</a:t>
             </a:r>
           </a:p>
         </p:txBody>
@@ -3747,46 +3924,222 @@
       </p:sp>
       <p:sp>
         <p:nvSpPr>
-          <p:cNvPr id="4" name="Text Placeholder 3"/>
-          <p:cNvSpPr>
-            <a:spLocks noGrp="1"/>
-          </p:cNvSpPr>
-          <p:nvPr>
-            <p:ph type="body" sz="quarter" idx="13"/>
-          </p:nvPr>
-        </p:nvSpPr>
-        <p:spPr/>
+          <p:cNvPr id="5" name="TextBox 4">
+            <a:extLst>
+              <a:ext uri="{FF2B5EF4-FFF2-40B4-BE49-F238E27FC236}">
+                <a16:creationId xmlns:a16="http://schemas.microsoft.com/office/drawing/2014/main" id="{862EDA56-E99E-32E5-C698-087A78DC5F52}"/>
+              </a:ext>
+            </a:extLst>
+          </p:cNvPr>
+          <p:cNvSpPr txBox="1"/>
+          <p:nvPr/>
+        </p:nvSpPr>
+        <p:spPr>
+          <a:xfrm>
+            <a:off x="609600" y="914400"/>
+            <a:ext cx="9220200" cy="3600986"/>
+          </a:xfrm>
+          <a:prstGeom prst="rect">
+            <a:avLst/>
+          </a:prstGeom>
+          <a:noFill/>
+        </p:spPr>
         <p:txBody>
-          <a:bodyPr/>
+          <a:bodyPr wrap="square" rtlCol="0">
+            <a:spAutoFit/>
+          </a:bodyPr>
           <a:lstStyle/>
           <a:p>
-            <a:r>
-              <a:rPr lang="en-CA" dirty="0"/>
-              <a:t>Brief description</a:t>
-            </a:r>
-          </a:p>
-          <a:p>
-            <a:pPr marL="0" indent="0">
-              <a:buNone/>
+            <a:pPr marL="342900" indent="-342900">
+              <a:buFont typeface="Arial" panose="020B0604020202020204" pitchFamily="34" charset="0"/>
+              <a:buChar char="•"/>
             </a:pPr>
-            <a:endParaRPr lang="en-CA" dirty="0"/>
-          </a:p>
-          <a:p>
-            <a:r>
-              <a:rPr lang="en-CA" dirty="0"/>
-              <a:t> define a member class to store information like name, email, phone number, address, account credits and so on</a:t>
-            </a:r>
-          </a:p>
-          <a:p>
-            <a:r>
-              <a:rPr lang="en-CA" dirty="0"/>
-              <a:t>Create new member with this class</a:t>
-            </a:r>
-          </a:p>
-          <a:p>
-            <a:r>
-              <a:rPr lang="en-CA" dirty="0"/>
-              <a:t>Deactivate membership </a:t>
+            <a:r>
+              <a:rPr lang="en-US" sz="2400" dirty="0">
+                <a:cs typeface="Open Sans"/>
+              </a:rPr>
+              <a:t>__</a:t>
+            </a:r>
+            <a:r>
+              <a:rPr lang="en-US" sz="2400" dirty="0" err="1">
+                <a:cs typeface="Open Sans"/>
+              </a:rPr>
+              <a:t>init</a:t>
+            </a:r>
+            <a:r>
+              <a:rPr lang="en-US" sz="2400" dirty="0">
+                <a:cs typeface="Open Sans"/>
+              </a:rPr>
+              <a:t>__() </a:t>
+            </a:r>
+          </a:p>
+          <a:p>
+            <a:pPr marL="342900" indent="-342900">
+              <a:buFont typeface="Arial" panose="020B0604020202020204" pitchFamily="34" charset="0"/>
+              <a:buChar char="•"/>
+            </a:pPr>
+            <a:r>
+              <a:rPr lang="en-US" sz="2400" dirty="0" err="1">
+                <a:cs typeface="Open Sans"/>
+              </a:rPr>
+              <a:t>check_premium_status</a:t>
+            </a:r>
+            <a:r>
+              <a:rPr lang="en-US" sz="2400" dirty="0">
+                <a:cs typeface="Open Sans"/>
+              </a:rPr>
+              <a:t>(): check if a member is a premium member. </a:t>
+            </a:r>
+            <a:r>
+              <a:rPr lang="en-US" sz="2400" dirty="0" err="1">
+                <a:cs typeface="Open Sans"/>
+              </a:rPr>
+              <a:t>flag&amp;threshold</a:t>
+            </a:r>
+            <a:r>
+              <a:rPr lang="en-US" sz="2400" dirty="0">
+                <a:cs typeface="Open Sans"/>
+              </a:rPr>
+              <a:t> </a:t>
+            </a:r>
+          </a:p>
+          <a:p>
+            <a:pPr marL="342900" indent="-342900">
+              <a:buFont typeface="Arial" panose="020B0604020202020204" pitchFamily="34" charset="0"/>
+              <a:buChar char="•"/>
+            </a:pPr>
+            <a:r>
+              <a:rPr lang="en-US" sz="2400" dirty="0">
+                <a:cs typeface="Open Sans"/>
+              </a:rPr>
+              <a:t> </a:t>
+            </a:r>
+            <a:r>
+              <a:rPr lang="en-US" sz="2400" dirty="0" err="1">
+                <a:cs typeface="Open Sans"/>
+              </a:rPr>
+              <a:t>add_credits</a:t>
+            </a:r>
+            <a:r>
+              <a:rPr lang="en-US" sz="2400" dirty="0">
+                <a:cs typeface="Open Sans"/>
+              </a:rPr>
+              <a:t>/</a:t>
+            </a:r>
+            <a:r>
+              <a:rPr lang="en-US" sz="2400" dirty="0" err="1">
+                <a:cs typeface="Open Sans"/>
+              </a:rPr>
+              <a:t>add_consumption</a:t>
+            </a:r>
+            <a:r>
+              <a:rPr lang="en-US" sz="2400" dirty="0">
+                <a:cs typeface="Open Sans"/>
+              </a:rPr>
+              <a:t>()  for premium members, per transaction total consumption amount/10=credits. For non-premium, 100.</a:t>
+            </a:r>
+          </a:p>
+          <a:p>
+            <a:pPr marL="342900" indent="-342900">
+              <a:buFont typeface="Arial" panose="020B0604020202020204" pitchFamily="34" charset="0"/>
+              <a:buChar char="•"/>
+            </a:pPr>
+            <a:r>
+              <a:rPr lang="en-US" sz="2400" dirty="0">
+                <a:cs typeface="Open Sans"/>
+              </a:rPr>
+              <a:t> </a:t>
+            </a:r>
+            <a:r>
+              <a:rPr lang="en-US" sz="2400" dirty="0" err="1">
+                <a:cs typeface="Open Sans"/>
+              </a:rPr>
+              <a:t>get_member_info</a:t>
+            </a:r>
+            <a:r>
+              <a:rPr lang="en-US" sz="2400" dirty="0">
+                <a:cs typeface="Open Sans"/>
+              </a:rPr>
+              <a:t>(): to get all the known information of members</a:t>
+            </a:r>
+          </a:p>
+          <a:p>
+            <a:pPr marL="342900" indent="-342900">
+              <a:buFont typeface="Arial" panose="020B0604020202020204" pitchFamily="34" charset="0"/>
+              <a:buChar char="•"/>
+            </a:pPr>
+            <a:r>
+              <a:rPr lang="en-US" sz="2400" dirty="0" err="1">
+                <a:cs typeface="Open Sans"/>
+              </a:rPr>
+              <a:t>change_email</a:t>
+            </a:r>
+            <a:r>
+              <a:rPr lang="en-US" sz="2400" dirty="0">
+                <a:cs typeface="Open Sans"/>
+              </a:rPr>
+              <a:t>/phone/address(): changeable</a:t>
+            </a:r>
+          </a:p>
+          <a:p>
+            <a:pPr marL="342900" indent="-342900">
+              <a:buFont typeface="Arial" panose="020B0604020202020204" pitchFamily="34" charset="0"/>
+              <a:buChar char="•"/>
+            </a:pPr>
+            <a:endParaRPr lang="en-US" dirty="0">
+              <a:cs typeface="Open Sans"/>
+            </a:endParaRPr>
+          </a:p>
+          <a:p>
+            <a:pPr marL="342900" indent="-342900">
+              <a:buFont typeface="Arial" panose="020B0604020202020204" pitchFamily="34" charset="0"/>
+              <a:buChar char="•"/>
+            </a:pPr>
+            <a:endParaRPr lang="en-US" dirty="0">
+              <a:cs typeface="Open Sans"/>
+            </a:endParaRPr>
+          </a:p>
+        </p:txBody>
+      </p:sp>
+      <p:sp>
+        <p:nvSpPr>
+          <p:cNvPr id="6" name="TextBox 5">
+            <a:extLst>
+              <a:ext uri="{FF2B5EF4-FFF2-40B4-BE49-F238E27FC236}">
+                <a16:creationId xmlns:a16="http://schemas.microsoft.com/office/drawing/2014/main" id="{521CC191-1F48-7988-E730-F4A050ECC139}"/>
+              </a:ext>
+            </a:extLst>
+          </p:cNvPr>
+          <p:cNvSpPr txBox="1"/>
+          <p:nvPr/>
+        </p:nvSpPr>
+        <p:spPr>
+          <a:xfrm>
+            <a:off x="618066" y="4192220"/>
+            <a:ext cx="9059333" cy="461665"/>
+          </a:xfrm>
+          <a:prstGeom prst="rect">
+            <a:avLst/>
+          </a:prstGeom>
+          <a:noFill/>
+        </p:spPr>
+        <p:txBody>
+          <a:bodyPr wrap="square" rtlCol="0">
+            <a:spAutoFit/>
+          </a:bodyPr>
+          <a:lstStyle/>
+          <a:p>
+            <a:r>
+              <a:rPr lang="en-US" sz="2400" dirty="0" err="1">
+                <a:cs typeface="Open Sans"/>
+              </a:rPr>
+              <a:t>create_new_member</a:t>
+            </a:r>
+            <a:r>
+              <a:rPr lang="en-US" sz="2400" dirty="0">
+                <a:cs typeface="Open Sans"/>
+              </a:rPr>
+              <a:t>(): create new object with certain input</a:t>
             </a:r>
           </a:p>
         </p:txBody>
@@ -3794,7 +4147,7 @@
     </p:spTree>
     <p:extLst>
       <p:ext uri="{BB962C8B-B14F-4D97-AF65-F5344CB8AC3E}">
-        <p14:creationId xmlns:p14="http://schemas.microsoft.com/office/powerpoint/2010/main" val="2969571594"/>
+        <p14:creationId xmlns:p14="http://schemas.microsoft.com/office/powerpoint/2010/main" val="620414433"/>
       </p:ext>
     </p:extLst>
   </p:cSld>
@@ -3833,12 +4186,22 @@
         </p:nvSpPr>
         <p:spPr/>
         <p:txBody>
-          <a:bodyPr/>
+          <a:bodyPr>
+            <a:normAutofit fontScale="90000"/>
+          </a:bodyPr>
           <a:lstStyle/>
           <a:p>
             <a:r>
-              <a:rPr lang="en-CA" dirty="0"/>
-              <a:t>Functions</a:t>
+              <a:rPr lang="en-CA" sz="3200" dirty="0"/>
+              <a:t>Sub-Package ‘customer’ Module ‘</a:t>
+            </a:r>
+            <a:r>
+              <a:rPr lang="en-CA" sz="3200" dirty="0" err="1"/>
+              <a:t>transactions.py</a:t>
+            </a:r>
+            <a:r>
+              <a:rPr lang="en-CA" sz="3200" dirty="0"/>
+              <a:t>’ </a:t>
             </a:r>
           </a:p>
         </p:txBody>
@@ -3883,154 +4246,35 @@
           <a:p>
             <a:r>
               <a:rPr lang="en-CA" dirty="0"/>
-              <a:t>Brief description of three functions</a:t>
-            </a:r>
-          </a:p>
-          <a:p>
-            <a:r>
-              <a:rPr lang="en-CA" dirty="0">
-                <a:solidFill>
-                  <a:schemeClr val="bg1">
-                    <a:lumMod val="65000"/>
-                  </a:schemeClr>
-                </a:solidFill>
-              </a:rPr>
-              <a:t>__</a:t>
-            </a:r>
-            <a:r>
-              <a:rPr lang="en-CA" dirty="0" err="1">
-                <a:solidFill>
-                  <a:schemeClr val="bg1">
-                    <a:lumMod val="65000"/>
-                  </a:schemeClr>
-                </a:solidFill>
-              </a:rPr>
-              <a:t>init</a:t>
-            </a:r>
-            <a:r>
-              <a:rPr lang="en-CA" dirty="0">
-                <a:solidFill>
-                  <a:schemeClr val="bg1">
-                    <a:lumMod val="65000"/>
-                  </a:schemeClr>
-                </a:solidFill>
-              </a:rPr>
-              <a:t>__ set class attributes</a:t>
-            </a:r>
-          </a:p>
-          <a:p>
-            <a:r>
-              <a:rPr lang="en-CA" dirty="0" err="1">
-                <a:solidFill>
-                  <a:schemeClr val="bg1">
-                    <a:lumMod val="65000"/>
-                  </a:schemeClr>
-                </a:solidFill>
-              </a:rPr>
-              <a:t>check_premium_status</a:t>
-            </a:r>
-            <a:r>
-              <a:rPr lang="en-CA" dirty="0">
-                <a:solidFill>
-                  <a:schemeClr val="bg1">
-                    <a:lumMod val="65000"/>
-                  </a:schemeClr>
-                </a:solidFill>
-              </a:rPr>
-              <a:t>: check if member is premium member</a:t>
-            </a:r>
-          </a:p>
-          <a:p>
+              <a:t>Record transactions information: customer id, transaction id, item names, item quantities, item prices, item value(quantity*price), transaction time(same as the time when a transaction is created)</a:t>
+            </a:r>
+          </a:p>
+          <a:p>
+            <a:r>
+              <a:rPr lang="en-CA" dirty="0"/>
+              <a:t>Transaction id is generated with ‘</a:t>
+            </a:r>
             <a:r>
               <a:rPr lang="en-CA" dirty="0" err="1"/>
-              <a:t>add_deposit</a:t>
+              <a:t>uuid</a:t>
             </a:r>
             <a:r>
               <a:rPr lang="en-CA" dirty="0"/>
-              <a:t>/</a:t>
-            </a:r>
-            <a:r>
-              <a:rPr lang="en-CA" dirty="0" err="1"/>
-              <a:t>add_credit</a:t>
-            </a:r>
+              <a:t>’ and transaction time hour and second value to get a unique identifier</a:t>
+            </a:r>
+          </a:p>
+          <a:p>
             <a:r>
               <a:rPr lang="en-CA" dirty="0"/>
-              <a:t>/</a:t>
-            </a:r>
-            <a:r>
-              <a:rPr lang="en-CA" dirty="0" err="1"/>
-              <a:t>add_consumption</a:t>
-            </a:r>
-            <a:r>
-              <a:rPr lang="en-CA" dirty="0"/>
-              <a:t> : add account deposit, credit and consumption</a:t>
-            </a:r>
-          </a:p>
-          <a:p>
-            <a:r>
-              <a:rPr lang="en-CA" dirty="0" err="1"/>
-              <a:t>get_member_info</a:t>
-            </a:r>
-            <a:r>
-              <a:rPr lang="en-CA" dirty="0"/>
-              <a:t>: get all known info of class</a:t>
-            </a:r>
-          </a:p>
-          <a:p>
-            <a:r>
-              <a:rPr lang="en-CA" dirty="0" err="1"/>
-              <a:t>change_email</a:t>
-            </a:r>
-            <a:r>
-              <a:rPr lang="en-CA" dirty="0"/>
-              <a:t>/</a:t>
-            </a:r>
-            <a:r>
-              <a:rPr lang="en-CA" dirty="0" err="1"/>
-              <a:t>change_phone</a:t>
-            </a:r>
-            <a:r>
-              <a:rPr lang="en-CA" dirty="0"/>
-              <a:t>/</a:t>
-            </a:r>
-            <a:r>
-              <a:rPr lang="en-CA" dirty="0" err="1"/>
-              <a:t>change_address</a:t>
-            </a:r>
-            <a:r>
-              <a:rPr lang="en-CA" dirty="0"/>
-              <a:t>: change these information</a:t>
-            </a:r>
-          </a:p>
-          <a:p>
-            <a:r>
-              <a:rPr lang="en-CA" dirty="0" err="1"/>
-              <a:t>new_member</a:t>
-            </a:r>
-            <a:r>
-              <a:rPr lang="en-CA" dirty="0"/>
-              <a:t>: create new member according to the input</a:t>
-            </a:r>
-          </a:p>
-          <a:p>
-            <a:r>
-              <a:rPr lang="en-CA" dirty="0" err="1"/>
-              <a:t>deactivate_member</a:t>
-            </a:r>
-            <a:r>
-              <a:rPr lang="en-CA" dirty="0"/>
-              <a:t>: delete member</a:t>
-            </a:r>
-          </a:p>
-          <a:p>
-            <a:endParaRPr lang="en-CA" dirty="0"/>
+              <a:t>and take customer’s reviews and rates</a:t>
+            </a:r>
           </a:p>
         </p:txBody>
       </p:sp>
     </p:spTree>
     <p:extLst>
       <p:ext uri="{BB962C8B-B14F-4D97-AF65-F5344CB8AC3E}">
-        <p14:creationId xmlns:p14="http://schemas.microsoft.com/office/powerpoint/2010/main" val="620414433"/>
+        <p14:creationId xmlns:p14="http://schemas.microsoft.com/office/powerpoint/2010/main" val="2236773882"/>
       </p:ext>
     </p:extLst>
   </p:cSld>
@@ -4069,13 +4313,16 @@
         </p:nvSpPr>
         <p:spPr/>
         <p:txBody>
-          <a:bodyPr/>
+          <a:bodyPr>
+            <a:normAutofit fontScale="90000"/>
+          </a:bodyPr>
           <a:lstStyle/>
           <a:p>
             <a:r>
-              <a:rPr lang="en-CA" dirty="0"/>
-              <a:t>Sub-Package ‘customer’ Module ‘transactions’ </a:t>
-            </a:r>
+              <a:rPr lang="en-CA" sz="3200" dirty="0"/>
+              <a:t>Functions/Methods</a:t>
+            </a:r>
+            <a:endParaRPr lang="en-CA" sz="2800" dirty="0"/>
           </a:p>
         </p:txBody>
       </p:sp>
@@ -4118,16 +4365,105 @@
           <a:lstStyle/>
           <a:p>
             <a:r>
-              <a:rPr lang="en-CA" dirty="0"/>
-              <a:t>Record the order information and take customer’s reviews and rates</a:t>
-            </a:r>
+              <a:rPr lang="en-CA" sz="2400" dirty="0">
+                <a:latin typeface="+mn-lt"/>
+              </a:rPr>
+              <a:t> __</a:t>
+            </a:r>
+            <a:r>
+              <a:rPr lang="en-CA" sz="2400" dirty="0" err="1">
+                <a:latin typeface="+mn-lt"/>
+              </a:rPr>
+              <a:t>init</a:t>
+            </a:r>
+            <a:r>
+              <a:rPr lang="en-CA" sz="2400" dirty="0">
+                <a:latin typeface="+mn-lt"/>
+              </a:rPr>
+              <a:t>__()</a:t>
+            </a:r>
+          </a:p>
+          <a:p>
+            <a:r>
+              <a:rPr lang="en-CA" sz="2400" dirty="0" err="1">
+                <a:latin typeface="+mn-lt"/>
+              </a:rPr>
+              <a:t>write_review</a:t>
+            </a:r>
+            <a:r>
+              <a:rPr lang="en-CA" sz="2400" dirty="0">
+                <a:latin typeface="+mn-lt"/>
+              </a:rPr>
+              <a:t>/</a:t>
+            </a:r>
+            <a:r>
+              <a:rPr lang="en-CA" sz="2400" dirty="0" err="1">
+                <a:latin typeface="+mn-lt"/>
+              </a:rPr>
+              <a:t>rate_order</a:t>
+            </a:r>
+            <a:r>
+              <a:rPr lang="en-CA" sz="2400" dirty="0">
+                <a:latin typeface="+mn-lt"/>
+              </a:rPr>
+              <a:t>(): add customer </a:t>
+            </a:r>
+          </a:p>
+          <a:p>
+            <a:r>
+              <a:rPr lang="en-CA" sz="2400" dirty="0" err="1">
+                <a:latin typeface="+mn-lt"/>
+              </a:rPr>
+              <a:t>get_order_info</a:t>
+            </a:r>
+            <a:r>
+              <a:rPr lang="en-CA" sz="2400" dirty="0">
+                <a:latin typeface="+mn-lt"/>
+              </a:rPr>
+              <a:t>(): get all the known information of transaction</a:t>
+            </a:r>
+          </a:p>
+          <a:p>
+            <a:r>
+              <a:rPr lang="en-CA" sz="2400" dirty="0" err="1">
+                <a:latin typeface="+mn-lt"/>
+              </a:rPr>
+              <a:t>new_review</a:t>
+            </a:r>
+            <a:r>
+              <a:rPr lang="en-CA" sz="2400" dirty="0">
+                <a:latin typeface="+mn-lt"/>
+              </a:rPr>
+              <a:t>/</a:t>
+            </a:r>
+            <a:r>
+              <a:rPr lang="en-CA" sz="2400" dirty="0" err="1">
+                <a:latin typeface="+mn-lt"/>
+              </a:rPr>
+              <a:t>new_rate</a:t>
+            </a:r>
+            <a:r>
+              <a:rPr lang="en-CA" sz="2400" dirty="0">
+                <a:latin typeface="+mn-lt"/>
+              </a:rPr>
+              <a:t>() : add new review/change rate</a:t>
+            </a:r>
+          </a:p>
+          <a:p>
+            <a:pPr marL="0" indent="0">
+              <a:buNone/>
+            </a:pPr>
+            <a:endParaRPr lang="en-CA" dirty="0"/>
+          </a:p>
+          <a:p>
+            <a:endParaRPr lang="en-CA" dirty="0"/>
           </a:p>
         </p:txBody>
       </p:sp>
     </p:spTree>
     <p:extLst>
       <p:ext uri="{BB962C8B-B14F-4D97-AF65-F5344CB8AC3E}">
-        <p14:creationId xmlns:p14="http://schemas.microsoft.com/office/powerpoint/2010/main" val="2236773882"/>
+        <p14:creationId xmlns:p14="http://schemas.microsoft.com/office/powerpoint/2010/main" val="3135555028"/>
       </p:ext>
     </p:extLst>
   </p:cSld>
@@ -4156,28 +4492,6 @@
       </p:grpSpPr>
       <p:sp>
         <p:nvSpPr>
-          <p:cNvPr id="2" name="Title 1"/>
-          <p:cNvSpPr>
-            <a:spLocks noGrp="1"/>
-          </p:cNvSpPr>
-          <p:nvPr>
-            <p:ph type="title"/>
-          </p:nvPr>
-        </p:nvSpPr>
-        <p:spPr/>
-        <p:txBody>
-          <a:bodyPr/>
-          <a:lstStyle/>
-          <a:p>
-            <a:r>
-              <a:rPr lang="en-CA" dirty="0"/>
-              <a:t>Functions</a:t>
-            </a:r>
-          </a:p>
-        </p:txBody>
-      </p:sp>
-      <p:sp>
-        <p:nvSpPr>
           <p:cNvPr id="3" name="Slide Number Placeholder 2"/>
           <p:cNvSpPr>
             <a:spLocks noGrp="1"/>
@@ -4214,100 +4528,180 @@
           <a:bodyPr/>
           <a:lstStyle/>
           <a:p>
+            <a:pPr marL="0" indent="0">
+              <a:buNone/>
+            </a:pPr>
             <a:r>
               <a:rPr lang="en-CA" dirty="0"/>
-              <a:t>Brief description of  functions</a:t>
-            </a:r>
-          </a:p>
-          <a:p>
-            <a:r>
-              <a:rPr lang="en-CA" dirty="0"/>
-              <a:t>__</a:t>
-            </a:r>
-            <a:r>
-              <a:rPr lang="en-CA" dirty="0" err="1"/>
-              <a:t>init</a:t>
-            </a:r>
-            <a:r>
-              <a:rPr lang="en-CA" dirty="0"/>
-              <a:t>__</a:t>
-            </a:r>
-          </a:p>
-          <a:p>
-            <a:r>
-              <a:rPr lang="en-CA" dirty="0" err="1"/>
-              <a:t>write_review</a:t>
-            </a:r>
-            <a:endParaRPr lang="en-CA" dirty="0"/>
-          </a:p>
-          <a:p>
-            <a:r>
-              <a:rPr lang="en-CA" dirty="0" err="1"/>
-              <a:t>rate_order</a:t>
-            </a:r>
-            <a:endParaRPr lang="en-CA" dirty="0"/>
-          </a:p>
-          <a:p>
-            <a:r>
-              <a:rPr lang="en-CA" dirty="0"/>
-              <a:t>reorder</a:t>
-            </a:r>
-          </a:p>
-          <a:p>
-            <a:r>
-              <a:rPr lang="en-CA" dirty="0" err="1"/>
-              <a:t>get_order_info</a:t>
-            </a:r>
-            <a:endParaRPr lang="en-CA" dirty="0"/>
-          </a:p>
-          <a:p>
-            <a:r>
-              <a:rPr lang="en-CA" dirty="0" err="1"/>
-              <a:t>new_transaction</a:t>
-            </a:r>
-            <a:r>
-              <a:rPr lang="en-CA" dirty="0"/>
-              <a:t>: create new transaction</a:t>
-            </a:r>
-          </a:p>
-          <a:p>
-            <a:r>
-              <a:rPr lang="en-CA" dirty="0" err="1"/>
-              <a:t>new_review</a:t>
-            </a:r>
-            <a:r>
-              <a:rPr lang="en-CA" dirty="0"/>
-              <a:t>: add new review</a:t>
-            </a:r>
-          </a:p>
-          <a:p>
-            <a:r>
-              <a:rPr lang="en-CA" dirty="0" err="1"/>
-              <a:t>new_rate</a:t>
-            </a:r>
-            <a:r>
-              <a:rPr lang="en-CA" dirty="0"/>
-              <a:t>: change rate</a:t>
-            </a:r>
-          </a:p>
-          <a:p>
-            <a:r>
-              <a:rPr lang="en-CA" dirty="0"/>
-              <a:t>reorder: make the same order again</a:t>
-            </a:r>
-          </a:p>
-          <a:p>
-            <a:endParaRPr lang="en-CA" dirty="0"/>
-          </a:p>
-          <a:p>
-            <a:endParaRPr lang="en-CA" dirty="0"/>
+              <a:t>Supermarket Management System</a:t>
+            </a:r>
+            <a:r>
+              <a:rPr lang="en-CA" dirty="0">
+                <a:solidFill>
+                  <a:schemeClr val="bg1">
+                    <a:lumMod val="65000"/>
+                  </a:schemeClr>
+                </a:solidFill>
+              </a:rPr>
+              <a:t>: </a:t>
+            </a:r>
+            <a:r>
+              <a:rPr lang="en-CA" sz="2400" dirty="0">
+                <a:latin typeface="+mn-lt"/>
+              </a:rPr>
+              <a:t>Use </a:t>
+            </a:r>
+            <a:r>
+              <a:rPr lang="en-CA" sz="2400" dirty="0" err="1">
+                <a:latin typeface="+mn-lt"/>
+              </a:rPr>
+              <a:t>sqlite</a:t>
+            </a:r>
+            <a:r>
+              <a:rPr lang="en-CA" sz="2400" dirty="0">
+                <a:latin typeface="+mn-lt"/>
+              </a:rPr>
+              <a:t> to store and retrieve data. For all the function calls/</a:t>
+            </a:r>
+            <a:r>
+              <a:rPr lang="en-CA" sz="2400" dirty="0" err="1">
+                <a:latin typeface="+mn-lt"/>
+              </a:rPr>
+              <a:t>opertions</a:t>
+            </a:r>
+            <a:r>
+              <a:rPr lang="en-CA" sz="2400" dirty="0">
+                <a:latin typeface="+mn-lt"/>
+              </a:rPr>
+              <a:t>, </a:t>
+            </a:r>
+            <a:r>
+              <a:rPr lang="en-CA" sz="2400" dirty="0" err="1">
+                <a:latin typeface="+mn-lt"/>
+              </a:rPr>
+              <a:t>sqlite</a:t>
+            </a:r>
+            <a:r>
+              <a:rPr lang="en-CA" sz="2400" dirty="0">
+                <a:latin typeface="+mn-lt"/>
+              </a:rPr>
+              <a:t> tables will change accordingly</a:t>
+            </a:r>
+          </a:p>
+          <a:p>
+            <a:pPr marL="0" indent="0">
+              <a:buNone/>
+            </a:pPr>
+            <a:r>
+              <a:rPr lang="en-CA" sz="2400" dirty="0">
+                <a:latin typeface="+mn-lt"/>
+              </a:rPr>
+              <a:t> Functions:</a:t>
+            </a:r>
+          </a:p>
+          <a:p>
+            <a:r>
+              <a:rPr lang="en-CA" sz="2400" dirty="0">
+                <a:latin typeface="+mn-lt"/>
+              </a:rPr>
+              <a:t>login(): to ask a customer if he or she is a new member. Yes: then call some of the functions in </a:t>
+            </a:r>
+            <a:r>
+              <a:rPr lang="en-CA" sz="2400" dirty="0" err="1">
+                <a:latin typeface="+mn-lt"/>
+              </a:rPr>
+              <a:t>members.py</a:t>
+            </a:r>
+            <a:r>
+              <a:rPr lang="en-CA" sz="2400" dirty="0">
+                <a:latin typeface="+mn-lt"/>
+              </a:rPr>
+              <a:t> to create new class instance. No: for old members, with provided member id, can achieve 1) check membership information 2) change some of the info 3)check history transactions</a:t>
+            </a:r>
+          </a:p>
+          <a:p>
+            <a:r>
+              <a:rPr lang="en-CA" sz="2400" dirty="0">
+                <a:latin typeface="+mn-lt"/>
+              </a:rPr>
+              <a:t>checkout(): record and store the input transaction information. Customers choose to add account deposit and pay with deposit or not</a:t>
+            </a:r>
+          </a:p>
+          <a:p>
+            <a:r>
+              <a:rPr lang="en-CA" sz="2400" dirty="0" err="1">
+                <a:latin typeface="+mn-lt"/>
+              </a:rPr>
+              <a:t>payment_and_rate</a:t>
+            </a:r>
+            <a:r>
+              <a:rPr lang="en-CA" sz="2400" dirty="0">
+                <a:latin typeface="+mn-lt"/>
+              </a:rPr>
+              <a:t>(): change some of the </a:t>
+            </a:r>
+            <a:r>
+              <a:rPr lang="en-CA" sz="2400" dirty="0" err="1">
+                <a:latin typeface="+mn-lt"/>
+              </a:rPr>
+              <a:t>member&amp;transaction</a:t>
+            </a:r>
+            <a:r>
+              <a:rPr lang="en-CA" sz="2400" dirty="0">
+                <a:latin typeface="+mn-lt"/>
+              </a:rPr>
+              <a:t> attributes(credits, reviews etc.) as a result of checkout</a:t>
+            </a:r>
+          </a:p>
+        </p:txBody>
+      </p:sp>
+      <p:sp>
+        <p:nvSpPr>
+          <p:cNvPr id="7" name="Title 1">
+            <a:extLst>
+              <a:ext uri="{FF2B5EF4-FFF2-40B4-BE49-F238E27FC236}">
+                <a16:creationId xmlns:a16="http://schemas.microsoft.com/office/drawing/2014/main" id="{DB5D7E3B-E7F1-86E2-3084-937BA38B51CC}"/>
+              </a:ext>
+            </a:extLst>
+          </p:cNvPr>
+          <p:cNvSpPr>
+            <a:spLocks noGrp="1"/>
+          </p:cNvSpPr>
+          <p:nvPr>
+            <p:ph type="title"/>
+          </p:nvPr>
+        </p:nvSpPr>
+        <p:spPr>
+          <a:xfrm>
+            <a:off x="609600" y="419100"/>
+            <a:ext cx="10972800" cy="533400"/>
+          </a:xfrm>
+        </p:spPr>
+        <p:txBody>
+          <a:bodyPr>
+            <a:normAutofit fontScale="90000"/>
+          </a:bodyPr>
+          <a:lstStyle/>
+          <a:p>
+            <a:r>
+              <a:rPr lang="en-CA" sz="3200" dirty="0"/>
+              <a:t>Sub-Package ‘customer’ Module ‘</a:t>
+            </a:r>
+            <a:r>
+              <a:rPr lang="en-CA" sz="3200" dirty="0" err="1"/>
+              <a:t>customer_function.py</a:t>
+            </a:r>
+            <a:r>
+              <a:rPr lang="en-CA" sz="3200" dirty="0"/>
+              <a:t>’ </a:t>
+            </a:r>
           </a:p>
         </p:txBody>
       </p:sp>
     </p:spTree>
     <p:extLst>
       <p:ext uri="{BB962C8B-B14F-4D97-AF65-F5344CB8AC3E}">
-        <p14:creationId xmlns:p14="http://schemas.microsoft.com/office/powerpoint/2010/main" val="3135555028"/>
+        <p14:creationId xmlns:p14="http://schemas.microsoft.com/office/powerpoint/2010/main" val="3674036878"/>
       </p:ext>
     </p:extLst>
   </p:cSld>
@@ -4351,7 +4745,23 @@
           <a:p>
             <a:r>
               <a:rPr lang="en-CA" dirty="0"/>
-              <a:t>Sub-Package 2 Module 1</a:t>
+              <a:t>Sub-Package 2 </a:t>
+            </a:r>
+            <a:r>
+              <a:rPr lang="en-CA" dirty="0" err="1"/>
+              <a:t>moudule</a:t>
+            </a:r>
+            <a:r>
+              <a:rPr lang="en-CA" dirty="0"/>
+              <a:t> </a:t>
+            </a:r>
+            <a:r>
+              <a:rPr lang="en-CA" dirty="0">
+                <a:solidFill>
+                  <a:srgbClr val="0070C0"/>
+                </a:solidFill>
+              </a:rPr>
+              <a:t>account.py</a:t>
             </a:r>
           </a:p>
         </p:txBody>
@@ -4395,118 +4805,614 @@
           <a:lstStyle/>
           <a:p>
             <a:r>
-              <a:rPr lang="en-CA" dirty="0"/>
-              <a:t>T</a:t>
-            </a:r>
-            <a:r>
-              <a:rPr lang="en-US" altLang="zh-CN" dirty="0"/>
-              <a:t>his module is used to calculate the </a:t>
-            </a:r>
-            <a:r>
-              <a:rPr lang="en-US" altLang="zh-CN" dirty="0" err="1"/>
-              <a:t>inventory_information</a:t>
-            </a:r>
-            <a:endParaRPr lang="en-CA" dirty="0"/>
-          </a:p>
-          <a:p>
-            <a:r>
-              <a:rPr lang="en-CA" dirty="0"/>
-              <a:t>There are two classes in this package</a:t>
-            </a:r>
-            <a:r>
-              <a:rPr lang="en-US" dirty="0"/>
-              <a:t>.</a:t>
-            </a:r>
-            <a:r>
-              <a:rPr lang="zh-CN" altLang="en-US" dirty="0"/>
-              <a:t> </a:t>
-            </a:r>
-            <a:r>
-              <a:rPr lang="en-US" altLang="zh-CN" b="0" i="0" dirty="0">
+              <a:rPr lang="en-CA" altLang="zh-CN" b="1" dirty="0">
                 <a:solidFill>
-                  <a:srgbClr val="0F0F0F"/>
+                  <a:schemeClr val="accent3">
+                    <a:lumMod val="50000"/>
+                  </a:schemeClr>
                 </a:solidFill>
-                <a:effectLst/>
-                <a:latin typeface="Söhne"/>
-              </a:rPr>
-              <a:t>One class is used to record the inventory of the main company (parent class), and another class is used to record the expanded inventory of a subsidiary company (subclass). </a:t>
-            </a:r>
-          </a:p>
-          <a:p>
+              </a:rPr>
+              <a:t>Interact with Sub-Package 1 and another module</a:t>
+            </a:r>
+            <a:r>
+              <a:rPr lang="en-CA" altLang="zh-CN" dirty="0"/>
+              <a:t>(</a:t>
+            </a:r>
             <a:r>
               <a:rPr lang="en-US" altLang="zh-CN" dirty="0">
                 <a:solidFill>
-                  <a:srgbClr val="0F0F0F"/>
+                  <a:srgbClr val="0070C0"/>
                 </a:solidFill>
-                <a:latin typeface="Söhne"/>
-              </a:rPr>
-              <a:t>The subclass adds two additional methods: one for calculating the top three slow-selling products and another for removing  items from the inventory.</a:t>
-            </a:r>
-            <a:endParaRPr lang="en-CA" altLang="zh-CN" dirty="0"/>
-          </a:p>
-          <a:p>
-            <a:r>
-              <a:rPr lang="en-US" altLang="zh-CN" dirty="0">
+              </a:rPr>
+              <a:t>inventory.py</a:t>
+            </a:r>
+            <a:r>
+              <a:rPr lang="en-CA" altLang="zh-CN" dirty="0"/>
+              <a:t>) </a:t>
+            </a:r>
+            <a:r>
+              <a:rPr lang="en-CA" altLang="zh-CN" b="1" dirty="0">
                 <a:solidFill>
-                  <a:srgbClr val="0F0F0F"/>
+                  <a:schemeClr val="accent3">
+                    <a:lumMod val="50000"/>
+                  </a:schemeClr>
                 </a:solidFill>
-                <a:latin typeface="Söhne"/>
-              </a:rPr>
-              <a:t>Each class we have two class-attribute, one to count the variety of items and the other is a list to store each record.</a:t>
-            </a:r>
-          </a:p>
-          <a:p>
-            <a:r>
-              <a:rPr lang="en-US" altLang="zh-CN" b="0" i="0" dirty="0">
+              </a:rPr>
+              <a:t>of Sub-Package 2 </a:t>
+            </a:r>
+          </a:p>
+          <a:p>
+            <a:pPr lvl="1"/>
+            <a:r>
+              <a:rPr lang="en-CA" altLang="zh-CN" sz="1800" dirty="0">
                 <a:solidFill>
-                  <a:srgbClr val="0F0F0F"/>
+                  <a:schemeClr val="accent3">
+                    <a:lumMod val="75000"/>
+                  </a:schemeClr>
                 </a:solidFill>
-                <a:effectLst/>
-                <a:latin typeface="Söhne"/>
-              </a:rPr>
-              <a:t>Each class have </a:t>
-            </a:r>
-            <a:r>
-              <a:rPr lang="en-US" altLang="zh-CN" dirty="0">
+              </a:rPr>
+              <a:t>Based on loyalty credits to give some redeem</a:t>
+            </a:r>
+          </a:p>
+          <a:p>
+            <a:pPr lvl="1"/>
+            <a:r>
+              <a:rPr lang="en-CA" altLang="zh-CN" sz="1800" dirty="0">
                 <a:solidFill>
-                  <a:srgbClr val="0F0F0F"/>
+                  <a:schemeClr val="accent3">
+                    <a:lumMod val="75000"/>
+                  </a:schemeClr>
                 </a:solidFill>
-                <a:latin typeface="Söhne"/>
-              </a:rPr>
-              <a:t>five </a:t>
-            </a:r>
-            <a:r>
-              <a:rPr lang="en-US" altLang="zh-CN" dirty="0" err="1">
+              </a:rPr>
+              <a:t>Based on poor-selling products</a:t>
+            </a:r>
+          </a:p>
+          <a:p>
+            <a:pPr marL="182562" lvl="1" indent="0">
+              <a:buNone/>
+            </a:pPr>
+            <a:endParaRPr lang="en-CA" altLang="zh-CN" sz="1800" dirty="0">
+              <a:solidFill>
+                <a:schemeClr val="accent3">
+                  <a:lumMod val="75000"/>
+                </a:schemeClr>
+              </a:solidFill>
+            </a:endParaRPr>
+          </a:p>
+          <a:p>
+            <a:r>
+              <a:rPr lang="en-CA" altLang="zh-CN" b="1" dirty="0">
                 <a:solidFill>
-                  <a:srgbClr val="0F0F0F"/>
+                  <a:schemeClr val="accent3">
+                    <a:lumMod val="50000"/>
+                  </a:schemeClr>
                 </a:solidFill>
-                <a:latin typeface="Söhne"/>
-              </a:rPr>
-              <a:t>instance_attributes</a:t>
-            </a:r>
-            <a:r>
-              <a:rPr lang="en-US" altLang="zh-CN" dirty="0">
+              </a:rPr>
+              <a:t>Give promotion and penalty with </a:t>
+            </a:r>
+            <a:r>
+              <a:rPr lang="en-US" altLang="zh-CN" b="1" dirty="0">
                 <a:solidFill>
-                  <a:srgbClr val="0F0F0F"/>
+                  <a:schemeClr val="accent3">
+                    <a:lumMod val="50000"/>
+                  </a:schemeClr>
                 </a:solidFill>
-                <a:latin typeface="Söhne"/>
-              </a:rPr>
-              <a:t>. (item, quantity, cost, price, expire).</a:t>
-            </a:r>
-            <a:endParaRPr lang="en-US" altLang="zh-CN" b="0" i="0" dirty="0">
+              </a:rPr>
+              <a:t>t</a:t>
+            </a:r>
+            <a:r>
+              <a:rPr lang="en-US" b="1" dirty="0">
+                <a:solidFill>
+                  <a:schemeClr val="accent3">
+                    <a:lumMod val="50000"/>
+                  </a:schemeClr>
+                </a:solidFill>
+              </a:rPr>
+              <a:t>hree functions inside.</a:t>
+            </a:r>
+          </a:p>
+          <a:p>
+            <a:pPr lvl="1"/>
+            <a:r>
+              <a:rPr lang="en-CA" sz="1800" dirty="0">
+                <a:solidFill>
+                  <a:schemeClr val="accent3">
+                    <a:lumMod val="75000"/>
+                  </a:schemeClr>
+                </a:solidFill>
+              </a:rPr>
+              <a:t>eliminate()</a:t>
+            </a:r>
+          </a:p>
+          <a:p>
+            <a:pPr lvl="1"/>
+            <a:r>
+              <a:rPr lang="en-CA" sz="1800" dirty="0">
+                <a:solidFill>
+                  <a:schemeClr val="accent3">
+                    <a:lumMod val="75000"/>
+                  </a:schemeClr>
+                </a:solidFill>
+              </a:rPr>
+              <a:t>promotion1()</a:t>
+            </a:r>
+          </a:p>
+          <a:p>
+            <a:pPr lvl="1"/>
+            <a:r>
+              <a:rPr lang="en-CA" sz="1800" dirty="0">
+                <a:solidFill>
+                  <a:schemeClr val="accent3">
+                    <a:lumMod val="75000"/>
+                  </a:schemeClr>
+                </a:solidFill>
+              </a:rPr>
+              <a:t>promotion2()</a:t>
+            </a:r>
+          </a:p>
+          <a:p>
+            <a:endParaRPr lang="en-CA" dirty="0"/>
+          </a:p>
+        </p:txBody>
+      </p:sp>
+      <p:pic>
+        <p:nvPicPr>
+          <p:cNvPr id="6" name="Graphic 5" descr="Rating 3 Star with solid fill">
+            <a:extLst>
+              <a:ext uri="{FF2B5EF4-FFF2-40B4-BE49-F238E27FC236}">
+                <a16:creationId xmlns:a16="http://schemas.microsoft.com/office/drawing/2014/main" id="{5A477FD2-2121-B1DA-8272-BD56D7D4A95E}"/>
+              </a:ext>
+            </a:extLst>
+          </p:cNvPr>
+          <p:cNvPicPr>
+            <a:picLocks noChangeAspect="1"/>
+          </p:cNvPicPr>
+          <p:nvPr/>
+        </p:nvPicPr>
+        <p:blipFill>
+          <a:blip r:embed="rId2">
+            <a:extLst>
+              <a:ext uri="{28A0092B-C50C-407E-A947-70E740481C1C}">
+                <a14:useLocalDpi xmlns:a14="http://schemas.microsoft.com/office/drawing/2010/main" val="0"/>
+              </a:ext>
+              <a:ext uri="{96DAC541-7B7A-43D3-8B79-37D633B846F1}">
+                <asvg:svgBlip xmlns:asvg="http://schemas.microsoft.com/office/drawing/2016/SVG/main" r:embed="rId3"/>
+              </a:ext>
+            </a:extLst>
+          </a:blip>
+          <a:stretch>
+            <a:fillRect/>
+          </a:stretch>
+        </p:blipFill>
+        <p:spPr>
+          <a:xfrm>
+            <a:off x="13217657" y="4174146"/>
+            <a:ext cx="914400" cy="914400"/>
+          </a:xfrm>
+          <a:prstGeom prst="rect">
+            <a:avLst/>
+          </a:prstGeom>
+        </p:spPr>
+      </p:pic>
+      <p:pic>
+        <p:nvPicPr>
+          <p:cNvPr id="10" name="Graphic 9" descr="Target Audience with solid fill">
+            <a:extLst>
+              <a:ext uri="{FF2B5EF4-FFF2-40B4-BE49-F238E27FC236}">
+                <a16:creationId xmlns:a16="http://schemas.microsoft.com/office/drawing/2014/main" id="{901697F4-75EC-4AC7-C2DA-BC934A95DAAA}"/>
+              </a:ext>
+            </a:extLst>
+          </p:cNvPr>
+          <p:cNvPicPr>
+            <a:picLocks noChangeAspect="1"/>
+          </p:cNvPicPr>
+          <p:nvPr/>
+        </p:nvPicPr>
+        <p:blipFill>
+          <a:blip r:embed="rId4">
+            <a:extLst>
+              <a:ext uri="{28A0092B-C50C-407E-A947-70E740481C1C}">
+                <a14:useLocalDpi xmlns:a14="http://schemas.microsoft.com/office/drawing/2010/main" val="0"/>
+              </a:ext>
+              <a:ext uri="{96DAC541-7B7A-43D3-8B79-37D633B846F1}">
+                <asvg:svgBlip xmlns:asvg="http://schemas.microsoft.com/office/drawing/2016/SVG/main" r:embed="rId5"/>
+              </a:ext>
+            </a:extLst>
+          </a:blip>
+          <a:stretch>
+            <a:fillRect/>
+          </a:stretch>
+        </p:blipFill>
+        <p:spPr>
+          <a:xfrm>
+            <a:off x="1450052" y="4017433"/>
+            <a:ext cx="2065338" cy="2065338"/>
+          </a:xfrm>
+          <a:prstGeom prst="rect">
+            <a:avLst/>
+          </a:prstGeom>
+        </p:spPr>
+      </p:pic>
+      <p:pic>
+        <p:nvPicPr>
+          <p:cNvPr id="12" name="Graphic 11" descr="Present outline">
+            <a:extLst>
+              <a:ext uri="{FF2B5EF4-FFF2-40B4-BE49-F238E27FC236}">
+                <a16:creationId xmlns:a16="http://schemas.microsoft.com/office/drawing/2014/main" id="{2924F859-7253-575F-E490-0C5A03FC338D}"/>
+              </a:ext>
+            </a:extLst>
+          </p:cNvPr>
+          <p:cNvPicPr>
+            <a:picLocks noChangeAspect="1"/>
+          </p:cNvPicPr>
+          <p:nvPr/>
+        </p:nvPicPr>
+        <p:blipFill>
+          <a:blip r:embed="rId6">
+            <a:extLst>
+              <a:ext uri="{28A0092B-C50C-407E-A947-70E740481C1C}">
+                <a14:useLocalDpi xmlns:a14="http://schemas.microsoft.com/office/drawing/2010/main" val="0"/>
+              </a:ext>
+              <a:ext uri="{96DAC541-7B7A-43D3-8B79-37D633B846F1}">
+                <asvg:svgBlip xmlns:asvg="http://schemas.microsoft.com/office/drawing/2016/SVG/main" r:embed="rId7"/>
+              </a:ext>
+            </a:extLst>
+          </a:blip>
+          <a:stretch>
+            <a:fillRect/>
+          </a:stretch>
+        </p:blipFill>
+        <p:spPr>
+          <a:xfrm>
+            <a:off x="6423562" y="5301519"/>
+            <a:ext cx="797055" cy="797055"/>
+          </a:xfrm>
+          <a:prstGeom prst="rect">
+            <a:avLst/>
+          </a:prstGeom>
+        </p:spPr>
+      </p:pic>
+      <p:pic>
+        <p:nvPicPr>
+          <p:cNvPr id="14" name="Graphic 13" descr="Flying Money with solid fill">
+            <a:extLst>
+              <a:ext uri="{FF2B5EF4-FFF2-40B4-BE49-F238E27FC236}">
+                <a16:creationId xmlns:a16="http://schemas.microsoft.com/office/drawing/2014/main" id="{0173531D-D794-E4C4-1ACB-093F225CA655}"/>
+              </a:ext>
+            </a:extLst>
+          </p:cNvPr>
+          <p:cNvPicPr>
+            <a:picLocks noChangeAspect="1"/>
+          </p:cNvPicPr>
+          <p:nvPr/>
+        </p:nvPicPr>
+        <p:blipFill>
+          <a:blip r:embed="rId8">
+            <a:extLst>
+              <a:ext uri="{28A0092B-C50C-407E-A947-70E740481C1C}">
+                <a14:useLocalDpi xmlns:a14="http://schemas.microsoft.com/office/drawing/2010/main" val="0"/>
+              </a:ext>
+              <a:ext uri="{96DAC541-7B7A-43D3-8B79-37D633B846F1}">
+                <asvg:svgBlip xmlns:asvg="http://schemas.microsoft.com/office/drawing/2016/SVG/main" r:embed="rId9"/>
+              </a:ext>
+            </a:extLst>
+          </a:blip>
+          <a:stretch>
+            <a:fillRect/>
+          </a:stretch>
+        </p:blipFill>
+        <p:spPr>
+          <a:xfrm>
+            <a:off x="6107528" y="3103033"/>
+            <a:ext cx="914400" cy="914400"/>
+          </a:xfrm>
+          <a:prstGeom prst="rect">
+            <a:avLst/>
+          </a:prstGeom>
+        </p:spPr>
+      </p:pic>
+      <p:pic>
+        <p:nvPicPr>
+          <p:cNvPr id="16" name="Graphic 15" descr="Piggy Bank with solid fill">
+            <a:extLst>
+              <a:ext uri="{FF2B5EF4-FFF2-40B4-BE49-F238E27FC236}">
+                <a16:creationId xmlns:a16="http://schemas.microsoft.com/office/drawing/2014/main" id="{86A1D23F-6578-C786-66C9-3BC0E5D31B9B}"/>
+              </a:ext>
+            </a:extLst>
+          </p:cNvPr>
+          <p:cNvPicPr>
+            <a:picLocks noChangeAspect="1"/>
+          </p:cNvPicPr>
+          <p:nvPr/>
+        </p:nvPicPr>
+        <p:blipFill>
+          <a:blip r:embed="rId10">
+            <a:extLst>
+              <a:ext uri="{28A0092B-C50C-407E-A947-70E740481C1C}">
+                <a14:useLocalDpi xmlns:a14="http://schemas.microsoft.com/office/drawing/2010/main" val="0"/>
+              </a:ext>
+              <a:ext uri="{96DAC541-7B7A-43D3-8B79-37D633B846F1}">
+                <asvg:svgBlip xmlns:asvg="http://schemas.microsoft.com/office/drawing/2016/SVG/main" r:embed="rId11"/>
+              </a:ext>
+            </a:extLst>
+          </a:blip>
+          <a:stretch>
+            <a:fillRect/>
+          </a:stretch>
+        </p:blipFill>
+        <p:spPr>
+          <a:xfrm>
+            <a:off x="4906275" y="5265791"/>
+            <a:ext cx="914400" cy="914400"/>
+          </a:xfrm>
+          <a:prstGeom prst="rect">
+            <a:avLst/>
+          </a:prstGeom>
+        </p:spPr>
+      </p:pic>
+      <p:pic>
+        <p:nvPicPr>
+          <p:cNvPr id="20" name="Graphic 19" descr="Store with solid fill">
+            <a:extLst>
+              <a:ext uri="{FF2B5EF4-FFF2-40B4-BE49-F238E27FC236}">
+                <a16:creationId xmlns:a16="http://schemas.microsoft.com/office/drawing/2014/main" id="{D7734758-28E8-AA42-B5B1-17C7618C147E}"/>
+              </a:ext>
+            </a:extLst>
+          </p:cNvPr>
+          <p:cNvPicPr>
+            <a:picLocks noChangeAspect="1"/>
+          </p:cNvPicPr>
+          <p:nvPr/>
+        </p:nvPicPr>
+        <p:blipFill>
+          <a:blip r:embed="rId12">
+            <a:extLst>
+              <a:ext uri="{28A0092B-C50C-407E-A947-70E740481C1C}">
+                <a14:useLocalDpi xmlns:a14="http://schemas.microsoft.com/office/drawing/2010/main" val="0"/>
+              </a:ext>
+              <a:ext uri="{96DAC541-7B7A-43D3-8B79-37D633B846F1}">
+                <asvg:svgBlip xmlns:asvg="http://schemas.microsoft.com/office/drawing/2016/SVG/main" r:embed="rId13"/>
+              </a:ext>
+            </a:extLst>
+          </a:blip>
+          <a:stretch>
+            <a:fillRect/>
+          </a:stretch>
+        </p:blipFill>
+        <p:spPr>
+          <a:xfrm>
+            <a:off x="8533030" y="3459426"/>
+            <a:ext cx="2511253" cy="2511253"/>
+          </a:xfrm>
+          <a:prstGeom prst="rect">
+            <a:avLst/>
+          </a:prstGeom>
+        </p:spPr>
+      </p:pic>
+      <p:cxnSp>
+        <p:nvCxnSpPr>
+          <p:cNvPr id="23" name="Straight Arrow Connector 22">
+            <a:extLst>
+              <a:ext uri="{FF2B5EF4-FFF2-40B4-BE49-F238E27FC236}">
+                <a16:creationId xmlns:a16="http://schemas.microsoft.com/office/drawing/2014/main" id="{0E59D025-2782-7D46-B8DF-52BD890DFE91}"/>
+              </a:ext>
+            </a:extLst>
+          </p:cNvPr>
+          <p:cNvCxnSpPr>
+            <a:cxnSpLocks/>
+          </p:cNvCxnSpPr>
+          <p:nvPr/>
+        </p:nvCxnSpPr>
+        <p:spPr>
+          <a:xfrm>
+            <a:off x="4131199" y="4674620"/>
+            <a:ext cx="4008133" cy="16854"/>
+          </a:xfrm>
+          <a:prstGeom prst="straightConnector1">
+            <a:avLst/>
+          </a:prstGeom>
+          <a:ln w="57150">
+            <a:solidFill>
+              <a:schemeClr val="tx1"/>
+            </a:solidFill>
+            <a:tailEnd type="triangle"/>
+          </a:ln>
+          <a:effectLst/>
+        </p:spPr>
+        <p:style>
+          <a:lnRef idx="2">
+            <a:schemeClr val="accent1"/>
+          </a:lnRef>
+          <a:fillRef idx="0">
+            <a:schemeClr val="accent1"/>
+          </a:fillRef>
+          <a:effectRef idx="1">
+            <a:schemeClr val="accent1"/>
+          </a:effectRef>
+          <a:fontRef idx="minor">
+            <a:schemeClr val="tx1"/>
+          </a:fontRef>
+        </p:style>
+      </p:cxnSp>
+      <p:cxnSp>
+        <p:nvCxnSpPr>
+          <p:cNvPr id="27" name="Straight Arrow Connector 26">
+            <a:extLst>
+              <a:ext uri="{FF2B5EF4-FFF2-40B4-BE49-F238E27FC236}">
+                <a16:creationId xmlns:a16="http://schemas.microsoft.com/office/drawing/2014/main" id="{D008DCC7-0E17-5838-469C-1A9F8D5605FF}"/>
+              </a:ext>
+            </a:extLst>
+          </p:cNvPr>
+          <p:cNvCxnSpPr>
+            <a:cxnSpLocks/>
+          </p:cNvCxnSpPr>
+          <p:nvPr/>
+        </p:nvCxnSpPr>
+        <p:spPr>
+          <a:xfrm flipH="1">
+            <a:off x="4145267" y="5192140"/>
+            <a:ext cx="3901466" cy="0"/>
+          </a:xfrm>
+          <a:prstGeom prst="straightConnector1">
+            <a:avLst/>
+          </a:prstGeom>
+          <a:ln w="57150">
+            <a:solidFill>
+              <a:schemeClr val="tx1"/>
+            </a:solidFill>
+            <a:tailEnd type="triangle"/>
+          </a:ln>
+          <a:effectLst/>
+        </p:spPr>
+        <p:style>
+          <a:lnRef idx="2">
+            <a:schemeClr val="accent1"/>
+          </a:lnRef>
+          <a:fillRef idx="0">
+            <a:schemeClr val="accent1"/>
+          </a:fillRef>
+          <a:effectRef idx="1">
+            <a:schemeClr val="accent1"/>
+          </a:effectRef>
+          <a:fontRef idx="minor">
+            <a:schemeClr val="tx1"/>
+          </a:fontRef>
+        </p:style>
+      </p:cxnSp>
+      <p:pic>
+        <p:nvPicPr>
+          <p:cNvPr id="30" name="Graphic 29" descr="Flying Money with solid fill">
+            <a:extLst>
+              <a:ext uri="{FF2B5EF4-FFF2-40B4-BE49-F238E27FC236}">
+                <a16:creationId xmlns:a16="http://schemas.microsoft.com/office/drawing/2014/main" id="{55D727A4-E182-408F-2328-2BEF12481FD9}"/>
+              </a:ext>
+            </a:extLst>
+          </p:cNvPr>
+          <p:cNvPicPr>
+            <a:picLocks noChangeAspect="1"/>
+          </p:cNvPicPr>
+          <p:nvPr/>
+        </p:nvPicPr>
+        <p:blipFill>
+          <a:blip r:embed="rId8">
+            <a:extLst>
+              <a:ext uri="{28A0092B-C50C-407E-A947-70E740481C1C}">
+                <a14:useLocalDpi xmlns:a14="http://schemas.microsoft.com/office/drawing/2010/main" val="0"/>
+              </a:ext>
+              <a:ext uri="{96DAC541-7B7A-43D3-8B79-37D633B846F1}">
+                <asvg:svgBlip xmlns:asvg="http://schemas.microsoft.com/office/drawing/2016/SVG/main" r:embed="rId9"/>
+              </a:ext>
+            </a:extLst>
+          </a:blip>
+          <a:stretch>
+            <a:fillRect/>
+          </a:stretch>
+        </p:blipFill>
+        <p:spPr>
+          <a:xfrm>
+            <a:off x="5545693" y="3457419"/>
+            <a:ext cx="788614" cy="788614"/>
+          </a:xfrm>
+          <a:prstGeom prst="rect">
+            <a:avLst/>
+          </a:prstGeom>
+        </p:spPr>
+      </p:pic>
+      <p:sp>
+        <p:nvSpPr>
+          <p:cNvPr id="32" name="TextBox 31">
+            <a:extLst>
+              <a:ext uri="{FF2B5EF4-FFF2-40B4-BE49-F238E27FC236}">
+                <a16:creationId xmlns:a16="http://schemas.microsoft.com/office/drawing/2014/main" id="{79E0C9D5-16B5-10F8-228F-4E62E320FB5A}"/>
+              </a:ext>
+            </a:extLst>
+          </p:cNvPr>
+          <p:cNvSpPr txBox="1"/>
+          <p:nvPr/>
+        </p:nvSpPr>
+        <p:spPr>
+          <a:xfrm>
+            <a:off x="5530879" y="4763911"/>
+            <a:ext cx="967124" cy="369332"/>
+          </a:xfrm>
+          <a:prstGeom prst="rect">
+            <a:avLst/>
+          </a:prstGeom>
+          <a:noFill/>
+        </p:spPr>
+        <p:txBody>
+          <a:bodyPr wrap="none" rtlCol="0">
+            <a:spAutoFit/>
+          </a:bodyPr>
+          <a:lstStyle/>
+          <a:p>
+            <a:r>
+              <a:rPr lang="en-US" altLang="zh-CN" b="1" dirty="0">
+                <a:solidFill>
+                  <a:schemeClr val="accent3">
+                    <a:lumMod val="75000"/>
+                  </a:schemeClr>
+                </a:solidFill>
+                <a:latin typeface="Open Sans"/>
+                <a:cs typeface="Open Sans"/>
+              </a:rPr>
+              <a:t>loyalty</a:t>
+            </a:r>
+            <a:endParaRPr lang="zh-CN" altLang="en-US" sz="1400" b="1" dirty="0">
               <a:solidFill>
-                <a:srgbClr val="0F0F0F"/>
+                <a:schemeClr val="accent3">
+                  <a:lumMod val="75000"/>
+                </a:schemeClr>
               </a:solidFill>
-              <a:effectLst/>
-              <a:latin typeface="Söhne"/>
+              <a:latin typeface="Open Sans"/>
+              <a:cs typeface="Open Sans"/>
             </a:endParaRPr>
           </a:p>
         </p:txBody>
       </p:sp>
+      <p:pic>
+        <p:nvPicPr>
+          <p:cNvPr id="35" name="Graphic 34" descr="Flying Money with solid fill">
+            <a:extLst>
+              <a:ext uri="{FF2B5EF4-FFF2-40B4-BE49-F238E27FC236}">
+                <a16:creationId xmlns:a16="http://schemas.microsoft.com/office/drawing/2014/main" id="{8740778E-D543-5712-4FBA-0939BA5D76DF}"/>
+              </a:ext>
+            </a:extLst>
+          </p:cNvPr>
+          <p:cNvPicPr>
+            <a:picLocks noChangeAspect="1"/>
+          </p:cNvPicPr>
+          <p:nvPr/>
+        </p:nvPicPr>
+        <p:blipFill>
+          <a:blip r:embed="rId8">
+            <a:extLst>
+              <a:ext uri="{28A0092B-C50C-407E-A947-70E740481C1C}">
+                <a14:useLocalDpi xmlns:a14="http://schemas.microsoft.com/office/drawing/2010/main" val="0"/>
+              </a:ext>
+              <a:ext uri="{96DAC541-7B7A-43D3-8B79-37D633B846F1}">
+                <asvg:svgBlip xmlns:asvg="http://schemas.microsoft.com/office/drawing/2016/SVG/main" r:embed="rId9"/>
+              </a:ext>
+            </a:extLst>
+          </a:blip>
+          <a:stretch>
+            <a:fillRect/>
+          </a:stretch>
+        </p:blipFill>
+        <p:spPr>
+          <a:xfrm>
+            <a:off x="5003298" y="3885433"/>
+            <a:ext cx="752362" cy="752362"/>
+          </a:xfrm>
+          <a:prstGeom prst="rect">
+            <a:avLst/>
+          </a:prstGeom>
+        </p:spPr>
+      </p:pic>
     </p:spTree>
     <p:extLst>
       <p:ext uri="{BB962C8B-B14F-4D97-AF65-F5344CB8AC3E}">
-        <p14:creationId xmlns:p14="http://schemas.microsoft.com/office/powerpoint/2010/main" val="1662013090"/>
+        <p14:creationId xmlns:p14="http://schemas.microsoft.com/office/powerpoint/2010/main" val="746202287"/>
       </p:ext>
     </p:extLst>
   </p:cSld>
@@ -4545,11 +5451,13 @@
         </p:nvSpPr>
         <p:spPr/>
         <p:txBody>
-          <a:bodyPr/>
+          <a:bodyPr>
+            <a:normAutofit/>
+          </a:bodyPr>
           <a:lstStyle/>
           <a:p>
             <a:r>
-              <a:rPr lang="en-CA" dirty="0"/>
+              <a:rPr lang="en-CA" sz="2400" dirty="0"/>
               <a:t>Functions</a:t>
             </a:r>
           </a:p>
@@ -4594,210 +5502,171 @@
           <a:lstStyle/>
           <a:p>
             <a:r>
-              <a:rPr lang="en-CA" dirty="0"/>
-              <a:t>Brief description of three functions</a:t>
-            </a:r>
-          </a:p>
-          <a:p>
-            <a:r>
-              <a:rPr lang="en-CA" dirty="0">
+              <a:rPr lang="en-CA" b="1" dirty="0">
                 <a:solidFill>
-                  <a:schemeClr val="bg1">
-                    <a:lumMod val="65000"/>
+                  <a:schemeClr val="accent3">
+                    <a:lumMod val="50000"/>
                   </a:schemeClr>
                 </a:solidFill>
               </a:rPr>
-              <a:t>update: [update the quantity. Being used when customers buy the item or our company acquire goods.]</a:t>
-            </a:r>
-          </a:p>
-          <a:p>
-            <a:r>
-              <a:rPr lang="en-CA" dirty="0">
+              <a:t>Three Functions:</a:t>
+            </a:r>
+          </a:p>
+          <a:p>
+            <a:pPr lvl="1"/>
+            <a:r>
+              <a:rPr lang="en-CA" b="1" dirty="0">
                 <a:solidFill>
-                  <a:schemeClr val="bg1">
-                    <a:lumMod val="65000"/>
+                  <a:schemeClr val="accent3">
+                    <a:lumMod val="75000"/>
                   </a:schemeClr>
                 </a:solidFill>
               </a:rPr>
-              <a:t>kickback: [Based on expiration date, give discount price to sell goods.(</a:t>
-            </a:r>
-            <a:r>
-              <a:rPr lang="en-US" altLang="zh-CN" dirty="0">
+              <a:t>eliminate: </a:t>
+            </a:r>
+            <a:r>
+              <a:rPr lang="en-CA" altLang="zh-CN" sz="2000" dirty="0"/>
+              <a:t>[</a:t>
+            </a:r>
+            <a:r>
+              <a:rPr lang="en-US" altLang="zh-CN" sz="2000" dirty="0"/>
+              <a:t>clear all the loyalty credits of unactive customer. </a:t>
+            </a:r>
+            <a:r>
+              <a:rPr lang="en-US" altLang="zh-CN" dirty="0"/>
+              <a:t>If he or she didn’t come to superman for a month.]</a:t>
+            </a:r>
+            <a:endParaRPr lang="en-CA" altLang="zh-CN" sz="2000" dirty="0"/>
+          </a:p>
+          <a:p>
+            <a:pPr lvl="1"/>
+            <a:endParaRPr lang="en-CA" dirty="0"/>
+          </a:p>
+          <a:p>
+            <a:pPr lvl="1"/>
+            <a:r>
+              <a:rPr lang="en-CA" altLang="zh-CN" b="1" dirty="0">
                 <a:solidFill>
-                  <a:schemeClr val="bg1">
-                    <a:lumMod val="65000"/>
+                  <a:schemeClr val="accent3">
+                    <a:lumMod val="75000"/>
                   </a:schemeClr>
                 </a:solidFill>
               </a:rPr>
-              <a:t>less than 3 days, 50%;less than 7 days, 80%</a:t>
-            </a:r>
-            <a:r>
-              <a:rPr lang="en-CA" dirty="0">
+              <a:t>promotion1</a:t>
+            </a:r>
+            <a:r>
+              <a:rPr lang="en-CA" altLang="zh-CN" dirty="0"/>
+              <a:t>: </a:t>
+            </a:r>
+            <a:r>
+              <a:rPr lang="en-CA" altLang="zh-CN" sz="2000" dirty="0"/>
+              <a:t>[</a:t>
+            </a:r>
+            <a:r>
+              <a:rPr lang="en-US" altLang="zh-CN" sz="2000" dirty="0"/>
+              <a:t>Based on the loyalty credits, giving </a:t>
+            </a:r>
+            <a:r>
+              <a:rPr lang="en-US" altLang="zh-CN" dirty="0"/>
+              <a:t>different growing interest of customer deposit account.]</a:t>
+            </a:r>
+          </a:p>
+          <a:p>
+            <a:pPr lvl="1"/>
+            <a:endParaRPr lang="en-US" altLang="zh-CN" sz="2000" dirty="0"/>
+          </a:p>
+          <a:p>
+            <a:pPr lvl="1"/>
+            <a:r>
+              <a:rPr lang="en-CA" altLang="zh-CN" b="1" dirty="0">
                 <a:solidFill>
-                  <a:schemeClr val="bg1">
-                    <a:lumMod val="65000"/>
+                  <a:schemeClr val="accent3">
+                    <a:lumMod val="75000"/>
                   </a:schemeClr>
                 </a:solidFill>
               </a:rPr>
-              <a:t>)]</a:t>
-            </a:r>
-          </a:p>
-          <a:p>
-            <a:r>
-              <a:rPr lang="en-CA" dirty="0">
-                <a:solidFill>
-                  <a:schemeClr val="bg1">
-                    <a:lumMod val="65000"/>
-                  </a:schemeClr>
-                </a:solidFill>
-              </a:rPr>
-              <a:t>profit : [Calculate the profit based on cost and price, assuming everything is sold out.]</a:t>
-            </a:r>
-          </a:p>
-          <a:p>
-            <a:r>
-              <a:rPr lang="en-CA" altLang="zh-CN" dirty="0">
-                <a:solidFill>
-                  <a:schemeClr val="bg1">
-                    <a:lumMod val="65000"/>
-                  </a:schemeClr>
-                </a:solidFill>
-              </a:rPr>
-              <a:t>__add__ : [Merge inventory from </a:t>
-            </a:r>
-            <a:r>
-              <a:rPr lang="en-CA" altLang="zh-CN" dirty="0" err="1">
-                <a:solidFill>
-                  <a:schemeClr val="bg1">
-                    <a:lumMod val="65000"/>
-                  </a:schemeClr>
-                </a:solidFill>
-              </a:rPr>
-              <a:t>parent_class</a:t>
-            </a:r>
-            <a:r>
-              <a:rPr lang="en-CA" altLang="zh-CN" dirty="0">
-                <a:solidFill>
-                  <a:schemeClr val="bg1">
-                    <a:lumMod val="65000"/>
-                  </a:schemeClr>
-                </a:solidFill>
-              </a:rPr>
-              <a:t> and </a:t>
-            </a:r>
-            <a:r>
-              <a:rPr lang="en-CA" altLang="zh-CN" dirty="0" err="1">
-                <a:solidFill>
-                  <a:schemeClr val="bg1">
-                    <a:lumMod val="65000"/>
-                  </a:schemeClr>
-                </a:solidFill>
-              </a:rPr>
-              <a:t>child_class</a:t>
-            </a:r>
-            <a:r>
-              <a:rPr lang="en-CA" altLang="zh-CN" dirty="0">
-                <a:solidFill>
-                  <a:schemeClr val="bg1">
-                    <a:lumMod val="65000"/>
-                  </a:schemeClr>
-                </a:solidFill>
-              </a:rPr>
-              <a:t> to </a:t>
-            </a:r>
-            <a:r>
-              <a:rPr lang="en-CA" altLang="zh-CN" dirty="0" err="1">
-                <a:solidFill>
-                  <a:schemeClr val="bg1">
-                    <a:lumMod val="65000"/>
-                  </a:schemeClr>
-                </a:solidFill>
-              </a:rPr>
-              <a:t>parent_class</a:t>
-            </a:r>
-            <a:r>
-              <a:rPr lang="en-CA" altLang="zh-CN" dirty="0">
-                <a:solidFill>
-                  <a:schemeClr val="bg1">
-                    <a:lumMod val="65000"/>
-                  </a:schemeClr>
-                </a:solidFill>
-              </a:rPr>
-              <a:t>]</a:t>
-            </a:r>
-          </a:p>
-          <a:p>
-            <a:r>
-              <a:rPr lang="en-CA" dirty="0">
-                <a:solidFill>
-                  <a:schemeClr val="bg1">
-                    <a:lumMod val="65000"/>
-                  </a:schemeClr>
-                </a:solidFill>
-              </a:rPr>
-              <a:t>kickback2:</a:t>
-            </a:r>
-            <a:r>
-              <a:rPr lang="en-CA" altLang="zh-CN" dirty="0">
-                <a:solidFill>
-                  <a:schemeClr val="bg1">
-                    <a:lumMod val="65000"/>
-                  </a:schemeClr>
-                </a:solidFill>
-              </a:rPr>
-              <a:t>[Based on slow-selling products</a:t>
-            </a:r>
-            <a:r>
-              <a:rPr lang="en-US" altLang="zh-CN" dirty="0">
-                <a:solidFill>
-                  <a:schemeClr val="bg1">
-                    <a:lumMod val="65000"/>
-                  </a:schemeClr>
-                </a:solidFill>
-              </a:rPr>
-              <a:t>(quantity), return the top-3 as a gift for high points customer]</a:t>
-            </a:r>
-          </a:p>
-          <a:p>
-            <a:r>
-              <a:rPr lang="en-US" altLang="zh-CN" dirty="0">
-                <a:solidFill>
-                  <a:schemeClr val="bg1">
-                    <a:lumMod val="65000"/>
-                  </a:schemeClr>
-                </a:solidFill>
-              </a:rPr>
-              <a:t>remove:[Remove the assigned items.]</a:t>
-            </a:r>
-            <a:endParaRPr lang="en-CA" altLang="zh-CN" dirty="0">
-              <a:solidFill>
-                <a:schemeClr val="bg1">
-                  <a:lumMod val="65000"/>
-                </a:schemeClr>
-              </a:solidFill>
-            </a:endParaRPr>
-          </a:p>
-          <a:p>
-            <a:endParaRPr lang="en-CA" dirty="0">
-              <a:solidFill>
-                <a:schemeClr val="bg1">
-                  <a:lumMod val="65000"/>
-                </a:schemeClr>
-              </a:solidFill>
-            </a:endParaRPr>
-          </a:p>
-          <a:p>
+              <a:t>promotion2</a:t>
+            </a:r>
+            <a:r>
+              <a:rPr lang="en-CA" altLang="zh-CN" dirty="0"/>
+              <a:t>: </a:t>
+            </a:r>
+            <a:r>
+              <a:rPr lang="en-CA" altLang="zh-CN" sz="2000" dirty="0"/>
+              <a:t>[</a:t>
+            </a:r>
+            <a:r>
+              <a:rPr lang="en-US" altLang="zh-CN" sz="2000" dirty="0"/>
+              <a:t>Based on the loyalty credits, </a:t>
+            </a:r>
+            <a:r>
+              <a:rPr lang="en-US" altLang="zh-CN" dirty="0"/>
+              <a:t>picking top 3 customer and ran</a:t>
+            </a:r>
+            <a:r>
+              <a:rPr lang="en-US" altLang="zh-CN" sz="2000" dirty="0"/>
+              <a:t>domly giving </a:t>
+            </a:r>
+            <a:r>
+              <a:rPr lang="en-US" altLang="zh-CN" dirty="0"/>
+              <a:t>gifts from inventory with large quantity.]</a:t>
+            </a:r>
+          </a:p>
+          <a:p>
+            <a:pPr lvl="1"/>
             <a:endParaRPr lang="en-CA" dirty="0"/>
           </a:p>
           <a:p>
             <a:endParaRPr lang="en-CA" dirty="0"/>
           </a:p>
+          <a:p>
+            <a:endParaRPr lang="en-CA" dirty="0"/>
+          </a:p>
         </p:txBody>
       </p:sp>
+      <p:pic>
+        <p:nvPicPr>
+          <p:cNvPr id="5" name="Graphic 4" descr="Clipboard with solid fill">
+            <a:extLst>
+              <a:ext uri="{FF2B5EF4-FFF2-40B4-BE49-F238E27FC236}">
+                <a16:creationId xmlns:a16="http://schemas.microsoft.com/office/drawing/2014/main" id="{5B2A32C9-FAC7-C76A-78E3-56D0B563433F}"/>
+              </a:ext>
+            </a:extLst>
+          </p:cNvPr>
+          <p:cNvPicPr>
+            <a:picLocks noChangeAspect="1"/>
+          </p:cNvPicPr>
+          <p:nvPr/>
+        </p:nvPicPr>
+        <p:blipFill>
+          <a:blip r:embed="rId2">
+            <a:extLst>
+              <a:ext uri="{28A0092B-C50C-407E-A947-70E740481C1C}">
+                <a14:useLocalDpi xmlns:a14="http://schemas.microsoft.com/office/drawing/2010/main" val="0"/>
+              </a:ext>
+              <a:ext uri="{96DAC541-7B7A-43D3-8B79-37D633B846F1}">
+                <asvg:svgBlip xmlns:asvg="http://schemas.microsoft.com/office/drawing/2016/SVG/main" r:embed="rId3"/>
+              </a:ext>
+            </a:extLst>
+          </a:blip>
+          <a:stretch>
+            <a:fillRect/>
+          </a:stretch>
+        </p:blipFill>
+        <p:spPr>
+          <a:xfrm>
+            <a:off x="7772400" y="4189141"/>
+            <a:ext cx="1983059" cy="1983059"/>
+          </a:xfrm>
+          <a:prstGeom prst="rect">
+            <a:avLst/>
+          </a:prstGeom>
+        </p:spPr>
+      </p:pic>
     </p:spTree>
     <p:extLst>
       <p:ext uri="{BB962C8B-B14F-4D97-AF65-F5344CB8AC3E}">
-        <p14:creationId xmlns:p14="http://schemas.microsoft.com/office/powerpoint/2010/main" val="2646533078"/>
+        <p14:creationId xmlns:p14="http://schemas.microsoft.com/office/powerpoint/2010/main" val="1443043928"/>
       </p:ext>
     </p:extLst>
   </p:cSld>
@@ -4836,13 +5705,28 @@
         </p:nvSpPr>
         <p:spPr/>
         <p:txBody>
-          <a:bodyPr/>
+          <a:bodyPr>
+            <a:normAutofit/>
+          </a:bodyPr>
           <a:lstStyle/>
           <a:p>
             <a:r>
-              <a:rPr lang="en-CA" dirty="0"/>
-              <a:t>Sub-Package 2 Module 2</a:t>
-            </a:r>
+              <a:rPr lang="en-CA" sz="2400" dirty="0"/>
+              <a:t>Sub-Package 2 Module </a:t>
+            </a:r>
+            <a:r>
+              <a:rPr lang="en-US" altLang="zh-CN" sz="2400" dirty="0">
+                <a:solidFill>
+                  <a:srgbClr val="0070C0"/>
+                </a:solidFill>
+              </a:rPr>
+              <a:t>inventory.py</a:t>
+            </a:r>
+            <a:endParaRPr lang="en-CA" sz="2400" dirty="0">
+              <a:solidFill>
+                <a:srgbClr val="0070C0"/>
+              </a:solidFill>
+            </a:endParaRPr>
           </a:p>
         </p:txBody>
       </p:sp>
@@ -4879,52 +5763,365 @@
             <p:ph type="body" sz="quarter" idx="13"/>
           </p:nvPr>
         </p:nvSpPr>
-        <p:spPr/>
+        <p:spPr>
+          <a:xfrm>
+            <a:off x="619760" y="1082676"/>
+            <a:ext cx="10972800" cy="5257800"/>
+          </a:xfrm>
+        </p:spPr>
         <p:txBody>
-          <a:bodyPr/>
+          <a:bodyPr>
+            <a:normAutofit/>
+          </a:bodyPr>
           <a:lstStyle/>
           <a:p>
             <a:r>
-              <a:rPr lang="en-CA" dirty="0"/>
-              <a:t>A</a:t>
-            </a:r>
-            <a:r>
-              <a:rPr lang="en-US" dirty="0" err="1"/>
-              <a:t>ccess</a:t>
-            </a:r>
-            <a:r>
-              <a:rPr lang="en-US" dirty="0"/>
-              <a:t> customer information and give promotions</a:t>
-            </a:r>
+              <a:rPr lang="en-CA" b="1" dirty="0">
+                <a:solidFill>
+                  <a:schemeClr val="accent3">
+                    <a:lumMod val="50000"/>
+                  </a:schemeClr>
+                </a:solidFill>
+              </a:rPr>
+              <a:t>T</a:t>
+            </a:r>
+            <a:r>
+              <a:rPr lang="en-US" altLang="zh-CN" b="1" dirty="0">
+                <a:solidFill>
+                  <a:schemeClr val="accent3">
+                    <a:lumMod val="50000"/>
+                  </a:schemeClr>
+                </a:solidFill>
+              </a:rPr>
+              <a:t>his module has two class and two outside functions:</a:t>
+            </a:r>
+          </a:p>
+          <a:p>
+            <a:pPr lvl="1"/>
+            <a:r>
+              <a:rPr lang="en-US" altLang="zh-CN" sz="1800" dirty="0">
+                <a:solidFill>
+                  <a:schemeClr val="accent3">
+                    <a:lumMod val="75000"/>
+                  </a:schemeClr>
+                </a:solidFill>
+              </a:rPr>
+              <a:t>Parent class names as </a:t>
+            </a:r>
+            <a:r>
+              <a:rPr lang="en-US" altLang="zh-CN" sz="1800" i="1" u="sng" dirty="0" err="1">
+                <a:solidFill>
+                  <a:schemeClr val="accent3">
+                    <a:lumMod val="75000"/>
+                  </a:schemeClr>
+                </a:solidFill>
+                <a:latin typeface="Code"/>
+                <a:cs typeface="Microsoft Uighur" panose="020F0502020204030204" pitchFamily="2" charset="-78"/>
+              </a:rPr>
+              <a:t>inventory_informa</a:t>
+            </a:r>
+            <a:r>
+              <a:rPr lang="en-US" altLang="zh-CN" sz="1800" i="1" u="sng" dirty="0">
+                <a:solidFill>
+                  <a:schemeClr val="accent3">
+                    <a:lumMod val="75000"/>
+                  </a:schemeClr>
+                </a:solidFill>
+                <a:latin typeface="Code"/>
+                <a:cs typeface="Microsoft Uighur" panose="020F0502020204030204" pitchFamily="2" charset="-78"/>
+              </a:rPr>
+              <a:t> </a:t>
+            </a:r>
+            <a:r>
+              <a:rPr lang="en-US" altLang="zh-CN" sz="1800" dirty="0">
+                <a:solidFill>
+                  <a:schemeClr val="accent3">
+                    <a:lumMod val="75000"/>
+                  </a:schemeClr>
+                </a:solidFill>
+              </a:rPr>
+              <a:t>:</a:t>
+            </a:r>
+          </a:p>
+          <a:p>
+            <a:pPr marL="708025" lvl="2" indent="-342900">
+              <a:buFont typeface="Arial" panose="020B0604020202020204" pitchFamily="34" charset="0"/>
+              <a:buChar char="•"/>
+            </a:pPr>
+            <a:r>
+              <a:rPr lang="en-US" altLang="zh-CN" sz="1800" dirty="0"/>
+              <a:t>Store main products of main company.</a:t>
+            </a:r>
+          </a:p>
+          <a:p>
+            <a:pPr lvl="1"/>
+            <a:r>
+              <a:rPr lang="en-US" sz="1800" dirty="0">
+                <a:solidFill>
+                  <a:schemeClr val="accent3">
+                    <a:lumMod val="75000"/>
+                  </a:schemeClr>
+                </a:solidFill>
+              </a:rPr>
+              <a:t>Child class names as </a:t>
+            </a:r>
+            <a:r>
+              <a:rPr lang="en-US" sz="1800" i="1" u="sng" dirty="0" err="1">
+                <a:solidFill>
+                  <a:schemeClr val="accent3">
+                    <a:lumMod val="75000"/>
+                  </a:schemeClr>
+                </a:solidFill>
+                <a:latin typeface="Code"/>
+                <a:cs typeface="Microsoft Uighur" panose="020F0502020204030204" pitchFamily="2" charset="-78"/>
+              </a:rPr>
+              <a:t>extend_informa</a:t>
+            </a:r>
+            <a:r>
+              <a:rPr lang="en-US" sz="1800" dirty="0">
+                <a:solidFill>
+                  <a:schemeClr val="accent3">
+                    <a:lumMod val="75000"/>
+                  </a:schemeClr>
+                </a:solidFill>
+              </a:rPr>
+              <a:t>:</a:t>
+            </a:r>
+          </a:p>
+          <a:p>
+            <a:pPr marL="708025" lvl="2" indent="-342900">
+              <a:buFont typeface="Arial" panose="020B0604020202020204" pitchFamily="34" charset="0"/>
+              <a:buChar char="•"/>
+            </a:pPr>
+            <a:r>
+              <a:rPr lang="en-CA" sz="1800" dirty="0"/>
+              <a:t>Store main products of sub company.</a:t>
+            </a:r>
+          </a:p>
+          <a:p>
+            <a:pPr marL="708025" lvl="2" indent="-342900">
+              <a:buFont typeface="Arial" panose="020B0604020202020204" pitchFamily="34" charset="0"/>
+              <a:buChar char="•"/>
+            </a:pPr>
+            <a:r>
+              <a:rPr lang="en-CA" sz="1800" dirty="0"/>
+              <a:t>Add additional two function</a:t>
+            </a:r>
+          </a:p>
+          <a:p>
+            <a:pPr lvl="2"/>
             <a:endParaRPr lang="en-CA" dirty="0"/>
           </a:p>
           <a:p>
             <a:r>
-              <a:rPr lang="en-CA" dirty="0"/>
-              <a:t>Get access to the customer information which Sub-Package 1 created</a:t>
-            </a:r>
-          </a:p>
-          <a:p>
-            <a:r>
-              <a:rPr lang="en-CA" dirty="0"/>
-              <a:t>Based on the loyalty points to give some redeem.</a:t>
-            </a:r>
-          </a:p>
-          <a:p>
-            <a:endParaRPr lang="en-CA" dirty="0"/>
-          </a:p>
-          <a:p>
-            <a:endParaRPr lang="en-CA" dirty="0"/>
-          </a:p>
-          <a:p>
-            <a:endParaRPr lang="en-CA" dirty="0"/>
+              <a:rPr lang="en-US" altLang="zh-CN" b="1" dirty="0">
+                <a:solidFill>
+                  <a:schemeClr val="accent3">
+                    <a:lumMod val="50000"/>
+                  </a:schemeClr>
+                </a:solidFill>
+              </a:rPr>
+              <a:t>Each class has five </a:t>
+            </a:r>
+            <a:r>
+              <a:rPr lang="en-US" altLang="zh-CN" b="1" dirty="0" err="1">
+                <a:solidFill>
+                  <a:schemeClr val="accent3">
+                    <a:lumMod val="50000"/>
+                  </a:schemeClr>
+                </a:solidFill>
+              </a:rPr>
+              <a:t>instance_attributes</a:t>
+            </a:r>
+            <a:r>
+              <a:rPr lang="en-US" altLang="zh-CN" b="1" dirty="0">
+                <a:solidFill>
+                  <a:schemeClr val="accent3">
+                    <a:lumMod val="50000"/>
+                  </a:schemeClr>
+                </a:solidFill>
+              </a:rPr>
+              <a:t>:</a:t>
+            </a:r>
+          </a:p>
+          <a:p>
+            <a:pPr lvl="1"/>
+            <a:r>
+              <a:rPr lang="en-US" altLang="zh-CN" sz="1800" dirty="0">
+                <a:solidFill>
+                  <a:schemeClr val="accent3">
+                    <a:lumMod val="75000"/>
+                  </a:schemeClr>
+                </a:solidFill>
+              </a:rPr>
+              <a:t>(item, quantity, cost, price, expire).</a:t>
+            </a:r>
+          </a:p>
+          <a:p>
+            <a:pPr lvl="1"/>
+            <a:endParaRPr lang="en-US" altLang="zh-CN" dirty="0"/>
+          </a:p>
+          <a:p>
+            <a:r>
+              <a:rPr lang="en-US" altLang="zh-CN" b="1" dirty="0">
+                <a:solidFill>
+                  <a:schemeClr val="accent3">
+                    <a:lumMod val="50000"/>
+                  </a:schemeClr>
+                </a:solidFill>
+              </a:rPr>
+              <a:t>Each class has two class-attribute:</a:t>
+            </a:r>
+          </a:p>
+          <a:p>
+            <a:pPr lvl="1"/>
+            <a:r>
+              <a:rPr lang="en-US" altLang="zh-CN" sz="1800" dirty="0">
+                <a:solidFill>
+                  <a:schemeClr val="accent3">
+                    <a:lumMod val="75000"/>
+                  </a:schemeClr>
+                </a:solidFill>
+              </a:rPr>
+              <a:t>a variable to count the variety of items;</a:t>
+            </a:r>
+          </a:p>
+          <a:p>
+            <a:pPr lvl="1"/>
+            <a:r>
+              <a:rPr lang="en-US" altLang="zh-CN" sz="1800" dirty="0">
+                <a:solidFill>
+                  <a:schemeClr val="accent3">
+                    <a:lumMod val="75000"/>
+                  </a:schemeClr>
+                </a:solidFill>
+              </a:rPr>
+              <a:t>a list to store each record.</a:t>
+            </a:r>
           </a:p>
         </p:txBody>
       </p:sp>
+      <p:pic>
+        <p:nvPicPr>
+          <p:cNvPr id="6" name="Graphic 5" descr="Box with solid fill">
+            <a:extLst>
+              <a:ext uri="{FF2B5EF4-FFF2-40B4-BE49-F238E27FC236}">
+                <a16:creationId xmlns:a16="http://schemas.microsoft.com/office/drawing/2014/main" id="{27545E07-F489-FCAA-E6DB-00117C69555E}"/>
+              </a:ext>
+            </a:extLst>
+          </p:cNvPr>
+          <p:cNvPicPr>
+            <a:picLocks noChangeAspect="1"/>
+          </p:cNvPicPr>
+          <p:nvPr/>
+        </p:nvPicPr>
+        <p:blipFill>
+          <a:blip r:embed="rId2">
+            <a:extLst>
+              <a:ext uri="{28A0092B-C50C-407E-A947-70E740481C1C}">
+                <a14:useLocalDpi xmlns:a14="http://schemas.microsoft.com/office/drawing/2010/main" val="0"/>
+              </a:ext>
+              <a:ext uri="{96DAC541-7B7A-43D3-8B79-37D633B846F1}">
+                <asvg:svgBlip xmlns:asvg="http://schemas.microsoft.com/office/drawing/2016/SVG/main" r:embed="rId3"/>
+              </a:ext>
+            </a:extLst>
+          </a:blip>
+          <a:stretch>
+            <a:fillRect/>
+          </a:stretch>
+        </p:blipFill>
+        <p:spPr>
+          <a:xfrm>
+            <a:off x="9601200" y="1848624"/>
+            <a:ext cx="1676400" cy="1676400"/>
+          </a:xfrm>
+          <a:prstGeom prst="rect">
+            <a:avLst/>
+          </a:prstGeom>
+        </p:spPr>
+      </p:pic>
+      <p:pic>
+        <p:nvPicPr>
+          <p:cNvPr id="8" name="Graphic 7" descr="Box outline">
+            <a:extLst>
+              <a:ext uri="{FF2B5EF4-FFF2-40B4-BE49-F238E27FC236}">
+                <a16:creationId xmlns:a16="http://schemas.microsoft.com/office/drawing/2014/main" id="{62A14BB7-3EBC-636A-62AA-DF3AFA053E46}"/>
+              </a:ext>
+            </a:extLst>
+          </p:cNvPr>
+          <p:cNvPicPr>
+            <a:picLocks noChangeAspect="1"/>
+          </p:cNvPicPr>
+          <p:nvPr/>
+        </p:nvPicPr>
+        <p:blipFill>
+          <a:blip r:embed="rId4">
+            <a:extLst>
+              <a:ext uri="{28A0092B-C50C-407E-A947-70E740481C1C}">
+                <a14:useLocalDpi xmlns:a14="http://schemas.microsoft.com/office/drawing/2010/main" val="0"/>
+              </a:ext>
+              <a:ext uri="{96DAC541-7B7A-43D3-8B79-37D633B846F1}">
+                <asvg:svgBlip xmlns:asvg="http://schemas.microsoft.com/office/drawing/2016/SVG/main" r:embed="rId5"/>
+              </a:ext>
+            </a:extLst>
+          </a:blip>
+          <a:stretch>
+            <a:fillRect/>
+          </a:stretch>
+        </p:blipFill>
+        <p:spPr>
+          <a:xfrm>
+            <a:off x="6477000" y="2626500"/>
+            <a:ext cx="3276600" cy="3276600"/>
+          </a:xfrm>
+          <a:prstGeom prst="rect">
+            <a:avLst/>
+          </a:prstGeom>
+        </p:spPr>
+      </p:pic>
+      <p:pic>
+        <p:nvPicPr>
+          <p:cNvPr id="18" name="Graphic 17" descr="Clipboard with solid fill">
+            <a:extLst>
+              <a:ext uri="{FF2B5EF4-FFF2-40B4-BE49-F238E27FC236}">
+                <a16:creationId xmlns:a16="http://schemas.microsoft.com/office/drawing/2014/main" id="{D1669B4A-C46A-B1FA-2A44-6EA25B167DDB}"/>
+              </a:ext>
+            </a:extLst>
+          </p:cNvPr>
+          <p:cNvPicPr>
+            <a:picLocks noChangeAspect="1"/>
+          </p:cNvPicPr>
+          <p:nvPr/>
+        </p:nvPicPr>
+        <p:blipFill>
+          <a:blip r:embed="rId6">
+            <a:extLst>
+              <a:ext uri="{28A0092B-C50C-407E-A947-70E740481C1C}">
+                <a14:useLocalDpi xmlns:a14="http://schemas.microsoft.com/office/drawing/2010/main" val="0"/>
+              </a:ext>
+              <a:ext uri="{96DAC541-7B7A-43D3-8B79-37D633B846F1}">
+                <asvg:svgBlip xmlns:asvg="http://schemas.microsoft.com/office/drawing/2016/SVG/main" r:embed="rId7"/>
+              </a:ext>
+            </a:extLst>
+          </a:blip>
+          <a:stretch>
+            <a:fillRect/>
+          </a:stretch>
+        </p:blipFill>
+        <p:spPr>
+          <a:xfrm>
+            <a:off x="13792200" y="1415416"/>
+            <a:ext cx="1600200" cy="1600200"/>
+          </a:xfrm>
+          <a:prstGeom prst="rect">
+            <a:avLst/>
+          </a:prstGeom>
+        </p:spPr>
+      </p:pic>
     </p:spTree>
     <p:extLst>
       <p:ext uri="{BB962C8B-B14F-4D97-AF65-F5344CB8AC3E}">
-        <p14:creationId xmlns:p14="http://schemas.microsoft.com/office/powerpoint/2010/main" val="746202287"/>
+        <p14:creationId xmlns:p14="http://schemas.microsoft.com/office/powerpoint/2010/main" val="1662013090"/>
       </p:ext>
     </p:extLst>
   </p:cSld>

--- a/Presentation_Group3.pptx
+++ b/Presentation_Group3.pptx
@@ -12,11 +12,11 @@
   </p:handoutMasterIdLst>
   <p:sldIdLst>
     <p:sldId id="257" r:id="rId2"/>
-    <p:sldId id="331" r:id="rId3"/>
-    <p:sldId id="332" r:id="rId4"/>
-    <p:sldId id="341" r:id="rId5"/>
-    <p:sldId id="338" r:id="rId6"/>
-    <p:sldId id="342" r:id="rId7"/>
+    <p:sldId id="332" r:id="rId3"/>
+    <p:sldId id="341" r:id="rId4"/>
+    <p:sldId id="338" r:id="rId5"/>
+    <p:sldId id="342" r:id="rId6"/>
+    <p:sldId id="331" r:id="rId7"/>
     <p:sldId id="340" r:id="rId8"/>
     <p:sldId id="345" r:id="rId9"/>
     <p:sldId id="339" r:id="rId10"/>
@@ -764,7 +764,7 @@
           <a:p>
             <a:fld id="{0FA23B7F-B0A4-4548-866A-1C343862BBF1}" type="datetimeFigureOut">
               <a:rPr lang="en-US" smtClean="0"/>
-              <a:t>12/3/2023</a:t>
+              <a:t>12/4/23</a:t>
             </a:fld>
             <a:endParaRPr lang="en-CA"/>
           </a:p>
@@ -930,7 +930,7 @@
           <a:p>
             <a:fld id="{7466FCE3-F006-44F4-AB45-D076B47EC6C4}" type="datetimeFigureOut">
               <a:rPr lang="en-US" smtClean="0"/>
-              <a:t>12/3/2023</a:t>
+              <a:t>12/4/23</a:t>
             </a:fld>
             <a:endParaRPr lang="en-US"/>
           </a:p>
@@ -3259,7 +3259,7 @@
           <a:p>
             <a:r>
               <a:rPr lang="en-US" dirty="0"/>
-              <a:t>Superman</a:t>
+              <a:t>Package Name: Superman</a:t>
             </a:r>
           </a:p>
         </p:txBody>
@@ -3276,8 +3276,8 @@
         </p:nvSpPr>
         <p:spPr>
           <a:xfrm>
-            <a:off x="685800" y="2743200"/>
-            <a:ext cx="6934200" cy="1905000"/>
+            <a:off x="685800" y="1885950"/>
+            <a:ext cx="6197600" cy="708025"/>
           </a:xfrm>
         </p:spPr>
         <p:txBody>
@@ -3314,6 +3314,53 @@
               <a:t>1</a:t>
             </a:fld>
             <a:endParaRPr lang="en-US"/>
+          </a:p>
+        </p:txBody>
+      </p:sp>
+      <p:sp>
+        <p:nvSpPr>
+          <p:cNvPr id="2" name="TextBox 1">
+            <a:extLst>
+              <a:ext uri="{FF2B5EF4-FFF2-40B4-BE49-F238E27FC236}">
+                <a16:creationId xmlns:a16="http://schemas.microsoft.com/office/drawing/2014/main" id="{C84F2E91-7833-2151-04B6-B1F15FECA217}"/>
+              </a:ext>
+            </a:extLst>
+          </p:cNvPr>
+          <p:cNvSpPr txBox="1"/>
+          <p:nvPr/>
+        </p:nvSpPr>
+        <p:spPr>
+          <a:xfrm>
+            <a:off x="9829800" y="5334000"/>
+            <a:ext cx="3810000" cy="523220"/>
+          </a:xfrm>
+          <a:prstGeom prst="rect">
+            <a:avLst/>
+          </a:prstGeom>
+          <a:noFill/>
+        </p:spPr>
+        <p:txBody>
+          <a:bodyPr wrap="square" rtlCol="0">
+            <a:spAutoFit/>
+          </a:bodyPr>
+          <a:lstStyle/>
+          <a:p>
+            <a:r>
+              <a:rPr lang="en-US" sz="1400" dirty="0">
+                <a:latin typeface="Open Sans"/>
+                <a:cs typeface="Open Sans"/>
+              </a:rPr>
+              <a:t>Group 3</a:t>
+            </a:r>
+          </a:p>
+          <a:p>
+            <a:r>
+              <a:rPr lang="en-US" sz="1400" dirty="0">
+                <a:latin typeface="Open Sans"/>
+                <a:cs typeface="Open Sans"/>
+              </a:rPr>
+              <a:t>Jade &amp; Eden </a:t>
+            </a:r>
           </a:p>
         </p:txBody>
       </p:sp>
@@ -3716,12 +3763,22 @@
         </p:nvSpPr>
         <p:spPr/>
         <p:txBody>
-          <a:bodyPr/>
+          <a:bodyPr>
+            <a:normAutofit fontScale="90000"/>
+          </a:bodyPr>
           <a:lstStyle/>
           <a:p>
             <a:r>
-              <a:rPr lang="en-CA" dirty="0"/>
-              <a:t>Introduction</a:t>
+              <a:rPr lang="en-CA" sz="3200" dirty="0"/>
+              <a:t>Sub-Package ‘customer’ Module ‘</a:t>
+            </a:r>
+            <a:r>
+              <a:rPr lang="en-CA" sz="3200" dirty="0" err="1"/>
+              <a:t>members.py</a:t>
+            </a:r>
+            <a:r>
+              <a:rPr lang="en-CA" sz="3200" dirty="0"/>
+              <a:t>’</a:t>
             </a:r>
           </a:p>
         </p:txBody>
@@ -3759,68 +3816,39 @@
             <p:ph type="body" sz="quarter" idx="13"/>
           </p:nvPr>
         </p:nvSpPr>
-        <p:spPr/>
+        <p:spPr>
+          <a:xfrm>
+            <a:off x="626533" y="1566333"/>
+            <a:ext cx="10972800" cy="5257800"/>
+          </a:xfrm>
+        </p:spPr>
         <p:txBody>
           <a:bodyPr/>
           <a:lstStyle/>
           <a:p>
-            <a:r>
-              <a:rPr lang="en-CA" dirty="0"/>
-              <a:t>Brief information about our project</a:t>
-            </a:r>
-          </a:p>
-          <a:p>
-            <a:r>
-              <a:rPr lang="en-CA" dirty="0"/>
-              <a:t>Supermarket Management System</a:t>
-            </a:r>
-            <a:endParaRPr lang="en-CA" dirty="0">
-              <a:solidFill>
-                <a:schemeClr val="bg1">
-                  <a:lumMod val="65000"/>
-                </a:schemeClr>
-              </a:solidFill>
-            </a:endParaRPr>
-          </a:p>
-          <a:p>
             <a:pPr marL="0" indent="0">
               <a:buNone/>
             </a:pPr>
+            <a:endParaRPr lang="en-CA" dirty="0"/>
+          </a:p>
+          <a:p>
             <a:r>
               <a:rPr lang="en-CA" dirty="0"/>
-              <a:t>	- create new market member &amp; upgrade membership to premium status</a:t>
-            </a:r>
-          </a:p>
-          <a:p>
-            <a:pPr marL="0" indent="0">
-              <a:buNone/>
-            </a:pPr>
+              <a:t> define a member class to store membership information like member id, name, email, phone number, address, account credits, account deposits, total consumption and premium membership status</a:t>
+            </a:r>
+          </a:p>
+          <a:p>
             <a:r>
               <a:rPr lang="en-CA" dirty="0"/>
-              <a:t>	- deactivate membership account</a:t>
-            </a:r>
-          </a:p>
-          <a:p>
-            <a:pPr marL="0" indent="0">
-              <a:buNone/>
-            </a:pPr>
-            <a:r>
-              <a:rPr lang="en-CA" dirty="0"/>
-              <a:t>	- record transactions, rate and review the order</a:t>
-            </a:r>
-          </a:p>
-          <a:p>
-            <a:endParaRPr lang="en-CA" dirty="0"/>
-          </a:p>
-          <a:p>
-            <a:endParaRPr lang="en-CA" dirty="0"/>
+              <a:t>create new objects with this class and change their attribute values correspondingly</a:t>
+            </a:r>
           </a:p>
         </p:txBody>
       </p:sp>
     </p:spTree>
     <p:extLst>
       <p:ext uri="{BB962C8B-B14F-4D97-AF65-F5344CB8AC3E}">
-        <p14:creationId xmlns:p14="http://schemas.microsoft.com/office/powerpoint/2010/main" val="3674036878"/>
+        <p14:creationId xmlns:p14="http://schemas.microsoft.com/office/powerpoint/2010/main" val="2969571594"/>
       </p:ext>
     </p:extLst>
   </p:cSld>
@@ -3859,12 +3887,14 @@
         </p:nvSpPr>
         <p:spPr/>
         <p:txBody>
-          <a:bodyPr/>
+          <a:bodyPr>
+            <a:normAutofit fontScale="90000"/>
+          </a:bodyPr>
           <a:lstStyle/>
           <a:p>
             <a:r>
-              <a:rPr lang="en-CA" dirty="0"/>
-              <a:t>Sub-Package ‘customer’ Module ‘members’</a:t>
+              <a:rPr lang="en-CA" sz="3200" dirty="0"/>
+              <a:t>Functions/Methods</a:t>
             </a:r>
           </a:p>
         </p:txBody>
@@ -3894,46 +3924,222 @@
       </p:sp>
       <p:sp>
         <p:nvSpPr>
-          <p:cNvPr id="4" name="Text Placeholder 3"/>
-          <p:cNvSpPr>
-            <a:spLocks noGrp="1"/>
-          </p:cNvSpPr>
-          <p:nvPr>
-            <p:ph type="body" sz="quarter" idx="13"/>
-          </p:nvPr>
-        </p:nvSpPr>
-        <p:spPr/>
+          <p:cNvPr id="5" name="TextBox 4">
+            <a:extLst>
+              <a:ext uri="{FF2B5EF4-FFF2-40B4-BE49-F238E27FC236}">
+                <a16:creationId xmlns:a16="http://schemas.microsoft.com/office/drawing/2014/main" id="{862EDA56-E99E-32E5-C698-087A78DC5F52}"/>
+              </a:ext>
+            </a:extLst>
+          </p:cNvPr>
+          <p:cNvSpPr txBox="1"/>
+          <p:nvPr/>
+        </p:nvSpPr>
+        <p:spPr>
+          <a:xfrm>
+            <a:off x="609600" y="914400"/>
+            <a:ext cx="9220200" cy="3600986"/>
+          </a:xfrm>
+          <a:prstGeom prst="rect">
+            <a:avLst/>
+          </a:prstGeom>
+          <a:noFill/>
+        </p:spPr>
         <p:txBody>
-          <a:bodyPr/>
+          <a:bodyPr wrap="square" rtlCol="0">
+            <a:spAutoFit/>
+          </a:bodyPr>
           <a:lstStyle/>
           <a:p>
-            <a:r>
-              <a:rPr lang="en-CA" dirty="0"/>
-              <a:t>Brief description</a:t>
-            </a:r>
-          </a:p>
-          <a:p>
-            <a:pPr marL="0" indent="0">
-              <a:buNone/>
+            <a:pPr marL="342900" indent="-342900">
+              <a:buFont typeface="Arial" panose="020B0604020202020204" pitchFamily="34" charset="0"/>
+              <a:buChar char="•"/>
             </a:pPr>
-            <a:endParaRPr lang="en-CA" dirty="0"/>
-          </a:p>
-          <a:p>
-            <a:r>
-              <a:rPr lang="en-CA" dirty="0"/>
-              <a:t> define a member class to store information like name, email, phone number, address, account credits and so on</a:t>
-            </a:r>
-          </a:p>
-          <a:p>
-            <a:r>
-              <a:rPr lang="en-CA" dirty="0"/>
-              <a:t>Create new member with this class</a:t>
-            </a:r>
-          </a:p>
-          <a:p>
-            <a:r>
-              <a:rPr lang="en-CA" dirty="0"/>
-              <a:t>Deactivate membership </a:t>
+            <a:r>
+              <a:rPr lang="en-US" sz="2400" dirty="0">
+                <a:cs typeface="Open Sans"/>
+              </a:rPr>
+              <a:t>__</a:t>
+            </a:r>
+            <a:r>
+              <a:rPr lang="en-US" sz="2400" dirty="0" err="1">
+                <a:cs typeface="Open Sans"/>
+              </a:rPr>
+              <a:t>init</a:t>
+            </a:r>
+            <a:r>
+              <a:rPr lang="en-US" sz="2400" dirty="0">
+                <a:cs typeface="Open Sans"/>
+              </a:rPr>
+              <a:t>__() </a:t>
+            </a:r>
+          </a:p>
+          <a:p>
+            <a:pPr marL="342900" indent="-342900">
+              <a:buFont typeface="Arial" panose="020B0604020202020204" pitchFamily="34" charset="0"/>
+              <a:buChar char="•"/>
+            </a:pPr>
+            <a:r>
+              <a:rPr lang="en-US" sz="2400" dirty="0" err="1">
+                <a:cs typeface="Open Sans"/>
+              </a:rPr>
+              <a:t>check_premium_status</a:t>
+            </a:r>
+            <a:r>
+              <a:rPr lang="en-US" sz="2400" dirty="0">
+                <a:cs typeface="Open Sans"/>
+              </a:rPr>
+              <a:t>(): check if a member is a premium member. </a:t>
+            </a:r>
+            <a:r>
+              <a:rPr lang="en-US" sz="2400" dirty="0" err="1">
+                <a:cs typeface="Open Sans"/>
+              </a:rPr>
+              <a:t>flag&amp;threshold</a:t>
+            </a:r>
+            <a:r>
+              <a:rPr lang="en-US" sz="2400" dirty="0">
+                <a:cs typeface="Open Sans"/>
+              </a:rPr>
+              <a:t> </a:t>
+            </a:r>
+          </a:p>
+          <a:p>
+            <a:pPr marL="342900" indent="-342900">
+              <a:buFont typeface="Arial" panose="020B0604020202020204" pitchFamily="34" charset="0"/>
+              <a:buChar char="•"/>
+            </a:pPr>
+            <a:r>
+              <a:rPr lang="en-US" sz="2400" dirty="0">
+                <a:cs typeface="Open Sans"/>
+              </a:rPr>
+              <a:t> </a:t>
+            </a:r>
+            <a:r>
+              <a:rPr lang="en-US" sz="2400" dirty="0" err="1">
+                <a:cs typeface="Open Sans"/>
+              </a:rPr>
+              <a:t>add_credits</a:t>
+            </a:r>
+            <a:r>
+              <a:rPr lang="en-US" sz="2400" dirty="0">
+                <a:cs typeface="Open Sans"/>
+              </a:rPr>
+              <a:t>/</a:t>
+            </a:r>
+            <a:r>
+              <a:rPr lang="en-US" sz="2400" dirty="0" err="1">
+                <a:cs typeface="Open Sans"/>
+              </a:rPr>
+              <a:t>add_consumption</a:t>
+            </a:r>
+            <a:r>
+              <a:rPr lang="en-US" sz="2400" dirty="0">
+                <a:cs typeface="Open Sans"/>
+              </a:rPr>
+              <a:t>()  for premium members, per transaction total consumption amount/10=credits. For non-premium, 100.</a:t>
+            </a:r>
+          </a:p>
+          <a:p>
+            <a:pPr marL="342900" indent="-342900">
+              <a:buFont typeface="Arial" panose="020B0604020202020204" pitchFamily="34" charset="0"/>
+              <a:buChar char="•"/>
+            </a:pPr>
+            <a:r>
+              <a:rPr lang="en-US" sz="2400" dirty="0">
+                <a:cs typeface="Open Sans"/>
+              </a:rPr>
+              <a:t> </a:t>
+            </a:r>
+            <a:r>
+              <a:rPr lang="en-US" sz="2400" dirty="0" err="1">
+                <a:cs typeface="Open Sans"/>
+              </a:rPr>
+              <a:t>get_member_info</a:t>
+            </a:r>
+            <a:r>
+              <a:rPr lang="en-US" sz="2400" dirty="0">
+                <a:cs typeface="Open Sans"/>
+              </a:rPr>
+              <a:t>(): to get all the known information of members</a:t>
+            </a:r>
+          </a:p>
+          <a:p>
+            <a:pPr marL="342900" indent="-342900">
+              <a:buFont typeface="Arial" panose="020B0604020202020204" pitchFamily="34" charset="0"/>
+              <a:buChar char="•"/>
+            </a:pPr>
+            <a:r>
+              <a:rPr lang="en-US" sz="2400" dirty="0" err="1">
+                <a:cs typeface="Open Sans"/>
+              </a:rPr>
+              <a:t>change_email</a:t>
+            </a:r>
+            <a:r>
+              <a:rPr lang="en-US" sz="2400" dirty="0">
+                <a:cs typeface="Open Sans"/>
+              </a:rPr>
+              <a:t>/phone/address(): changeable</a:t>
+            </a:r>
+          </a:p>
+          <a:p>
+            <a:pPr marL="342900" indent="-342900">
+              <a:buFont typeface="Arial" panose="020B0604020202020204" pitchFamily="34" charset="0"/>
+              <a:buChar char="•"/>
+            </a:pPr>
+            <a:endParaRPr lang="en-US" dirty="0">
+              <a:cs typeface="Open Sans"/>
+            </a:endParaRPr>
+          </a:p>
+          <a:p>
+            <a:pPr marL="342900" indent="-342900">
+              <a:buFont typeface="Arial" panose="020B0604020202020204" pitchFamily="34" charset="0"/>
+              <a:buChar char="•"/>
+            </a:pPr>
+            <a:endParaRPr lang="en-US" dirty="0">
+              <a:cs typeface="Open Sans"/>
+            </a:endParaRPr>
+          </a:p>
+        </p:txBody>
+      </p:sp>
+      <p:sp>
+        <p:nvSpPr>
+          <p:cNvPr id="6" name="TextBox 5">
+            <a:extLst>
+              <a:ext uri="{FF2B5EF4-FFF2-40B4-BE49-F238E27FC236}">
+                <a16:creationId xmlns:a16="http://schemas.microsoft.com/office/drawing/2014/main" id="{521CC191-1F48-7988-E730-F4A050ECC139}"/>
+              </a:ext>
+            </a:extLst>
+          </p:cNvPr>
+          <p:cNvSpPr txBox="1"/>
+          <p:nvPr/>
+        </p:nvSpPr>
+        <p:spPr>
+          <a:xfrm>
+            <a:off x="618066" y="4192220"/>
+            <a:ext cx="9059333" cy="461665"/>
+          </a:xfrm>
+          <a:prstGeom prst="rect">
+            <a:avLst/>
+          </a:prstGeom>
+          <a:noFill/>
+        </p:spPr>
+        <p:txBody>
+          <a:bodyPr wrap="square" rtlCol="0">
+            <a:spAutoFit/>
+          </a:bodyPr>
+          <a:lstStyle/>
+          <a:p>
+            <a:r>
+              <a:rPr lang="en-US" sz="2400" dirty="0" err="1">
+                <a:cs typeface="Open Sans"/>
+              </a:rPr>
+              <a:t>create_new_member</a:t>
+            </a:r>
+            <a:r>
+              <a:rPr lang="en-US" sz="2400" dirty="0">
+                <a:cs typeface="Open Sans"/>
+              </a:rPr>
+              <a:t>(): create new object with certain input</a:t>
             </a:r>
           </a:p>
         </p:txBody>
@@ -3941,7 +4147,7 @@
     </p:spTree>
     <p:extLst>
       <p:ext uri="{BB962C8B-B14F-4D97-AF65-F5344CB8AC3E}">
-        <p14:creationId xmlns:p14="http://schemas.microsoft.com/office/powerpoint/2010/main" val="2969571594"/>
+        <p14:creationId xmlns:p14="http://schemas.microsoft.com/office/powerpoint/2010/main" val="620414433"/>
       </p:ext>
     </p:extLst>
   </p:cSld>
@@ -3980,12 +4186,22 @@
         </p:nvSpPr>
         <p:spPr/>
         <p:txBody>
-          <a:bodyPr/>
+          <a:bodyPr>
+            <a:normAutofit fontScale="90000"/>
+          </a:bodyPr>
           <a:lstStyle/>
           <a:p>
             <a:r>
-              <a:rPr lang="en-CA" dirty="0"/>
-              <a:t>Functions</a:t>
+              <a:rPr lang="en-CA" sz="3200" dirty="0"/>
+              <a:t>Sub-Package ‘customer’ Module ‘</a:t>
+            </a:r>
+            <a:r>
+              <a:rPr lang="en-CA" sz="3200" dirty="0" err="1"/>
+              <a:t>transactions.py</a:t>
+            </a:r>
+            <a:r>
+              <a:rPr lang="en-CA" sz="3200" dirty="0"/>
+              <a:t>’ </a:t>
             </a:r>
           </a:p>
         </p:txBody>
@@ -4030,154 +4246,35 @@
           <a:p>
             <a:r>
               <a:rPr lang="en-CA" dirty="0"/>
-              <a:t>Brief description of three functions</a:t>
-            </a:r>
-          </a:p>
-          <a:p>
-            <a:r>
-              <a:rPr lang="en-CA" dirty="0">
-                <a:solidFill>
-                  <a:schemeClr val="bg1">
-                    <a:lumMod val="65000"/>
-                  </a:schemeClr>
-                </a:solidFill>
-              </a:rPr>
-              <a:t>__</a:t>
-            </a:r>
-            <a:r>
-              <a:rPr lang="en-CA" dirty="0" err="1">
-                <a:solidFill>
-                  <a:schemeClr val="bg1">
-                    <a:lumMod val="65000"/>
-                  </a:schemeClr>
-                </a:solidFill>
-              </a:rPr>
-              <a:t>init</a:t>
-            </a:r>
-            <a:r>
-              <a:rPr lang="en-CA" dirty="0">
-                <a:solidFill>
-                  <a:schemeClr val="bg1">
-                    <a:lumMod val="65000"/>
-                  </a:schemeClr>
-                </a:solidFill>
-              </a:rPr>
-              <a:t>__ set class attributes</a:t>
-            </a:r>
-          </a:p>
-          <a:p>
-            <a:r>
-              <a:rPr lang="en-CA" dirty="0" err="1">
-                <a:solidFill>
-                  <a:schemeClr val="bg1">
-                    <a:lumMod val="65000"/>
-                  </a:schemeClr>
-                </a:solidFill>
-              </a:rPr>
-              <a:t>check_premium_status</a:t>
-            </a:r>
-            <a:r>
-              <a:rPr lang="en-CA" dirty="0">
-                <a:solidFill>
-                  <a:schemeClr val="bg1">
-                    <a:lumMod val="65000"/>
-                  </a:schemeClr>
-                </a:solidFill>
-              </a:rPr>
-              <a:t>: check if member is premium member</a:t>
-            </a:r>
-          </a:p>
-          <a:p>
+              <a:t>Record transactions information: customer id, transaction id, item names, item quantities, item prices, item value(quantity*price), transaction time(same as the time when a transaction is created)</a:t>
+            </a:r>
+          </a:p>
+          <a:p>
+            <a:r>
+              <a:rPr lang="en-CA" dirty="0"/>
+              <a:t>Transaction id is generated with ‘</a:t>
+            </a:r>
             <a:r>
               <a:rPr lang="en-CA" dirty="0" err="1"/>
-              <a:t>add_deposit</a:t>
+              <a:t>uuid</a:t>
             </a:r>
             <a:r>
               <a:rPr lang="en-CA" dirty="0"/>
-              <a:t>/</a:t>
-            </a:r>
-            <a:r>
-              <a:rPr lang="en-CA" dirty="0" err="1"/>
-              <a:t>add_credit</a:t>
-            </a:r>
+              <a:t>’ and transaction time hour and second value to get a unique identifier</a:t>
+            </a:r>
+          </a:p>
+          <a:p>
             <a:r>
               <a:rPr lang="en-CA" dirty="0"/>
-              <a:t>/</a:t>
-            </a:r>
-            <a:r>
-              <a:rPr lang="en-CA" dirty="0" err="1"/>
-              <a:t>add_consumption</a:t>
-            </a:r>
-            <a:r>
-              <a:rPr lang="en-CA" dirty="0"/>
-              <a:t> : add account deposit, credit and consumption</a:t>
-            </a:r>
-          </a:p>
-          <a:p>
-            <a:r>
-              <a:rPr lang="en-CA" dirty="0" err="1"/>
-              <a:t>get_member_info</a:t>
-            </a:r>
-            <a:r>
-              <a:rPr lang="en-CA" dirty="0"/>
-              <a:t>: get all known info of class</a:t>
-            </a:r>
-          </a:p>
-          <a:p>
-            <a:r>
-              <a:rPr lang="en-CA" dirty="0" err="1"/>
-              <a:t>change_email</a:t>
-            </a:r>
-            <a:r>
-              <a:rPr lang="en-CA" dirty="0"/>
-              <a:t>/</a:t>
-            </a:r>
-            <a:r>
-              <a:rPr lang="en-CA" dirty="0" err="1"/>
-              <a:t>change_phone</a:t>
-            </a:r>
-            <a:r>
-              <a:rPr lang="en-CA" dirty="0"/>
-              <a:t>/</a:t>
-            </a:r>
-            <a:r>
-              <a:rPr lang="en-CA" dirty="0" err="1"/>
-              <a:t>change_address</a:t>
-            </a:r>
-            <a:r>
-              <a:rPr lang="en-CA" dirty="0"/>
-              <a:t>: change these information</a:t>
-            </a:r>
-          </a:p>
-          <a:p>
-            <a:r>
-              <a:rPr lang="en-CA" dirty="0" err="1"/>
-              <a:t>new_member</a:t>
-            </a:r>
-            <a:r>
-              <a:rPr lang="en-CA" dirty="0"/>
-              <a:t>: create new member according to the input</a:t>
-            </a:r>
-          </a:p>
-          <a:p>
-            <a:r>
-              <a:rPr lang="en-CA" dirty="0" err="1"/>
-              <a:t>deactivate_member</a:t>
-            </a:r>
-            <a:r>
-              <a:rPr lang="en-CA" dirty="0"/>
-              <a:t>: delete member</a:t>
-            </a:r>
-          </a:p>
-          <a:p>
-            <a:endParaRPr lang="en-CA" dirty="0"/>
+              <a:t>and take customer’s reviews and rates</a:t>
+            </a:r>
           </a:p>
         </p:txBody>
       </p:sp>
     </p:spTree>
     <p:extLst>
       <p:ext uri="{BB962C8B-B14F-4D97-AF65-F5344CB8AC3E}">
-        <p14:creationId xmlns:p14="http://schemas.microsoft.com/office/powerpoint/2010/main" val="620414433"/>
+        <p14:creationId xmlns:p14="http://schemas.microsoft.com/office/powerpoint/2010/main" val="2236773882"/>
       </p:ext>
     </p:extLst>
   </p:cSld>
@@ -4216,13 +4313,16 @@
         </p:nvSpPr>
         <p:spPr/>
         <p:txBody>
-          <a:bodyPr/>
+          <a:bodyPr>
+            <a:normAutofit fontScale="90000"/>
+          </a:bodyPr>
           <a:lstStyle/>
           <a:p>
             <a:r>
-              <a:rPr lang="en-CA" dirty="0"/>
-              <a:t>Sub-Package ‘customer’ Module ‘transactions’ </a:t>
-            </a:r>
+              <a:rPr lang="en-CA" sz="3200" dirty="0"/>
+              <a:t>Functions/Methods</a:t>
+            </a:r>
+            <a:endParaRPr lang="en-CA" sz="2800" dirty="0"/>
           </a:p>
         </p:txBody>
       </p:sp>
@@ -4265,16 +4365,105 @@
           <a:lstStyle/>
           <a:p>
             <a:r>
-              <a:rPr lang="en-CA" dirty="0"/>
-              <a:t>Record the order information and take customer’s reviews and rates</a:t>
-            </a:r>
+              <a:rPr lang="en-CA" sz="2400" dirty="0">
+                <a:latin typeface="+mn-lt"/>
+              </a:rPr>
+              <a:t> __</a:t>
+            </a:r>
+            <a:r>
+              <a:rPr lang="en-CA" sz="2400" dirty="0" err="1">
+                <a:latin typeface="+mn-lt"/>
+              </a:rPr>
+              <a:t>init</a:t>
+            </a:r>
+            <a:r>
+              <a:rPr lang="en-CA" sz="2400" dirty="0">
+                <a:latin typeface="+mn-lt"/>
+              </a:rPr>
+              <a:t>__()</a:t>
+            </a:r>
+          </a:p>
+          <a:p>
+            <a:r>
+              <a:rPr lang="en-CA" sz="2400" dirty="0" err="1">
+                <a:latin typeface="+mn-lt"/>
+              </a:rPr>
+              <a:t>write_review</a:t>
+            </a:r>
+            <a:r>
+              <a:rPr lang="en-CA" sz="2400" dirty="0">
+                <a:latin typeface="+mn-lt"/>
+              </a:rPr>
+              <a:t>/</a:t>
+            </a:r>
+            <a:r>
+              <a:rPr lang="en-CA" sz="2400" dirty="0" err="1">
+                <a:latin typeface="+mn-lt"/>
+              </a:rPr>
+              <a:t>rate_order</a:t>
+            </a:r>
+            <a:r>
+              <a:rPr lang="en-CA" sz="2400" dirty="0">
+                <a:latin typeface="+mn-lt"/>
+              </a:rPr>
+              <a:t>(): add customer </a:t>
+            </a:r>
+          </a:p>
+          <a:p>
+            <a:r>
+              <a:rPr lang="en-CA" sz="2400" dirty="0" err="1">
+                <a:latin typeface="+mn-lt"/>
+              </a:rPr>
+              <a:t>get_order_info</a:t>
+            </a:r>
+            <a:r>
+              <a:rPr lang="en-CA" sz="2400" dirty="0">
+                <a:latin typeface="+mn-lt"/>
+              </a:rPr>
+              <a:t>(): get all the known information of transaction</a:t>
+            </a:r>
+          </a:p>
+          <a:p>
+            <a:r>
+              <a:rPr lang="en-CA" sz="2400" dirty="0" err="1">
+                <a:latin typeface="+mn-lt"/>
+              </a:rPr>
+              <a:t>new_review</a:t>
+            </a:r>
+            <a:r>
+              <a:rPr lang="en-CA" sz="2400" dirty="0">
+                <a:latin typeface="+mn-lt"/>
+              </a:rPr>
+              <a:t>/</a:t>
+            </a:r>
+            <a:r>
+              <a:rPr lang="en-CA" sz="2400" dirty="0" err="1">
+                <a:latin typeface="+mn-lt"/>
+              </a:rPr>
+              <a:t>new_rate</a:t>
+            </a:r>
+            <a:r>
+              <a:rPr lang="en-CA" sz="2400" dirty="0">
+                <a:latin typeface="+mn-lt"/>
+              </a:rPr>
+              <a:t>() : add new review/change rate</a:t>
+            </a:r>
+          </a:p>
+          <a:p>
+            <a:pPr marL="0" indent="0">
+              <a:buNone/>
+            </a:pPr>
+            <a:endParaRPr lang="en-CA" dirty="0"/>
+          </a:p>
+          <a:p>
+            <a:endParaRPr lang="en-CA" dirty="0"/>
           </a:p>
         </p:txBody>
       </p:sp>
     </p:spTree>
     <p:extLst>
       <p:ext uri="{BB962C8B-B14F-4D97-AF65-F5344CB8AC3E}">
-        <p14:creationId xmlns:p14="http://schemas.microsoft.com/office/powerpoint/2010/main" val="2236773882"/>
+        <p14:creationId xmlns:p14="http://schemas.microsoft.com/office/powerpoint/2010/main" val="3135555028"/>
       </p:ext>
     </p:extLst>
   </p:cSld>
@@ -4303,28 +4492,6 @@
       </p:grpSpPr>
       <p:sp>
         <p:nvSpPr>
-          <p:cNvPr id="2" name="Title 1"/>
-          <p:cNvSpPr>
-            <a:spLocks noGrp="1"/>
-          </p:cNvSpPr>
-          <p:nvPr>
-            <p:ph type="title"/>
-          </p:nvPr>
-        </p:nvSpPr>
-        <p:spPr/>
-        <p:txBody>
-          <a:bodyPr/>
-          <a:lstStyle/>
-          <a:p>
-            <a:r>
-              <a:rPr lang="en-CA" dirty="0"/>
-              <a:t>Functions</a:t>
-            </a:r>
-          </a:p>
-        </p:txBody>
-      </p:sp>
-      <p:sp>
-        <p:nvSpPr>
           <p:cNvPr id="3" name="Slide Number Placeholder 2"/>
           <p:cNvSpPr>
             <a:spLocks noGrp="1"/>
@@ -4361,100 +4528,180 @@
           <a:bodyPr/>
           <a:lstStyle/>
           <a:p>
+            <a:pPr marL="0" indent="0">
+              <a:buNone/>
+            </a:pPr>
             <a:r>
               <a:rPr lang="en-CA" dirty="0"/>
-              <a:t>Brief description of  functions</a:t>
-            </a:r>
-          </a:p>
-          <a:p>
-            <a:r>
-              <a:rPr lang="en-CA" dirty="0"/>
-              <a:t>__</a:t>
-            </a:r>
-            <a:r>
-              <a:rPr lang="en-CA" dirty="0" err="1"/>
-              <a:t>init</a:t>
-            </a:r>
-            <a:r>
-              <a:rPr lang="en-CA" dirty="0"/>
-              <a:t>__</a:t>
-            </a:r>
-          </a:p>
-          <a:p>
-            <a:r>
-              <a:rPr lang="en-CA" dirty="0" err="1"/>
-              <a:t>write_review</a:t>
-            </a:r>
-            <a:endParaRPr lang="en-CA" dirty="0"/>
-          </a:p>
-          <a:p>
-            <a:r>
-              <a:rPr lang="en-CA" dirty="0" err="1"/>
-              <a:t>rate_order</a:t>
-            </a:r>
-            <a:endParaRPr lang="en-CA" dirty="0"/>
-          </a:p>
-          <a:p>
-            <a:r>
-              <a:rPr lang="en-CA" dirty="0"/>
-              <a:t>reorder</a:t>
-            </a:r>
-          </a:p>
-          <a:p>
-            <a:r>
-              <a:rPr lang="en-CA" dirty="0" err="1"/>
-              <a:t>get_order_info</a:t>
-            </a:r>
-            <a:endParaRPr lang="en-CA" dirty="0"/>
-          </a:p>
-          <a:p>
-            <a:r>
-              <a:rPr lang="en-CA" dirty="0" err="1"/>
-              <a:t>new_transaction</a:t>
-            </a:r>
-            <a:r>
-              <a:rPr lang="en-CA" dirty="0"/>
-              <a:t>: create new transaction</a:t>
-            </a:r>
-          </a:p>
-          <a:p>
-            <a:r>
-              <a:rPr lang="en-CA" dirty="0" err="1"/>
-              <a:t>new_review</a:t>
-            </a:r>
-            <a:r>
-              <a:rPr lang="en-CA" dirty="0"/>
-              <a:t>: add new review</a:t>
-            </a:r>
-          </a:p>
-          <a:p>
-            <a:r>
-              <a:rPr lang="en-CA" dirty="0" err="1"/>
-              <a:t>new_rate</a:t>
-            </a:r>
-            <a:r>
-              <a:rPr lang="en-CA" dirty="0"/>
-              <a:t>: change rate</a:t>
-            </a:r>
-          </a:p>
-          <a:p>
-            <a:r>
-              <a:rPr lang="en-CA" dirty="0"/>
-              <a:t>reorder: make the same order again</a:t>
-            </a:r>
-          </a:p>
-          <a:p>
-            <a:endParaRPr lang="en-CA" dirty="0"/>
-          </a:p>
-          <a:p>
-            <a:endParaRPr lang="en-CA" dirty="0"/>
+              <a:t>Supermarket Management System</a:t>
+            </a:r>
+            <a:r>
+              <a:rPr lang="en-CA" dirty="0">
+                <a:solidFill>
+                  <a:schemeClr val="bg1">
+                    <a:lumMod val="65000"/>
+                  </a:schemeClr>
+                </a:solidFill>
+              </a:rPr>
+              <a:t>: </a:t>
+            </a:r>
+            <a:r>
+              <a:rPr lang="en-CA" sz="2400" dirty="0">
+                <a:latin typeface="+mn-lt"/>
+              </a:rPr>
+              <a:t>Use </a:t>
+            </a:r>
+            <a:r>
+              <a:rPr lang="en-CA" sz="2400" dirty="0" err="1">
+                <a:latin typeface="+mn-lt"/>
+              </a:rPr>
+              <a:t>sqlite</a:t>
+            </a:r>
+            <a:r>
+              <a:rPr lang="en-CA" sz="2400" dirty="0">
+                <a:latin typeface="+mn-lt"/>
+              </a:rPr>
+              <a:t> to store and retrieve data. For all the function calls/</a:t>
+            </a:r>
+            <a:r>
+              <a:rPr lang="en-CA" sz="2400" dirty="0" err="1">
+                <a:latin typeface="+mn-lt"/>
+              </a:rPr>
+              <a:t>opertions</a:t>
+            </a:r>
+            <a:r>
+              <a:rPr lang="en-CA" sz="2400" dirty="0">
+                <a:latin typeface="+mn-lt"/>
+              </a:rPr>
+              <a:t>, </a:t>
+            </a:r>
+            <a:r>
+              <a:rPr lang="en-CA" sz="2400" dirty="0" err="1">
+                <a:latin typeface="+mn-lt"/>
+              </a:rPr>
+              <a:t>sqlite</a:t>
+            </a:r>
+            <a:r>
+              <a:rPr lang="en-CA" sz="2400" dirty="0">
+                <a:latin typeface="+mn-lt"/>
+              </a:rPr>
+              <a:t> tables will change accordingly</a:t>
+            </a:r>
+          </a:p>
+          <a:p>
+            <a:pPr marL="0" indent="0">
+              <a:buNone/>
+            </a:pPr>
+            <a:r>
+              <a:rPr lang="en-CA" sz="2400" dirty="0">
+                <a:latin typeface="+mn-lt"/>
+              </a:rPr>
+              <a:t> Functions:</a:t>
+            </a:r>
+          </a:p>
+          <a:p>
+            <a:r>
+              <a:rPr lang="en-CA" sz="2400" dirty="0">
+                <a:latin typeface="+mn-lt"/>
+              </a:rPr>
+              <a:t>login(): to ask a customer if he or she is a new member. Yes: then call some of the functions in </a:t>
+            </a:r>
+            <a:r>
+              <a:rPr lang="en-CA" sz="2400" dirty="0" err="1">
+                <a:latin typeface="+mn-lt"/>
+              </a:rPr>
+              <a:t>members.py</a:t>
+            </a:r>
+            <a:r>
+              <a:rPr lang="en-CA" sz="2400" dirty="0">
+                <a:latin typeface="+mn-lt"/>
+              </a:rPr>
+              <a:t> to create new class instance. No: for old members, with provided member id, can achieve 1) check membership information 2) change some of the info 3)check history transactions</a:t>
+            </a:r>
+          </a:p>
+          <a:p>
+            <a:r>
+              <a:rPr lang="en-CA" sz="2400" dirty="0">
+                <a:latin typeface="+mn-lt"/>
+              </a:rPr>
+              <a:t>checkout(): record and store the input transaction information. Customers choose to add account deposit and pay with deposit or not</a:t>
+            </a:r>
+          </a:p>
+          <a:p>
+            <a:r>
+              <a:rPr lang="en-CA" sz="2400" dirty="0" err="1">
+                <a:latin typeface="+mn-lt"/>
+              </a:rPr>
+              <a:t>payment_and_rate</a:t>
+            </a:r>
+            <a:r>
+              <a:rPr lang="en-CA" sz="2400" dirty="0">
+                <a:latin typeface="+mn-lt"/>
+              </a:rPr>
+              <a:t>(): change some of the </a:t>
+            </a:r>
+            <a:r>
+              <a:rPr lang="en-CA" sz="2400" dirty="0" err="1">
+                <a:latin typeface="+mn-lt"/>
+              </a:rPr>
+              <a:t>member&amp;transaction</a:t>
+            </a:r>
+            <a:r>
+              <a:rPr lang="en-CA" sz="2400" dirty="0">
+                <a:latin typeface="+mn-lt"/>
+              </a:rPr>
+              <a:t> attributes(credits, reviews etc.) as a result of checkout</a:t>
+            </a:r>
+          </a:p>
+        </p:txBody>
+      </p:sp>
+      <p:sp>
+        <p:nvSpPr>
+          <p:cNvPr id="7" name="Title 1">
+            <a:extLst>
+              <a:ext uri="{FF2B5EF4-FFF2-40B4-BE49-F238E27FC236}">
+                <a16:creationId xmlns:a16="http://schemas.microsoft.com/office/drawing/2014/main" id="{DB5D7E3B-E7F1-86E2-3084-937BA38B51CC}"/>
+              </a:ext>
+            </a:extLst>
+          </p:cNvPr>
+          <p:cNvSpPr>
+            <a:spLocks noGrp="1"/>
+          </p:cNvSpPr>
+          <p:nvPr>
+            <p:ph type="title"/>
+          </p:nvPr>
+        </p:nvSpPr>
+        <p:spPr>
+          <a:xfrm>
+            <a:off x="609600" y="419100"/>
+            <a:ext cx="10972800" cy="533400"/>
+          </a:xfrm>
+        </p:spPr>
+        <p:txBody>
+          <a:bodyPr>
+            <a:normAutofit fontScale="90000"/>
+          </a:bodyPr>
+          <a:lstStyle/>
+          <a:p>
+            <a:r>
+              <a:rPr lang="en-CA" sz="3200" dirty="0"/>
+              <a:t>Sub-Package ‘customer’ Module ‘</a:t>
+            </a:r>
+            <a:r>
+              <a:rPr lang="en-CA" sz="3200" dirty="0" err="1"/>
+              <a:t>customer_function.py</a:t>
+            </a:r>
+            <a:r>
+              <a:rPr lang="en-CA" sz="3200" dirty="0"/>
+              <a:t>’ </a:t>
+            </a:r>
           </a:p>
         </p:txBody>
       </p:sp>
     </p:spTree>
     <p:extLst>
       <p:ext uri="{BB962C8B-B14F-4D97-AF65-F5344CB8AC3E}">
-        <p14:creationId xmlns:p14="http://schemas.microsoft.com/office/powerpoint/2010/main" val="3135555028"/>
+        <p14:creationId xmlns:p14="http://schemas.microsoft.com/office/powerpoint/2010/main" val="3674036878"/>
       </p:ext>
     </p:extLst>
   </p:cSld>
